--- a/docs/BDI_Praesentation.pptx
+++ b/docs/BDI_Praesentation.pptx
@@ -13,12 +13,8 @@
     <p:sldId id="261" r:id="rId7"/>
     <p:sldId id="262" r:id="rId8"/>
     <p:sldId id="263" r:id="rId9"/>
-    <p:sldId id="264" r:id="rId10"/>
-    <p:sldId id="265" r:id="rId11"/>
-    <p:sldId id="266" r:id="rId12"/>
-    <p:sldId id="267" r:id="rId13"/>
-    <p:sldId id="268" r:id="rId14"/>
-    <p:sldId id="269" r:id="rId15"/>
+    <p:sldId id="268" r:id="rId10"/>
+    <p:sldId id="269" r:id="rId11"/>
   </p:sldIdLst>
   <p:sldSz cx="9144000" cy="6858000" type="screen4x3"/>
   <p:notesSz cx="6858000" cy="9144000"/>
@@ -2632,15 +2628,15 @@
 </file>
 
 <file path=ppt/diagrams/colors4.xml><?xml version="1.0" encoding="utf-8"?>
-<dgm:colorsDef xmlns:dgm="http://schemas.openxmlformats.org/drawingml/2006/diagram" xmlns:a="http://schemas.openxmlformats.org/drawingml/2006/main" uniqueId="urn:microsoft.com/office/officeart/2018/5/colors/Iconchunking_neutralbg_colorful1">
+<dgm:colorsDef xmlns:dgm="http://schemas.openxmlformats.org/drawingml/2006/diagram" xmlns:a="http://schemas.openxmlformats.org/drawingml/2006/main" uniqueId="urn:microsoft.com/office/officeart/2005/8/colors/colorful5">
   <dgm:title val=""/>
   <dgm:desc val=""/>
   <dgm:catLst>
-    <dgm:cat type="colorful" pri="10100"/>
+    <dgm:cat type="colorful" pri="10500"/>
   </dgm:catLst>
   <dgm:styleLbl name="node0">
     <dgm:fillClrLst meth="repeat">
-      <a:schemeClr val="accent1"/>
+      <a:schemeClr val="accent4"/>
     </dgm:fillClrLst>
     <dgm:linClrLst meth="repeat">
       <a:schemeClr val="lt1"/>
@@ -2651,17 +2647,12 @@
     <dgm:txEffectClrLst/>
   </dgm:styleLbl>
   <dgm:styleLbl name="node1">
-    <dgm:fillClrLst meth="repeat">
-      <a:schemeClr val="accent2"/>
-      <a:schemeClr val="accent3"/>
-      <a:schemeClr val="accent4"/>
+    <dgm:fillClrLst>
       <a:schemeClr val="accent5"/>
       <a:schemeClr val="accent6"/>
     </dgm:fillClrLst>
     <dgm:linClrLst meth="repeat">
-      <a:schemeClr val="lt1">
-        <a:alpha val="0"/>
-      </a:schemeClr>
+      <a:schemeClr val="lt1"/>
     </dgm:linClrLst>
     <dgm:effectClrLst/>
     <dgm:txLinClrLst/>
@@ -2669,17 +2660,11 @@
     <dgm:txEffectClrLst/>
   </dgm:styleLbl>
   <dgm:styleLbl name="alignNode1">
-    <dgm:fillClrLst meth="repeat">
-      <a:schemeClr val="accent2"/>
-      <a:schemeClr val="accent3"/>
-      <a:schemeClr val="accent4"/>
+    <dgm:fillClrLst>
       <a:schemeClr val="accent5"/>
       <a:schemeClr val="accent6"/>
     </dgm:fillClrLst>
-    <dgm:linClrLst meth="repeat">
-      <a:schemeClr val="accent2"/>
-      <a:schemeClr val="accent3"/>
-      <a:schemeClr val="accent4"/>
+    <dgm:linClrLst>
       <a:schemeClr val="accent5"/>
       <a:schemeClr val="accent6"/>
     </dgm:linClrLst>
@@ -2689,10 +2674,7 @@
     <dgm:txEffectClrLst/>
   </dgm:styleLbl>
   <dgm:styleLbl name="lnNode1">
-    <dgm:fillClrLst meth="repeat">
-      <a:schemeClr val="accent2"/>
-      <a:schemeClr val="accent3"/>
-      <a:schemeClr val="accent4"/>
+    <dgm:fillClrLst>
       <a:schemeClr val="accent5"/>
       <a:schemeClr val="accent6"/>
     </dgm:fillClrLst>
@@ -2705,16 +2687,7 @@
     <dgm:txEffectClrLst/>
   </dgm:styleLbl>
   <dgm:styleLbl name="vennNode1">
-    <dgm:fillClrLst meth="repeat">
-      <a:schemeClr val="accent2">
-        <a:alpha val="50000"/>
-      </a:schemeClr>
-      <a:schemeClr val="accent3">
-        <a:alpha val="50000"/>
-      </a:schemeClr>
-      <a:schemeClr val="accent4">
-        <a:alpha val="50000"/>
-      </a:schemeClr>
+    <dgm:fillClrLst>
       <a:schemeClr val="accent5">
         <a:alpha val="50000"/>
       </a:schemeClr>
@@ -2732,7 +2705,7 @@
   </dgm:styleLbl>
   <dgm:styleLbl name="node2">
     <dgm:fillClrLst>
-      <a:schemeClr val="accent2"/>
+      <a:schemeClr val="accent6"/>
     </dgm:fillClrLst>
     <dgm:linClrLst meth="repeat">
       <a:schemeClr val="lt1"/>
@@ -2744,7 +2717,7 @@
   </dgm:styleLbl>
   <dgm:styleLbl name="node3">
     <dgm:fillClrLst>
-      <a:schemeClr val="accent3"/>
+      <a:schemeClr val="accent1"/>
     </dgm:fillClrLst>
     <dgm:linClrLst meth="repeat">
       <a:schemeClr val="lt1"/>
@@ -2756,7 +2729,7 @@
   </dgm:styleLbl>
   <dgm:styleLbl name="node4">
     <dgm:fillClrLst>
-      <a:schemeClr val="accent4"/>
+      <a:schemeClr val="accent2"/>
     </dgm:fillClrLst>
     <dgm:linClrLst meth="repeat">
       <a:schemeClr val="lt1"/>
@@ -2767,16 +2740,7 @@
     <dgm:txEffectClrLst/>
   </dgm:styleLbl>
   <dgm:styleLbl name="fgImgPlace1">
-    <dgm:fillClrLst meth="repeat">
-      <a:schemeClr val="accent2">
-        <a:tint val="50000"/>
-      </a:schemeClr>
-      <a:schemeClr val="accent3">
-        <a:tint val="50000"/>
-      </a:schemeClr>
-      <a:schemeClr val="accent4">
-        <a:tint val="50000"/>
-      </a:schemeClr>
+    <dgm:fillClrLst>
       <a:schemeClr val="accent5">
         <a:tint val="50000"/>
       </a:schemeClr>
@@ -2796,10 +2760,10 @@
   </dgm:styleLbl>
   <dgm:styleLbl name="alignImgPlace1">
     <dgm:fillClrLst>
-      <a:schemeClr val="accent1">
+      <a:schemeClr val="accent5">
         <a:tint val="50000"/>
       </a:schemeClr>
-      <a:schemeClr val="accent2">
+      <a:schemeClr val="accent6">
         <a:tint val="20000"/>
       </a:schemeClr>
     </dgm:fillClrLst>
@@ -2815,10 +2779,10 @@
   </dgm:styleLbl>
   <dgm:styleLbl name="bgImgPlace1">
     <dgm:fillClrLst>
-      <a:schemeClr val="accent1">
+      <a:schemeClr val="accent5">
         <a:tint val="50000"/>
       </a:schemeClr>
-      <a:schemeClr val="accent2">
+      <a:schemeClr val="accent6">
         <a:tint val="20000"/>
       </a:schemeClr>
     </dgm:fillClrLst>
@@ -2833,14 +2797,11 @@
     <dgm:txEffectClrLst/>
   </dgm:styleLbl>
   <dgm:styleLbl name="sibTrans2D1">
-    <dgm:fillClrLst meth="repeat">
-      <a:schemeClr val="accent2"/>
-      <a:schemeClr val="accent3"/>
-      <a:schemeClr val="accent4"/>
+    <dgm:fillClrLst>
       <a:schemeClr val="accent5"/>
       <a:schemeClr val="accent6"/>
     </dgm:fillClrLst>
-    <dgm:linClrLst meth="cycle">
+    <dgm:linClrLst meth="repeat">
       <a:schemeClr val="lt1"/>
     </dgm:linClrLst>
     <dgm:effectClrLst/>
@@ -2849,14 +2810,11 @@
     <dgm:txEffectClrLst/>
   </dgm:styleLbl>
   <dgm:styleLbl name="fgSibTrans2D1">
-    <dgm:fillClrLst meth="repeat">
-      <a:schemeClr val="accent2"/>
-      <a:schemeClr val="accent3"/>
-      <a:schemeClr val="accent4"/>
+    <dgm:fillClrLst>
       <a:schemeClr val="accent5"/>
       <a:schemeClr val="accent6"/>
     </dgm:fillClrLst>
-    <dgm:linClrLst meth="cycle">
+    <dgm:linClrLst meth="repeat">
       <a:schemeClr val="lt1"/>
     </dgm:linClrLst>
     <dgm:effectClrLst/>
@@ -2867,14 +2825,11 @@
     <dgm:txEffectClrLst/>
   </dgm:styleLbl>
   <dgm:styleLbl name="bgSibTrans2D1">
-    <dgm:fillClrLst meth="repeat">
-      <a:schemeClr val="accent2"/>
-      <a:schemeClr val="accent3"/>
-      <a:schemeClr val="accent4"/>
+    <dgm:fillClrLst>
       <a:schemeClr val="accent5"/>
       <a:schemeClr val="accent6"/>
     </dgm:fillClrLst>
-    <dgm:linClrLst meth="cycle">
+    <dgm:linClrLst meth="repeat">
       <a:schemeClr val="lt1"/>
     </dgm:linClrLst>
     <dgm:effectClrLst/>
@@ -2885,17 +2840,8 @@
     <dgm:txEffectClrLst/>
   </dgm:styleLbl>
   <dgm:styleLbl name="sibTrans1D1">
-    <dgm:fillClrLst meth="repeat">
-      <a:schemeClr val="accent2"/>
-      <a:schemeClr val="accent3"/>
-      <a:schemeClr val="accent4"/>
-      <a:schemeClr val="accent5"/>
-      <a:schemeClr val="accent6"/>
-    </dgm:fillClrLst>
-    <dgm:linClrLst meth="repeat">
-      <a:schemeClr val="accent2"/>
-      <a:schemeClr val="accent3"/>
-      <a:schemeClr val="accent4"/>
+    <dgm:fillClrLst/>
+    <dgm:linClrLst>
       <a:schemeClr val="accent5"/>
       <a:schemeClr val="accent6"/>
     </dgm:linClrLst>
@@ -2908,10 +2854,10 @@
   </dgm:styleLbl>
   <dgm:styleLbl name="callout">
     <dgm:fillClrLst meth="repeat">
-      <a:schemeClr val="accent2"/>
+      <a:schemeClr val="accent5"/>
     </dgm:fillClrLst>
     <dgm:linClrLst meth="repeat">
-      <a:schemeClr val="accent2">
+      <a:schemeClr val="accent5">
         <a:tint val="50000"/>
       </a:schemeClr>
     </dgm:linClrLst>
@@ -2924,6 +2870,34 @@
   </dgm:styleLbl>
   <dgm:styleLbl name="asst0">
     <dgm:fillClrLst meth="repeat">
+      <a:schemeClr val="accent5"/>
+    </dgm:fillClrLst>
+    <dgm:linClrLst meth="repeat">
+      <a:schemeClr val="lt1">
+        <a:shade val="80000"/>
+      </a:schemeClr>
+    </dgm:linClrLst>
+    <dgm:effectClrLst/>
+    <dgm:txLinClrLst/>
+    <dgm:txFillClrLst/>
+    <dgm:txEffectClrLst/>
+  </dgm:styleLbl>
+  <dgm:styleLbl name="asst1">
+    <dgm:fillClrLst meth="repeat">
+      <a:schemeClr val="accent6"/>
+    </dgm:fillClrLst>
+    <dgm:linClrLst meth="repeat">
+      <a:schemeClr val="lt1">
+        <a:shade val="80000"/>
+      </a:schemeClr>
+    </dgm:linClrLst>
+    <dgm:effectClrLst/>
+    <dgm:txLinClrLst/>
+    <dgm:txFillClrLst/>
+    <dgm:txEffectClrLst/>
+  </dgm:styleLbl>
+  <dgm:styleLbl name="asst2">
+    <dgm:fillClrLst>
       <a:schemeClr val="accent1"/>
     </dgm:fillClrLst>
     <dgm:linClrLst meth="repeat">
@@ -2934,8 +2908,8 @@
     <dgm:txFillClrLst/>
     <dgm:txEffectClrLst/>
   </dgm:styleLbl>
-  <dgm:styleLbl name="asst1">
-    <dgm:fillClrLst meth="repeat">
+  <dgm:styleLbl name="asst3">
+    <dgm:fillClrLst>
       <a:schemeClr val="accent2"/>
     </dgm:fillClrLst>
     <dgm:linClrLst meth="repeat">
@@ -2946,7 +2920,7 @@
     <dgm:txFillClrLst/>
     <dgm:txEffectClrLst/>
   </dgm:styleLbl>
-  <dgm:styleLbl name="asst2">
+  <dgm:styleLbl name="asst4">
     <dgm:fillClrLst>
       <a:schemeClr val="accent3"/>
     </dgm:fillClrLst>
@@ -2958,33 +2932,9 @@
     <dgm:txFillClrLst/>
     <dgm:txEffectClrLst/>
   </dgm:styleLbl>
-  <dgm:styleLbl name="asst3">
-    <dgm:fillClrLst>
-      <a:schemeClr val="accent4"/>
-    </dgm:fillClrLst>
-    <dgm:linClrLst meth="repeat">
-      <a:schemeClr val="lt1"/>
-    </dgm:linClrLst>
-    <dgm:effectClrLst/>
-    <dgm:txLinClrLst/>
-    <dgm:txFillClrLst/>
-    <dgm:txEffectClrLst/>
-  </dgm:styleLbl>
-  <dgm:styleLbl name="asst4">
-    <dgm:fillClrLst>
-      <a:schemeClr val="accent5"/>
-    </dgm:fillClrLst>
-    <dgm:linClrLst meth="repeat">
-      <a:schemeClr val="lt1"/>
-    </dgm:linClrLst>
-    <dgm:effectClrLst/>
-    <dgm:txLinClrLst/>
-    <dgm:txFillClrLst/>
-    <dgm:txEffectClrLst/>
-  </dgm:styleLbl>
   <dgm:styleLbl name="parChTrans2D1">
     <dgm:fillClrLst meth="repeat">
-      <a:schemeClr val="accent2"/>
+      <a:schemeClr val="accent5"/>
     </dgm:fillClrLst>
     <dgm:linClrLst meth="repeat">
       <a:schemeClr val="lt1"/>
@@ -2998,7 +2948,7 @@
   </dgm:styleLbl>
   <dgm:styleLbl name="parChTrans2D2">
     <dgm:fillClrLst meth="repeat">
-      <a:schemeClr val="accent3"/>
+      <a:schemeClr val="accent6"/>
     </dgm:fillClrLst>
     <dgm:linClrLst meth="repeat">
       <a:schemeClr val="lt1"/>
@@ -3010,7 +2960,7 @@
   </dgm:styleLbl>
   <dgm:styleLbl name="parChTrans2D3">
     <dgm:fillClrLst meth="repeat">
-      <a:schemeClr val="accent4"/>
+      <a:schemeClr val="accent6"/>
     </dgm:fillClrLst>
     <dgm:linClrLst meth="repeat">
       <a:schemeClr val="lt1"/>
@@ -3022,7 +2972,7 @@
   </dgm:styleLbl>
   <dgm:styleLbl name="parChTrans2D4">
     <dgm:fillClrLst meth="repeat">
-      <a:schemeClr val="accent5"/>
+      <a:schemeClr val="accent1"/>
     </dgm:fillClrLst>
     <dgm:linClrLst meth="repeat">
       <a:schemeClr val="lt1"/>
@@ -3036,10 +2986,10 @@
   </dgm:styleLbl>
   <dgm:styleLbl name="parChTrans1D1">
     <dgm:fillClrLst meth="repeat">
-      <a:schemeClr val="accent2"/>
+      <a:schemeClr val="accent5"/>
     </dgm:fillClrLst>
     <dgm:linClrLst meth="repeat">
-      <a:schemeClr val="accent1"/>
+      <a:schemeClr val="accent5"/>
     </dgm:linClrLst>
     <dgm:effectClrLst/>
     <dgm:txLinClrLst/>
@@ -3050,12 +3000,12 @@
   </dgm:styleLbl>
   <dgm:styleLbl name="parChTrans1D2">
     <dgm:fillClrLst meth="repeat">
-      <a:schemeClr val="accent3">
+      <a:schemeClr val="accent6">
         <a:tint val="90000"/>
       </a:schemeClr>
     </dgm:fillClrLst>
     <dgm:linClrLst meth="repeat">
-      <a:schemeClr val="accent2"/>
+      <a:schemeClr val="accent6"/>
     </dgm:linClrLst>
     <dgm:effectClrLst/>
     <dgm:txLinClrLst/>
@@ -3066,12 +3016,12 @@
   </dgm:styleLbl>
   <dgm:styleLbl name="parChTrans1D3">
     <dgm:fillClrLst meth="repeat">
-      <a:schemeClr val="accent4">
+      <a:schemeClr val="accent6">
         <a:tint val="70000"/>
       </a:schemeClr>
     </dgm:fillClrLst>
     <dgm:linClrLst meth="repeat">
-      <a:schemeClr val="accent3"/>
+      <a:schemeClr val="accent1"/>
     </dgm:linClrLst>
     <dgm:effectClrLst/>
     <dgm:txLinClrLst/>
@@ -3082,12 +3032,12 @@
   </dgm:styleLbl>
   <dgm:styleLbl name="parChTrans1D4">
     <dgm:fillClrLst meth="repeat">
-      <a:schemeClr val="accent5">
+      <a:schemeClr val="accent6">
         <a:tint val="50000"/>
       </a:schemeClr>
     </dgm:fillClrLst>
     <dgm:linClrLst meth="repeat">
-      <a:schemeClr val="accent4"/>
+      <a:schemeClr val="accent2"/>
     </dgm:linClrLst>
     <dgm:effectClrLst/>
     <dgm:txLinClrLst/>
@@ -3102,10 +3052,7 @@
         <a:alpha val="90000"/>
       </a:schemeClr>
     </dgm:fillClrLst>
-    <dgm:linClrLst meth="repeat">
-      <a:schemeClr val="accent2"/>
-      <a:schemeClr val="accent3"/>
-      <a:schemeClr val="accent4"/>
+    <dgm:linClrLst>
       <a:schemeClr val="accent5"/>
       <a:schemeClr val="accent6"/>
     </dgm:linClrLst>
@@ -3122,10 +3069,7 @@
         <a:alpha val="90000"/>
       </a:schemeClr>
     </dgm:fillClrLst>
-    <dgm:linClrLst meth="repeat">
-      <a:schemeClr val="accent2"/>
-      <a:schemeClr val="accent3"/>
-      <a:schemeClr val="accent4"/>
+    <dgm:linClrLst>
       <a:schemeClr val="accent5"/>
       <a:schemeClr val="accent6"/>
     </dgm:linClrLst>
@@ -3142,10 +3086,7 @@
         <a:alpha val="90000"/>
       </a:schemeClr>
     </dgm:fillClrLst>
-    <dgm:linClrLst meth="repeat">
-      <a:schemeClr val="accent2"/>
-      <a:schemeClr val="accent3"/>
-      <a:schemeClr val="accent4"/>
+    <dgm:linClrLst>
       <a:schemeClr val="accent5"/>
       <a:schemeClr val="accent6"/>
     </dgm:linClrLst>
@@ -3163,7 +3104,7 @@
       </a:schemeClr>
     </dgm:fillClrLst>
     <dgm:linClrLst meth="repeat">
-      <a:schemeClr val="accent1"/>
+      <a:schemeClr val="accent5"/>
     </dgm:linClrLst>
     <dgm:effectClrLst/>
     <dgm:txLinClrLst/>
@@ -3178,10 +3119,7 @@
         <a:alpha val="90000"/>
       </a:schemeClr>
     </dgm:fillClrLst>
-    <dgm:linClrLst meth="repeat">
-      <a:schemeClr val="accent2"/>
-      <a:schemeClr val="accent3"/>
-      <a:schemeClr val="accent4"/>
+    <dgm:linClrLst>
       <a:schemeClr val="accent5"/>
       <a:schemeClr val="accent6"/>
     </dgm:linClrLst>
@@ -3196,10 +3134,7 @@
     <dgm:fillClrLst meth="repeat">
       <a:schemeClr val="lt1"/>
     </dgm:fillClrLst>
-    <dgm:linClrLst meth="repeat">
-      <a:schemeClr val="accent2"/>
-      <a:schemeClr val="accent3"/>
-      <a:schemeClr val="accent4"/>
+    <dgm:linClrLst>
       <a:schemeClr val="accent5"/>
       <a:schemeClr val="accent6"/>
     </dgm:linClrLst>
@@ -3214,10 +3149,7 @@
     <dgm:fillClrLst meth="repeat">
       <a:schemeClr val="lt1"/>
     </dgm:fillClrLst>
-    <dgm:linClrLst meth="repeat">
-      <a:schemeClr val="accent2"/>
-      <a:schemeClr val="accent3"/>
-      <a:schemeClr val="accent4"/>
+    <dgm:linClrLst>
       <a:schemeClr val="accent5"/>
       <a:schemeClr val="accent6"/>
     </dgm:linClrLst>
@@ -3232,10 +3164,7 @@
     <dgm:fillClrLst meth="repeat">
       <a:schemeClr val="lt1"/>
     </dgm:fillClrLst>
-    <dgm:linClrLst meth="repeat">
-      <a:schemeClr val="accent2"/>
-      <a:schemeClr val="accent3"/>
-      <a:schemeClr val="accent4"/>
+    <dgm:linClrLst>
       <a:schemeClr val="accent5"/>
       <a:schemeClr val="accent6"/>
     </dgm:linClrLst>
@@ -3247,19 +3176,7 @@
     <dgm:txEffectClrLst/>
   </dgm:styleLbl>
   <dgm:styleLbl name="fgAccFollowNode1">
-    <dgm:fillClrLst meth="repeat">
-      <a:schemeClr val="accent2">
-        <a:tint val="40000"/>
-        <a:alpha val="90000"/>
-      </a:schemeClr>
-      <a:schemeClr val="accent3">
-        <a:tint val="40000"/>
-        <a:alpha val="90000"/>
-      </a:schemeClr>
-      <a:schemeClr val="accent4">
-        <a:tint val="40000"/>
-        <a:alpha val="90000"/>
-      </a:schemeClr>
+    <dgm:fillClrLst>
       <a:schemeClr val="accent5">
         <a:tint val="40000"/>
         <a:alpha val="90000"/>
@@ -3269,27 +3186,43 @@
         <a:alpha val="90000"/>
       </a:schemeClr>
     </dgm:fillClrLst>
-    <dgm:linClrLst meth="repeat">
-      <a:schemeClr val="accent2">
-        <a:tint val="40000"/>
-        <a:alpha val="90000"/>
-      </a:schemeClr>
-      <a:schemeClr val="accent3">
-        <a:tint val="40000"/>
-        <a:alpha val="90000"/>
-      </a:schemeClr>
-      <a:schemeClr val="accent4">
-        <a:tint val="40000"/>
-        <a:alpha val="90000"/>
-      </a:schemeClr>
+    <dgm:linClrLst>
       <a:schemeClr val="accent5">
         <a:tint val="40000"/>
         <a:alpha val="90000"/>
       </a:schemeClr>
+      <a:schemeClr val="accent5">
+        <a:tint val="40000"/>
+        <a:alpha val="90000"/>
+      </a:schemeClr>
+    </dgm:linClrLst>
+    <dgm:effectClrLst/>
+    <dgm:txLinClrLst/>
+    <dgm:txFillClrLst meth="repeat">
+      <a:schemeClr val="dk1"/>
+    </dgm:txFillClrLst>
+    <dgm:txEffectClrLst/>
+  </dgm:styleLbl>
+  <dgm:styleLbl name="alignAccFollowNode1">
+    <dgm:fillClrLst>
+      <a:schemeClr val="accent5">
+        <a:tint val="40000"/>
+        <a:alpha val="90000"/>
+      </a:schemeClr>
       <a:schemeClr val="accent6">
         <a:tint val="40000"/>
         <a:alpha val="90000"/>
       </a:schemeClr>
+    </dgm:fillClrLst>
+    <dgm:linClrLst>
+      <a:schemeClr val="accent5">
+        <a:tint val="40000"/>
+        <a:alpha val="90000"/>
+      </a:schemeClr>
+      <a:schemeClr val="accent6">
+        <a:tint val="40000"/>
+        <a:alpha val="90000"/>
+      </a:schemeClr>
     </dgm:linClrLst>
     <dgm:effectClrLst/>
     <dgm:txLinClrLst/>
@@ -3298,20 +3231,8 @@
     </dgm:txFillClrLst>
     <dgm:txEffectClrLst/>
   </dgm:styleLbl>
-  <dgm:styleLbl name="alignAccFollowNode1">
-    <dgm:fillClrLst meth="repeat">
-      <a:schemeClr val="accent2">
-        <a:tint val="40000"/>
-        <a:alpha val="90000"/>
-      </a:schemeClr>
-      <a:schemeClr val="accent3">
-        <a:tint val="40000"/>
-        <a:alpha val="90000"/>
-      </a:schemeClr>
-      <a:schemeClr val="accent4">
-        <a:tint val="40000"/>
-        <a:alpha val="90000"/>
-      </a:schemeClr>
+  <dgm:styleLbl name="bgAccFollowNode1">
+    <dgm:fillClrLst>
       <a:schemeClr val="accent5">
         <a:tint val="40000"/>
         <a:alpha val="90000"/>
@@ -3321,71 +3242,7 @@
         <a:alpha val="90000"/>
       </a:schemeClr>
     </dgm:fillClrLst>
-    <dgm:linClrLst meth="repeat">
-      <a:schemeClr val="accent2">
-        <a:tint val="40000"/>
-        <a:alpha val="90000"/>
-      </a:schemeClr>
-      <a:schemeClr val="accent3">
-        <a:tint val="40000"/>
-        <a:alpha val="90000"/>
-      </a:schemeClr>
-      <a:schemeClr val="accent4">
-        <a:tint val="40000"/>
-        <a:alpha val="90000"/>
-      </a:schemeClr>
-      <a:schemeClr val="accent5">
-        <a:tint val="40000"/>
-        <a:alpha val="90000"/>
-      </a:schemeClr>
-      <a:schemeClr val="accent6">
-        <a:tint val="40000"/>
-        <a:alpha val="90000"/>
-      </a:schemeClr>
-    </dgm:linClrLst>
-    <dgm:effectClrLst/>
-    <dgm:txLinClrLst/>
-    <dgm:txFillClrLst meth="repeat">
-      <a:schemeClr val="dk1"/>
-    </dgm:txFillClrLst>
-    <dgm:txEffectClrLst/>
-  </dgm:styleLbl>
-  <dgm:styleLbl name="bgAccFollowNode1">
-    <dgm:fillClrLst meth="repeat">
-      <a:schemeClr val="accent2">
-        <a:tint val="40000"/>
-        <a:alpha val="90000"/>
-      </a:schemeClr>
-      <a:schemeClr val="accent3">
-        <a:tint val="40000"/>
-        <a:alpha val="90000"/>
-      </a:schemeClr>
-      <a:schemeClr val="accent4">
-        <a:tint val="40000"/>
-        <a:alpha val="90000"/>
-      </a:schemeClr>
-      <a:schemeClr val="accent5">
-        <a:tint val="40000"/>
-        <a:alpha val="90000"/>
-      </a:schemeClr>
-      <a:schemeClr val="accent6">
-        <a:tint val="40000"/>
-        <a:alpha val="90000"/>
-      </a:schemeClr>
-    </dgm:fillClrLst>
-    <dgm:linClrLst meth="repeat">
-      <a:schemeClr val="accent2">
-        <a:tint val="40000"/>
-        <a:alpha val="90000"/>
-      </a:schemeClr>
-      <a:schemeClr val="accent3">
-        <a:tint val="40000"/>
-        <a:alpha val="90000"/>
-      </a:schemeClr>
-      <a:schemeClr val="accent4">
-        <a:tint val="40000"/>
-        <a:alpha val="90000"/>
-      </a:schemeClr>
+    <dgm:linClrLst>
       <a:schemeClr val="accent5">
         <a:tint val="40000"/>
         <a:alpha val="90000"/>
@@ -3409,7 +3266,7 @@
       </a:schemeClr>
     </dgm:fillClrLst>
     <dgm:linClrLst>
-      <a:schemeClr val="accent1"/>
+      <a:schemeClr val="accent4"/>
     </dgm:linClrLst>
     <dgm:effectClrLst/>
     <dgm:txLinClrLst/>
@@ -3425,7 +3282,7 @@
       </a:schemeClr>
     </dgm:fillClrLst>
     <dgm:linClrLst>
-      <a:schemeClr val="accent2"/>
+      <a:schemeClr val="accent6"/>
     </dgm:linClrLst>
     <dgm:effectClrLst/>
     <dgm:txLinClrLst/>
@@ -3441,7 +3298,7 @@
       </a:schemeClr>
     </dgm:fillClrLst>
     <dgm:linClrLst>
-      <a:schemeClr val="accent3"/>
+      <a:schemeClr val="accent1"/>
     </dgm:linClrLst>
     <dgm:effectClrLst/>
     <dgm:txLinClrLst/>
@@ -3457,7 +3314,7 @@
       </a:schemeClr>
     </dgm:fillClrLst>
     <dgm:linClrLst>
-      <a:schemeClr val="accent4"/>
+      <a:schemeClr val="accent2"/>
     </dgm:linClrLst>
     <dgm:effectClrLst/>
     <dgm:txLinClrLst/>
@@ -3468,8 +3325,8 @@
   </dgm:styleLbl>
   <dgm:styleLbl name="bgShp">
     <dgm:fillClrLst meth="repeat">
-      <a:schemeClr val="bg1">
-        <a:lumMod val="95000"/>
+      <a:schemeClr val="accent5">
+        <a:tint val="40000"/>
       </a:schemeClr>
     </dgm:fillClrLst>
     <dgm:linClrLst meth="repeat">
@@ -3484,7 +3341,7 @@
   </dgm:styleLbl>
   <dgm:styleLbl name="dkBgShp">
     <dgm:fillClrLst meth="repeat">
-      <a:schemeClr val="accent2">
+      <a:schemeClr val="accent5">
         <a:shade val="90000"/>
       </a:schemeClr>
     </dgm:fillClrLst>
@@ -3500,13 +3357,13 @@
   </dgm:styleLbl>
   <dgm:styleLbl name="trBgShp">
     <dgm:fillClrLst meth="repeat">
-      <a:schemeClr val="accent1">
+      <a:schemeClr val="accent5">
         <a:tint val="50000"/>
         <a:alpha val="40000"/>
       </a:schemeClr>
     </dgm:fillClrLst>
     <dgm:linClrLst meth="repeat">
-      <a:schemeClr val="accent2"/>
+      <a:schemeClr val="accent5"/>
     </dgm:linClrLst>
     <dgm:effectClrLst/>
     <dgm:txLinClrLst/>
@@ -3517,7 +3374,7 @@
   </dgm:styleLbl>
   <dgm:styleLbl name="fgShp">
     <dgm:fillClrLst meth="repeat">
-      <a:schemeClr val="accent2">
+      <a:schemeClr val="accent5">
         <a:tint val="40000"/>
       </a:schemeClr>
     </dgm:fillClrLst>
@@ -8761,7 +8618,7 @@
 <dgm:dataModel xmlns:dgm="http://schemas.openxmlformats.org/drawingml/2006/diagram" xmlns:a="http://schemas.openxmlformats.org/drawingml/2006/main">
   <dgm:ptLst>
     <dgm:pt modelId="{E65C0F1C-391D-4CCE-A55E-B3210CC24091}" type="doc">
-      <dgm:prSet loTypeId="urn:microsoft.com/office/officeart/2018/2/layout/IconVerticalSolidList" loCatId="icon" qsTypeId="urn:microsoft.com/office/officeart/2005/8/quickstyle/simple1" qsCatId="simple" csTypeId="urn:microsoft.com/office/officeart/2018/5/colors/Iconchunking_neutralbg_colorful1" csCatId="colorful" phldr="1"/>
+      <dgm:prSet loTypeId="urn:microsoft.com/office/officeart/2016/7/layout/RepeatingBendingProcessNew" loCatId="process" qsTypeId="urn:microsoft.com/office/officeart/2005/8/quickstyle/simple1" qsCatId="simple" csTypeId="urn:microsoft.com/office/officeart/2005/8/colors/colorful5" csCatId="colorful" phldr="1"/>
       <dgm:spPr/>
       <dgm:t>
         <a:bodyPr/>
@@ -8778,6 +8635,11 @@
         <a:bodyPr/>
         <a:lstStyle/>
         <a:p>
+          <a:pPr>
+            <a:lnSpc>
+              <a:spcPct val="100000"/>
+            </a:lnSpc>
+          </a:pPr>
           <a:r>
             <a:rPr lang="en-US"/>
             <a:t>/scraper – Web Scraping </a:t>
@@ -8822,6 +8684,11 @@
         <a:bodyPr/>
         <a:lstStyle/>
         <a:p>
+          <a:pPr>
+            <a:lnSpc>
+              <a:spcPct val="100000"/>
+            </a:lnSpc>
+          </a:pPr>
           <a:r>
             <a:rPr lang="en-US"/>
             <a:t>/data – CSV-Rohdaten und Zwischenergebnisse</a:t>
@@ -8858,6 +8725,11 @@
         <a:bodyPr/>
         <a:lstStyle/>
         <a:p>
+          <a:pPr>
+            <a:lnSpc>
+              <a:spcPct val="100000"/>
+            </a:lnSpc>
+          </a:pPr>
           <a:r>
             <a:rPr lang="en-US"/>
             <a:t>/notebooks – Jupyter Notebooks für Analyse</a:t>
@@ -8894,6 +8766,11 @@
         <a:bodyPr/>
         <a:lstStyle/>
         <a:p>
+          <a:pPr>
+            <a:lnSpc>
+              <a:spcPct val="100000"/>
+            </a:lnSpc>
+          </a:pPr>
           <a:r>
             <a:rPr lang="en-US"/>
             <a:t>/docker – MongoDB Setup für Datenhaltung</a:t>
@@ -8930,6 +8807,11 @@
         <a:bodyPr/>
         <a:lstStyle/>
         <a:p>
+          <a:pPr>
+            <a:lnSpc>
+              <a:spcPct val="100000"/>
+            </a:lnSpc>
+          </a:pPr>
           <a:r>
             <a:rPr lang="en-US"/>
             <a:t>/docs – Architekturdiagramm &amp; Dokumentation</a:t>
@@ -8959,8 +8841,8 @@
         </a:p>
       </dgm:t>
     </dgm:pt>
-    <dgm:pt modelId="{566F6BCB-E204-4614-94AD-DEDC07522633}" type="pres">
-      <dgm:prSet presAssocID="{E65C0F1C-391D-4CCE-A55E-B3210CC24091}" presName="root" presStyleCnt="0">
+    <dgm:pt modelId="{F16F4922-2AF4-3A44-B94F-576A882461FF}" type="pres">
+      <dgm:prSet presAssocID="{E65C0F1C-391D-4CCE-A55E-B3210CC24091}" presName="Name0" presStyleCnt="0">
         <dgm:presLayoutVars>
           <dgm:dir/>
           <dgm:resizeHandles val="exact"/>
@@ -8968,309 +8850,112 @@
       </dgm:prSet>
       <dgm:spPr/>
     </dgm:pt>
-    <dgm:pt modelId="{BA66496F-AF49-4B5B-B7C9-9E8A2BE244F7}" type="pres">
-      <dgm:prSet presAssocID="{F4D0A0E1-0281-4547-B424-1CFA9F4C2ADD}" presName="compNode" presStyleCnt="0"/>
-      <dgm:spPr/>
-    </dgm:pt>
-    <dgm:pt modelId="{15FB6490-4590-40C6-A27C-83ABA2ABC898}" type="pres">
-      <dgm:prSet presAssocID="{F4D0A0E1-0281-4547-B424-1CFA9F4C2ADD}" presName="bgRect" presStyleLbl="bgShp" presStyleIdx="0" presStyleCnt="5"/>
-      <dgm:spPr/>
-    </dgm:pt>
-    <dgm:pt modelId="{DF13378F-6B9D-4F5C-B6F0-F3A0046D3390}" type="pres">
-      <dgm:prSet presAssocID="{F4D0A0E1-0281-4547-B424-1CFA9F4C2ADD}" presName="iconRect" presStyleLbl="node1" presStyleIdx="0" presStyleCnt="5"/>
-      <dgm:spPr>
-        <a:blipFill>
-          <a:blip xmlns:r="http://schemas.openxmlformats.org/officeDocument/2006/relationships" r:embed="rId1">
-            <a:extLst>
-              <a:ext uri="{28A0092B-C50C-407E-A947-70E740481C1C}">
-                <a14:useLocalDpi xmlns:a14="http://schemas.microsoft.com/office/drawing/2010/main" val="0"/>
-              </a:ext>
-              <a:ext uri="{96DAC541-7B7A-43D3-8B79-37D633B846F1}">
-                <asvg:svgBlip xmlns:asvg="http://schemas.microsoft.com/office/drawing/2016/SVG/main" r:embed="rId2"/>
-              </a:ext>
-            </a:extLst>
-          </a:blip>
-          <a:stretch>
-            <a:fillRect/>
-          </a:stretch>
-        </a:blipFill>
-        <a:ln>
-          <a:noFill/>
-        </a:ln>
-      </dgm:spPr>
-      <dgm:extLst>
-        <a:ext uri="{E40237B7-FDA0-4F09-8148-C483321AD2D9}">
-          <dgm14:cNvPr xmlns:dgm14="http://schemas.microsoft.com/office/drawing/2010/diagram" id="0" name="" descr="Mop and bucket"/>
-        </a:ext>
-      </dgm:extLst>
-    </dgm:pt>
-    <dgm:pt modelId="{5C52FF76-E9BF-4C82-9F28-C2933B9D203E}" type="pres">
-      <dgm:prSet presAssocID="{F4D0A0E1-0281-4547-B424-1CFA9F4C2ADD}" presName="spaceRect" presStyleCnt="0"/>
-      <dgm:spPr/>
-    </dgm:pt>
-    <dgm:pt modelId="{C9E3EBAD-BED1-4F72-807C-C4D845DAB80A}" type="pres">
-      <dgm:prSet presAssocID="{F4D0A0E1-0281-4547-B424-1CFA9F4C2ADD}" presName="parTx" presStyleLbl="revTx" presStyleIdx="0" presStyleCnt="5">
+    <dgm:pt modelId="{66524B11-85E4-1342-B59A-854A64D304D2}" type="pres">
+      <dgm:prSet presAssocID="{F4D0A0E1-0281-4547-B424-1CFA9F4C2ADD}" presName="node" presStyleLbl="node1" presStyleIdx="0" presStyleCnt="5">
         <dgm:presLayoutVars>
-          <dgm:chMax val="0"/>
-          <dgm:chPref val="0"/>
+          <dgm:bulletEnabled val="1"/>
         </dgm:presLayoutVars>
       </dgm:prSet>
       <dgm:spPr/>
     </dgm:pt>
-    <dgm:pt modelId="{41B5462B-5957-41A2-A6EB-CA5ED4BDC736}" type="pres">
-      <dgm:prSet presAssocID="{B64DBCB1-B662-4037-9FA5-864A3CD239F6}" presName="sibTrans" presStyleCnt="0"/>
+    <dgm:pt modelId="{B90B0E8F-34F8-DC40-93B3-667A491E9079}" type="pres">
+      <dgm:prSet presAssocID="{B64DBCB1-B662-4037-9FA5-864A3CD239F6}" presName="sibTrans" presStyleLbl="sibTrans1D1" presStyleIdx="0" presStyleCnt="4"/>
       <dgm:spPr/>
     </dgm:pt>
-    <dgm:pt modelId="{5E3D150D-4A05-41A3-891E-F46921E2984A}" type="pres">
-      <dgm:prSet presAssocID="{7B3209B0-37F7-4D1E-990C-976D4DCDC11B}" presName="compNode" presStyleCnt="0"/>
+    <dgm:pt modelId="{BA4D2A31-D3E1-CC47-BA4E-00A22FE5484A}" type="pres">
+      <dgm:prSet presAssocID="{B64DBCB1-B662-4037-9FA5-864A3CD239F6}" presName="connectorText" presStyleLbl="sibTrans1D1" presStyleIdx="0" presStyleCnt="4"/>
       <dgm:spPr/>
     </dgm:pt>
-    <dgm:pt modelId="{5ACE2DFF-4043-4A9E-9B55-C1E801563297}" type="pres">
-      <dgm:prSet presAssocID="{7B3209B0-37F7-4D1E-990C-976D4DCDC11B}" presName="bgRect" presStyleLbl="bgShp" presStyleIdx="1" presStyleCnt="5"/>
-      <dgm:spPr/>
-    </dgm:pt>
-    <dgm:pt modelId="{150E581C-381C-4658-87C1-E75A9CEADC55}" type="pres">
-      <dgm:prSet presAssocID="{7B3209B0-37F7-4D1E-990C-976D4DCDC11B}" presName="iconRect" presStyleLbl="node1" presStyleIdx="1" presStyleCnt="5"/>
-      <dgm:spPr>
-        <a:blipFill>
-          <a:blip xmlns:r="http://schemas.openxmlformats.org/officeDocument/2006/relationships" r:embed="rId3">
-            <a:extLst>
-              <a:ext uri="{28A0092B-C50C-407E-A947-70E740481C1C}">
-                <a14:useLocalDpi xmlns:a14="http://schemas.microsoft.com/office/drawing/2010/main" val="0"/>
-              </a:ext>
-              <a:ext uri="{96DAC541-7B7A-43D3-8B79-37D633B846F1}">
-                <asvg:svgBlip xmlns:asvg="http://schemas.microsoft.com/office/drawing/2016/SVG/main" r:embed="rId4"/>
-              </a:ext>
-            </a:extLst>
-          </a:blip>
-          <a:stretch>
-            <a:fillRect/>
-          </a:stretch>
-        </a:blipFill>
-        <a:ln>
-          <a:noFill/>
-        </a:ln>
-      </dgm:spPr>
-      <dgm:extLst>
-        <a:ext uri="{E40237B7-FDA0-4F09-8148-C483321AD2D9}">
-          <dgm14:cNvPr xmlns:dgm14="http://schemas.microsoft.com/office/drawing/2010/diagram" id="0" name="" descr="Tabelle"/>
-        </a:ext>
-      </dgm:extLst>
-    </dgm:pt>
-    <dgm:pt modelId="{B7C64091-CBD6-4BEB-B06D-046C23E5707E}" type="pres">
-      <dgm:prSet presAssocID="{7B3209B0-37F7-4D1E-990C-976D4DCDC11B}" presName="spaceRect" presStyleCnt="0"/>
-      <dgm:spPr/>
-    </dgm:pt>
-    <dgm:pt modelId="{65CBB874-40DC-4041-BA3D-AA6F3582B8E2}" type="pres">
-      <dgm:prSet presAssocID="{7B3209B0-37F7-4D1E-990C-976D4DCDC11B}" presName="parTx" presStyleLbl="revTx" presStyleIdx="1" presStyleCnt="5">
+    <dgm:pt modelId="{95146780-39EE-AC42-A472-42A6A750CB50}" type="pres">
+      <dgm:prSet presAssocID="{7B3209B0-37F7-4D1E-990C-976D4DCDC11B}" presName="node" presStyleLbl="node1" presStyleIdx="1" presStyleCnt="5">
         <dgm:presLayoutVars>
-          <dgm:chMax val="0"/>
-          <dgm:chPref val="0"/>
+          <dgm:bulletEnabled val="1"/>
         </dgm:presLayoutVars>
       </dgm:prSet>
       <dgm:spPr/>
     </dgm:pt>
-    <dgm:pt modelId="{65C6EDC1-B6E2-44DE-A397-C6EBA106A079}" type="pres">
-      <dgm:prSet presAssocID="{C4221A5A-E30E-4AB9-AAC0-72DEE8C4CF3B}" presName="sibTrans" presStyleCnt="0"/>
+    <dgm:pt modelId="{CA5142F1-73A3-544A-83D1-09E5B635A88B}" type="pres">
+      <dgm:prSet presAssocID="{C4221A5A-E30E-4AB9-AAC0-72DEE8C4CF3B}" presName="sibTrans" presStyleLbl="sibTrans1D1" presStyleIdx="1" presStyleCnt="4"/>
       <dgm:spPr/>
     </dgm:pt>
-    <dgm:pt modelId="{27AC4719-366C-47E3-B97E-090AAB4E95E7}" type="pres">
-      <dgm:prSet presAssocID="{EE38DDFD-63D2-4611-9C32-AA703580E3B3}" presName="compNode" presStyleCnt="0"/>
+    <dgm:pt modelId="{68245B44-CDD7-664E-B1C1-000968911465}" type="pres">
+      <dgm:prSet presAssocID="{C4221A5A-E30E-4AB9-AAC0-72DEE8C4CF3B}" presName="connectorText" presStyleLbl="sibTrans1D1" presStyleIdx="1" presStyleCnt="4"/>
       <dgm:spPr/>
     </dgm:pt>
-    <dgm:pt modelId="{664EA797-0928-46DA-A2D5-E27A6ADB6C1C}" type="pres">
-      <dgm:prSet presAssocID="{EE38DDFD-63D2-4611-9C32-AA703580E3B3}" presName="bgRect" presStyleLbl="bgShp" presStyleIdx="2" presStyleCnt="5"/>
-      <dgm:spPr/>
-    </dgm:pt>
-    <dgm:pt modelId="{121DDAA6-D1D8-4E29-B868-6D0817213080}" type="pres">
-      <dgm:prSet presAssocID="{EE38DDFD-63D2-4611-9C32-AA703580E3B3}" presName="iconRect" presStyleLbl="node1" presStyleIdx="2" presStyleCnt="5"/>
-      <dgm:spPr>
-        <a:blipFill>
-          <a:blip xmlns:r="http://schemas.openxmlformats.org/officeDocument/2006/relationships" r:embed="rId5">
-            <a:extLst>
-              <a:ext uri="{28A0092B-C50C-407E-A947-70E740481C1C}">
-                <a14:useLocalDpi xmlns:a14="http://schemas.microsoft.com/office/drawing/2010/main" val="0"/>
-              </a:ext>
-              <a:ext uri="{96DAC541-7B7A-43D3-8B79-37D633B846F1}">
-                <asvg:svgBlip xmlns:asvg="http://schemas.microsoft.com/office/drawing/2016/SVG/main" r:embed="rId6"/>
-              </a:ext>
-            </a:extLst>
-          </a:blip>
-          <a:stretch>
-            <a:fillRect/>
-          </a:stretch>
-        </a:blipFill>
-        <a:ln>
-          <a:noFill/>
-        </a:ln>
-      </dgm:spPr>
-      <dgm:extLst>
-        <a:ext uri="{E40237B7-FDA0-4F09-8148-C483321AD2D9}">
-          <dgm14:cNvPr xmlns:dgm14="http://schemas.microsoft.com/office/drawing/2010/diagram" id="0" name="" descr="Laptop"/>
-        </a:ext>
-      </dgm:extLst>
-    </dgm:pt>
-    <dgm:pt modelId="{AB39CE8B-22C1-434D-BE8E-1410AC928383}" type="pres">
-      <dgm:prSet presAssocID="{EE38DDFD-63D2-4611-9C32-AA703580E3B3}" presName="spaceRect" presStyleCnt="0"/>
-      <dgm:spPr/>
-    </dgm:pt>
-    <dgm:pt modelId="{4386A511-D9A5-47E8-BD2C-8F11E359ECB3}" type="pres">
-      <dgm:prSet presAssocID="{EE38DDFD-63D2-4611-9C32-AA703580E3B3}" presName="parTx" presStyleLbl="revTx" presStyleIdx="2" presStyleCnt="5">
+    <dgm:pt modelId="{F04BEF72-9DF2-2F4E-81FA-804FB1DCC02D}" type="pres">
+      <dgm:prSet presAssocID="{EE38DDFD-63D2-4611-9C32-AA703580E3B3}" presName="node" presStyleLbl="node1" presStyleIdx="2" presStyleCnt="5">
         <dgm:presLayoutVars>
-          <dgm:chMax val="0"/>
-          <dgm:chPref val="0"/>
+          <dgm:bulletEnabled val="1"/>
         </dgm:presLayoutVars>
       </dgm:prSet>
       <dgm:spPr/>
     </dgm:pt>
-    <dgm:pt modelId="{20966B95-FCE8-4C11-B5F8-9966BE4C0DA2}" type="pres">
-      <dgm:prSet presAssocID="{7BE35D7D-A611-48B7-8F19-54ED40B08883}" presName="sibTrans" presStyleCnt="0"/>
+    <dgm:pt modelId="{D820502F-A2CF-9542-B842-2BFFB850D111}" type="pres">
+      <dgm:prSet presAssocID="{7BE35D7D-A611-48B7-8F19-54ED40B08883}" presName="sibTrans" presStyleLbl="sibTrans1D1" presStyleIdx="2" presStyleCnt="4"/>
       <dgm:spPr/>
     </dgm:pt>
-    <dgm:pt modelId="{A94D969D-AAF9-4B06-863E-AE2F3EF063A7}" type="pres">
-      <dgm:prSet presAssocID="{360FC0BD-9B14-4262-8B0C-65081CDE3984}" presName="compNode" presStyleCnt="0"/>
+    <dgm:pt modelId="{B1B16F98-8242-394A-ADEE-27DFA7F02AD8}" type="pres">
+      <dgm:prSet presAssocID="{7BE35D7D-A611-48B7-8F19-54ED40B08883}" presName="connectorText" presStyleLbl="sibTrans1D1" presStyleIdx="2" presStyleCnt="4"/>
       <dgm:spPr/>
     </dgm:pt>
-    <dgm:pt modelId="{ECFA8350-BA36-42B0-8AB2-B249635ED8A4}" type="pres">
-      <dgm:prSet presAssocID="{360FC0BD-9B14-4262-8B0C-65081CDE3984}" presName="bgRect" presStyleLbl="bgShp" presStyleIdx="3" presStyleCnt="5"/>
-      <dgm:spPr/>
-    </dgm:pt>
-    <dgm:pt modelId="{0CF7832D-9181-43C4-8307-FA766D09693F}" type="pres">
-      <dgm:prSet presAssocID="{360FC0BD-9B14-4262-8B0C-65081CDE3984}" presName="iconRect" presStyleLbl="node1" presStyleIdx="3" presStyleCnt="5"/>
-      <dgm:spPr>
-        <a:blipFill>
-          <a:blip xmlns:r="http://schemas.openxmlformats.org/officeDocument/2006/relationships" r:embed="rId7">
-            <a:extLst>
-              <a:ext uri="{28A0092B-C50C-407E-A947-70E740481C1C}">
-                <a14:useLocalDpi xmlns:a14="http://schemas.microsoft.com/office/drawing/2010/main" val="0"/>
-              </a:ext>
-              <a:ext uri="{96DAC541-7B7A-43D3-8B79-37D633B846F1}">
-                <asvg:svgBlip xmlns:asvg="http://schemas.microsoft.com/office/drawing/2016/SVG/main" r:embed="rId8"/>
-              </a:ext>
-            </a:extLst>
-          </a:blip>
-          <a:stretch>
-            <a:fillRect/>
-          </a:stretch>
-        </a:blipFill>
-        <a:ln>
-          <a:noFill/>
-        </a:ln>
-      </dgm:spPr>
-      <dgm:extLst>
-        <a:ext uri="{E40237B7-FDA0-4F09-8148-C483321AD2D9}">
-          <dgm14:cNvPr xmlns:dgm14="http://schemas.microsoft.com/office/drawing/2010/diagram" id="0" name="" descr="Schwein"/>
-        </a:ext>
-      </dgm:extLst>
-    </dgm:pt>
-    <dgm:pt modelId="{BCE7131E-992D-4EA5-9BF5-65C7268675BB}" type="pres">
-      <dgm:prSet presAssocID="{360FC0BD-9B14-4262-8B0C-65081CDE3984}" presName="spaceRect" presStyleCnt="0"/>
-      <dgm:spPr/>
-    </dgm:pt>
-    <dgm:pt modelId="{0694A6BC-8EB3-4515-A051-2E832C4EFE15}" type="pres">
-      <dgm:prSet presAssocID="{360FC0BD-9B14-4262-8B0C-65081CDE3984}" presName="parTx" presStyleLbl="revTx" presStyleIdx="3" presStyleCnt="5">
+    <dgm:pt modelId="{0AA8BA71-8D17-474A-B3E5-120F19A22721}" type="pres">
+      <dgm:prSet presAssocID="{360FC0BD-9B14-4262-8B0C-65081CDE3984}" presName="node" presStyleLbl="node1" presStyleIdx="3" presStyleCnt="5">
         <dgm:presLayoutVars>
-          <dgm:chMax val="0"/>
-          <dgm:chPref val="0"/>
+          <dgm:bulletEnabled val="1"/>
         </dgm:presLayoutVars>
       </dgm:prSet>
       <dgm:spPr/>
     </dgm:pt>
-    <dgm:pt modelId="{91C74047-1292-422E-B429-DC9397B015AD}" type="pres">
-      <dgm:prSet presAssocID="{7FBF2205-119A-4329-AF33-CB826D8C1B9C}" presName="sibTrans" presStyleCnt="0"/>
+    <dgm:pt modelId="{0E18440A-7151-1C40-8A5F-922E756800A9}" type="pres">
+      <dgm:prSet presAssocID="{7FBF2205-119A-4329-AF33-CB826D8C1B9C}" presName="sibTrans" presStyleLbl="sibTrans1D1" presStyleIdx="3" presStyleCnt="4"/>
       <dgm:spPr/>
     </dgm:pt>
-    <dgm:pt modelId="{E6B32E31-4336-44B3-B639-F7D29350BCFC}" type="pres">
-      <dgm:prSet presAssocID="{9D6A8FB3-C60C-4511-AA37-0F23D6F7E6BC}" presName="compNode" presStyleCnt="0"/>
+    <dgm:pt modelId="{1301F76E-BF9B-EA46-A34E-0DE1B1C2D676}" type="pres">
+      <dgm:prSet presAssocID="{7FBF2205-119A-4329-AF33-CB826D8C1B9C}" presName="connectorText" presStyleLbl="sibTrans1D1" presStyleIdx="3" presStyleCnt="4"/>
       <dgm:spPr/>
     </dgm:pt>
-    <dgm:pt modelId="{30D11048-F705-43D4-9BF1-BFF0A24A32CD}" type="pres">
-      <dgm:prSet presAssocID="{9D6A8FB3-C60C-4511-AA37-0F23D6F7E6BC}" presName="bgRect" presStyleLbl="bgShp" presStyleIdx="4" presStyleCnt="5"/>
-      <dgm:spPr/>
-    </dgm:pt>
-    <dgm:pt modelId="{08D4C984-7B7D-4C1E-957F-2A667E6C393F}" type="pres">
-      <dgm:prSet presAssocID="{9D6A8FB3-C60C-4511-AA37-0F23D6F7E6BC}" presName="iconRect" presStyleLbl="node1" presStyleIdx="4" presStyleCnt="5"/>
-      <dgm:spPr>
-        <a:blipFill>
-          <a:blip xmlns:r="http://schemas.openxmlformats.org/officeDocument/2006/relationships" r:embed="rId9">
-            <a:extLst>
-              <a:ext uri="{28A0092B-C50C-407E-A947-70E740481C1C}">
-                <a14:useLocalDpi xmlns:a14="http://schemas.microsoft.com/office/drawing/2010/main" val="0"/>
-              </a:ext>
-              <a:ext uri="{96DAC541-7B7A-43D3-8B79-37D633B846F1}">
-                <asvg:svgBlip xmlns:asvg="http://schemas.microsoft.com/office/drawing/2016/SVG/main" r:embed="rId10"/>
-              </a:ext>
-            </a:extLst>
-          </a:blip>
-          <a:stretch>
-            <a:fillRect/>
-          </a:stretch>
-        </a:blipFill>
-        <a:ln>
-          <a:noFill/>
-        </a:ln>
-      </dgm:spPr>
-      <dgm:extLst>
-        <a:ext uri="{E40237B7-FDA0-4F09-8148-C483321AD2D9}">
-          <dgm14:cNvPr xmlns:dgm14="http://schemas.microsoft.com/office/drawing/2010/diagram" id="0" name="" descr="Dokument"/>
-        </a:ext>
-      </dgm:extLst>
-    </dgm:pt>
-    <dgm:pt modelId="{182FDD9E-1906-4FD2-902F-23DD0EBA9D20}" type="pres">
-      <dgm:prSet presAssocID="{9D6A8FB3-C60C-4511-AA37-0F23D6F7E6BC}" presName="spaceRect" presStyleCnt="0"/>
-      <dgm:spPr/>
-    </dgm:pt>
-    <dgm:pt modelId="{E06A9270-3661-48A6-843F-3F77BE1BE5D8}" type="pres">
-      <dgm:prSet presAssocID="{9D6A8FB3-C60C-4511-AA37-0F23D6F7E6BC}" presName="parTx" presStyleLbl="revTx" presStyleIdx="4" presStyleCnt="5">
+    <dgm:pt modelId="{3A8AE81E-8C00-C345-B45A-9C3AC4E9BAAB}" type="pres">
+      <dgm:prSet presAssocID="{9D6A8FB3-C60C-4511-AA37-0F23D6F7E6BC}" presName="node" presStyleLbl="node1" presStyleIdx="4" presStyleCnt="5">
         <dgm:presLayoutVars>
-          <dgm:chMax val="0"/>
-          <dgm:chPref val="0"/>
+          <dgm:bulletEnabled val="1"/>
         </dgm:presLayoutVars>
       </dgm:prSet>
       <dgm:spPr/>
     </dgm:pt>
   </dgm:ptLst>
   <dgm:cxnLst>
+    <dgm:cxn modelId="{36DE7201-F67D-EB48-9F2C-C861DD255057}" type="presOf" srcId="{C4221A5A-E30E-4AB9-AAC0-72DEE8C4CF3B}" destId="{CA5142F1-73A3-544A-83D1-09E5B635A88B}" srcOrd="0" destOrd="0" presId="urn:microsoft.com/office/officeart/2016/7/layout/RepeatingBendingProcessNew"/>
     <dgm:cxn modelId="{48619504-7D4E-41E1-B48A-D4F989BBE8DF}" srcId="{E65C0F1C-391D-4CCE-A55E-B3210CC24091}" destId="{9D6A8FB3-C60C-4511-AA37-0F23D6F7E6BC}" srcOrd="4" destOrd="0" parTransId="{093BDD03-FCB7-40A4-A670-4F465414A275}" sibTransId="{3DAEB9B1-CEF1-45D8-B319-C5C6C8E447B7}"/>
-    <dgm:cxn modelId="{7F31F324-748F-416A-B508-7B98601DBBFF}" type="presOf" srcId="{7B3209B0-37F7-4D1E-990C-976D4DCDC11B}" destId="{65CBB874-40DC-4041-BA3D-AA6F3582B8E2}" srcOrd="0" destOrd="0" presId="urn:microsoft.com/office/officeart/2018/2/layout/IconVerticalSolidList"/>
-    <dgm:cxn modelId="{B9A1142F-BCE4-40E6-A2CD-5300F57CB892}" type="presOf" srcId="{360FC0BD-9B14-4262-8B0C-65081CDE3984}" destId="{0694A6BC-8EB3-4515-A051-2E832C4EFE15}" srcOrd="0" destOrd="0" presId="urn:microsoft.com/office/officeart/2018/2/layout/IconVerticalSolidList"/>
+    <dgm:cxn modelId="{908C9416-764F-5C43-8486-2038B2649D4C}" type="presOf" srcId="{7BE35D7D-A611-48B7-8F19-54ED40B08883}" destId="{B1B16F98-8242-394A-ADEE-27DFA7F02AD8}" srcOrd="1" destOrd="0" presId="urn:microsoft.com/office/officeart/2016/7/layout/RepeatingBendingProcessNew"/>
     <dgm:cxn modelId="{0CB0D62F-3058-40E9-BD3F-4EA274FA017C}" srcId="{E65C0F1C-391D-4CCE-A55E-B3210CC24091}" destId="{360FC0BD-9B14-4262-8B0C-65081CDE3984}" srcOrd="3" destOrd="0" parTransId="{71495362-0D19-404E-A2F5-F3DFDCE52DF0}" sibTransId="{7FBF2205-119A-4329-AF33-CB826D8C1B9C}"/>
-    <dgm:cxn modelId="{3C3CD06F-6AF8-4E49-B1FB-88F0CD99CC58}" type="presOf" srcId="{EE38DDFD-63D2-4611-9C32-AA703580E3B3}" destId="{4386A511-D9A5-47E8-BD2C-8F11E359ECB3}" srcOrd="0" destOrd="0" presId="urn:microsoft.com/office/officeart/2018/2/layout/IconVerticalSolidList"/>
+    <dgm:cxn modelId="{690A225D-8E7B-8549-BF30-BB3C0705B90C}" type="presOf" srcId="{7BE35D7D-A611-48B7-8F19-54ED40B08883}" destId="{D820502F-A2CF-9542-B842-2BFFB850D111}" srcOrd="0" destOrd="0" presId="urn:microsoft.com/office/officeart/2016/7/layout/RepeatingBendingProcessNew"/>
+    <dgm:cxn modelId="{06A0C86C-A552-FC44-A4B7-38EEEC96169A}" type="presOf" srcId="{7FBF2205-119A-4329-AF33-CB826D8C1B9C}" destId="{0E18440A-7151-1C40-8A5F-922E756800A9}" srcOrd="0" destOrd="0" presId="urn:microsoft.com/office/officeart/2016/7/layout/RepeatingBendingProcessNew"/>
+    <dgm:cxn modelId="{4B01F96E-294F-A34D-A484-3E70844C1971}" type="presOf" srcId="{E65C0F1C-391D-4CCE-A55E-B3210CC24091}" destId="{F16F4922-2AF4-3A44-B94F-576A882461FF}" srcOrd="0" destOrd="0" presId="urn:microsoft.com/office/officeart/2016/7/layout/RepeatingBendingProcessNew"/>
     <dgm:cxn modelId="{C3452573-2CC7-48A5-A687-E0CA798B5896}" srcId="{E65C0F1C-391D-4CCE-A55E-B3210CC24091}" destId="{F4D0A0E1-0281-4547-B424-1CFA9F4C2ADD}" srcOrd="0" destOrd="0" parTransId="{A16E0984-5D59-4097-8366-4824582C70D2}" sibTransId="{B64DBCB1-B662-4037-9FA5-864A3CD239F6}"/>
     <dgm:cxn modelId="{6E78B377-6926-4715-9181-FFE4B802FA57}" srcId="{E65C0F1C-391D-4CCE-A55E-B3210CC24091}" destId="{EE38DDFD-63D2-4611-9C32-AA703580E3B3}" srcOrd="2" destOrd="0" parTransId="{2C308CF9-723F-4258-A456-1AB9384766D7}" sibTransId="{7BE35D7D-A611-48B7-8F19-54ED40B08883}"/>
-    <dgm:cxn modelId="{7ECD9678-A2F8-4BEF-8992-05E204B96C10}" type="presOf" srcId="{9D6A8FB3-C60C-4511-AA37-0F23D6F7E6BC}" destId="{E06A9270-3661-48A6-843F-3F77BE1BE5D8}" srcOrd="0" destOrd="0" presId="urn:microsoft.com/office/officeart/2018/2/layout/IconVerticalSolidList"/>
-    <dgm:cxn modelId="{319F9485-872A-4F44-A2C0-352F9B2C3038}" type="presOf" srcId="{F4D0A0E1-0281-4547-B424-1CFA9F4C2ADD}" destId="{C9E3EBAD-BED1-4F72-807C-C4D845DAB80A}" srcOrd="0" destOrd="0" presId="urn:microsoft.com/office/officeart/2018/2/layout/IconVerticalSolidList"/>
-    <dgm:cxn modelId="{AF6001C6-3F3E-4FE9-9FDC-F30A9A48807C}" type="presOf" srcId="{E65C0F1C-391D-4CCE-A55E-B3210CC24091}" destId="{566F6BCB-E204-4614-94AD-DEDC07522633}" srcOrd="0" destOrd="0" presId="urn:microsoft.com/office/officeart/2018/2/layout/IconVerticalSolidList"/>
+    <dgm:cxn modelId="{2E093583-D762-2E49-9270-854C5323102D}" type="presOf" srcId="{360FC0BD-9B14-4262-8B0C-65081CDE3984}" destId="{0AA8BA71-8D17-474A-B3E5-120F19A22721}" srcOrd="0" destOrd="0" presId="urn:microsoft.com/office/officeart/2016/7/layout/RepeatingBendingProcessNew"/>
+    <dgm:cxn modelId="{CA5B6E84-5D52-9545-9A64-1CF1C3F5C215}" type="presOf" srcId="{F4D0A0E1-0281-4547-B424-1CFA9F4C2ADD}" destId="{66524B11-85E4-1342-B59A-854A64D304D2}" srcOrd="0" destOrd="0" presId="urn:microsoft.com/office/officeart/2016/7/layout/RepeatingBendingProcessNew"/>
+    <dgm:cxn modelId="{15DF098A-FB2B-2F4D-BD49-C18F320381E4}" type="presOf" srcId="{B64DBCB1-B662-4037-9FA5-864A3CD239F6}" destId="{BA4D2A31-D3E1-CC47-BA4E-00A22FE5484A}" srcOrd="1" destOrd="0" presId="urn:microsoft.com/office/officeart/2016/7/layout/RepeatingBendingProcessNew"/>
+    <dgm:cxn modelId="{5A861C94-CC5E-5D4A-8C79-4B9EC8F1681B}" type="presOf" srcId="{EE38DDFD-63D2-4611-9C32-AA703580E3B3}" destId="{F04BEF72-9DF2-2F4E-81FA-804FB1DCC02D}" srcOrd="0" destOrd="0" presId="urn:microsoft.com/office/officeart/2016/7/layout/RepeatingBendingProcessNew"/>
+    <dgm:cxn modelId="{AA7B3095-3312-A24C-B678-E5FE3EE0DF99}" type="presOf" srcId="{9D6A8FB3-C60C-4511-AA37-0F23D6F7E6BC}" destId="{3A8AE81E-8C00-C345-B45A-9C3AC4E9BAAB}" srcOrd="0" destOrd="0" presId="urn:microsoft.com/office/officeart/2016/7/layout/RepeatingBendingProcessNew"/>
+    <dgm:cxn modelId="{9F26C3B0-75B4-8640-8994-A9880ACBBBB5}" type="presOf" srcId="{C4221A5A-E30E-4AB9-AAC0-72DEE8C4CF3B}" destId="{68245B44-CDD7-664E-B1C1-000968911465}" srcOrd="1" destOrd="0" presId="urn:microsoft.com/office/officeart/2016/7/layout/RepeatingBendingProcessNew"/>
+    <dgm:cxn modelId="{19C8F6D2-8835-664C-A7EC-F8519B6B5D35}" type="presOf" srcId="{7FBF2205-119A-4329-AF33-CB826D8C1B9C}" destId="{1301F76E-BF9B-EA46-A34E-0DE1B1C2D676}" srcOrd="1" destOrd="0" presId="urn:microsoft.com/office/officeart/2016/7/layout/RepeatingBendingProcessNew"/>
+    <dgm:cxn modelId="{091CA2E4-025F-7347-AE48-DE14F78FA655}" type="presOf" srcId="{7B3209B0-37F7-4D1E-990C-976D4DCDC11B}" destId="{95146780-39EE-AC42-A472-42A6A750CB50}" srcOrd="0" destOrd="0" presId="urn:microsoft.com/office/officeart/2016/7/layout/RepeatingBendingProcessNew"/>
+    <dgm:cxn modelId="{33E3DAF4-FBFD-B544-A816-2AB559F4E21A}" type="presOf" srcId="{B64DBCB1-B662-4037-9FA5-864A3CD239F6}" destId="{B90B0E8F-34F8-DC40-93B3-667A491E9079}" srcOrd="0" destOrd="0" presId="urn:microsoft.com/office/officeart/2016/7/layout/RepeatingBendingProcessNew"/>
     <dgm:cxn modelId="{70EB98FB-6A3E-446F-8F79-287226F75D52}" srcId="{E65C0F1C-391D-4CCE-A55E-B3210CC24091}" destId="{7B3209B0-37F7-4D1E-990C-976D4DCDC11B}" srcOrd="1" destOrd="0" parTransId="{999ADD3D-7EEF-4656-9EDA-9869BBE67B02}" sibTransId="{C4221A5A-E30E-4AB9-AAC0-72DEE8C4CF3B}"/>
-    <dgm:cxn modelId="{703CF343-ECAC-4DDE-8EFF-8754FA39D266}" type="presParOf" srcId="{566F6BCB-E204-4614-94AD-DEDC07522633}" destId="{BA66496F-AF49-4B5B-B7C9-9E8A2BE244F7}" srcOrd="0" destOrd="0" presId="urn:microsoft.com/office/officeart/2018/2/layout/IconVerticalSolidList"/>
-    <dgm:cxn modelId="{36F6A8CB-375F-461D-8227-3E46AAA71B8B}" type="presParOf" srcId="{BA66496F-AF49-4B5B-B7C9-9E8A2BE244F7}" destId="{15FB6490-4590-40C6-A27C-83ABA2ABC898}" srcOrd="0" destOrd="0" presId="urn:microsoft.com/office/officeart/2018/2/layout/IconVerticalSolidList"/>
-    <dgm:cxn modelId="{69E9A4CF-06B2-4652-811C-5156C1BC3ECD}" type="presParOf" srcId="{BA66496F-AF49-4B5B-B7C9-9E8A2BE244F7}" destId="{DF13378F-6B9D-4F5C-B6F0-F3A0046D3390}" srcOrd="1" destOrd="0" presId="urn:microsoft.com/office/officeart/2018/2/layout/IconVerticalSolidList"/>
-    <dgm:cxn modelId="{A67E5463-F0A5-4FC6-822C-0B2920D9134B}" type="presParOf" srcId="{BA66496F-AF49-4B5B-B7C9-9E8A2BE244F7}" destId="{5C52FF76-E9BF-4C82-9F28-C2933B9D203E}" srcOrd="2" destOrd="0" presId="urn:microsoft.com/office/officeart/2018/2/layout/IconVerticalSolidList"/>
-    <dgm:cxn modelId="{D19AC9D1-5BA7-406C-8BD4-CE1F69027B67}" type="presParOf" srcId="{BA66496F-AF49-4B5B-B7C9-9E8A2BE244F7}" destId="{C9E3EBAD-BED1-4F72-807C-C4D845DAB80A}" srcOrd="3" destOrd="0" presId="urn:microsoft.com/office/officeart/2018/2/layout/IconVerticalSolidList"/>
-    <dgm:cxn modelId="{F338EC38-BD32-4932-A7DB-9D94E54D5D37}" type="presParOf" srcId="{566F6BCB-E204-4614-94AD-DEDC07522633}" destId="{41B5462B-5957-41A2-A6EB-CA5ED4BDC736}" srcOrd="1" destOrd="0" presId="urn:microsoft.com/office/officeart/2018/2/layout/IconVerticalSolidList"/>
-    <dgm:cxn modelId="{4B60541B-A37B-4572-8A38-0FD78ECFE7DF}" type="presParOf" srcId="{566F6BCB-E204-4614-94AD-DEDC07522633}" destId="{5E3D150D-4A05-41A3-891E-F46921E2984A}" srcOrd="2" destOrd="0" presId="urn:microsoft.com/office/officeart/2018/2/layout/IconVerticalSolidList"/>
-    <dgm:cxn modelId="{3287EA7D-8AAD-46AD-A6FC-72B5435414DA}" type="presParOf" srcId="{5E3D150D-4A05-41A3-891E-F46921E2984A}" destId="{5ACE2DFF-4043-4A9E-9B55-C1E801563297}" srcOrd="0" destOrd="0" presId="urn:microsoft.com/office/officeart/2018/2/layout/IconVerticalSolidList"/>
-    <dgm:cxn modelId="{85A4C84A-973D-4543-A4E7-8D5BA5C77A34}" type="presParOf" srcId="{5E3D150D-4A05-41A3-891E-F46921E2984A}" destId="{150E581C-381C-4658-87C1-E75A9CEADC55}" srcOrd="1" destOrd="0" presId="urn:microsoft.com/office/officeart/2018/2/layout/IconVerticalSolidList"/>
-    <dgm:cxn modelId="{48EDCD9B-34CA-42F1-ABDC-86112F7A07A9}" type="presParOf" srcId="{5E3D150D-4A05-41A3-891E-F46921E2984A}" destId="{B7C64091-CBD6-4BEB-B06D-046C23E5707E}" srcOrd="2" destOrd="0" presId="urn:microsoft.com/office/officeart/2018/2/layout/IconVerticalSolidList"/>
-    <dgm:cxn modelId="{74D56F73-3AAC-4677-AC13-9F6A46CA37E4}" type="presParOf" srcId="{5E3D150D-4A05-41A3-891E-F46921E2984A}" destId="{65CBB874-40DC-4041-BA3D-AA6F3582B8E2}" srcOrd="3" destOrd="0" presId="urn:microsoft.com/office/officeart/2018/2/layout/IconVerticalSolidList"/>
-    <dgm:cxn modelId="{D8BCC0C7-09B2-46B7-8FFB-611A480B8ADE}" type="presParOf" srcId="{566F6BCB-E204-4614-94AD-DEDC07522633}" destId="{65C6EDC1-B6E2-44DE-A397-C6EBA106A079}" srcOrd="3" destOrd="0" presId="urn:microsoft.com/office/officeart/2018/2/layout/IconVerticalSolidList"/>
-    <dgm:cxn modelId="{431A6C91-4D4C-4539-869C-80B78CE2F19B}" type="presParOf" srcId="{566F6BCB-E204-4614-94AD-DEDC07522633}" destId="{27AC4719-366C-47E3-B97E-090AAB4E95E7}" srcOrd="4" destOrd="0" presId="urn:microsoft.com/office/officeart/2018/2/layout/IconVerticalSolidList"/>
-    <dgm:cxn modelId="{336FBCBB-802E-4444-A67D-BEB7139DA20A}" type="presParOf" srcId="{27AC4719-366C-47E3-B97E-090AAB4E95E7}" destId="{664EA797-0928-46DA-A2D5-E27A6ADB6C1C}" srcOrd="0" destOrd="0" presId="urn:microsoft.com/office/officeart/2018/2/layout/IconVerticalSolidList"/>
-    <dgm:cxn modelId="{0D91BB00-4870-432E-B970-1925257C125E}" type="presParOf" srcId="{27AC4719-366C-47E3-B97E-090AAB4E95E7}" destId="{121DDAA6-D1D8-4E29-B868-6D0817213080}" srcOrd="1" destOrd="0" presId="urn:microsoft.com/office/officeart/2018/2/layout/IconVerticalSolidList"/>
-    <dgm:cxn modelId="{D8164F3A-B6EE-40B6-90F1-DB4BF3C6004B}" type="presParOf" srcId="{27AC4719-366C-47E3-B97E-090AAB4E95E7}" destId="{AB39CE8B-22C1-434D-BE8E-1410AC928383}" srcOrd="2" destOrd="0" presId="urn:microsoft.com/office/officeart/2018/2/layout/IconVerticalSolidList"/>
-    <dgm:cxn modelId="{2F19EAE6-59CC-48D9-9AD8-3C942ED2CF75}" type="presParOf" srcId="{27AC4719-366C-47E3-B97E-090AAB4E95E7}" destId="{4386A511-D9A5-47E8-BD2C-8F11E359ECB3}" srcOrd="3" destOrd="0" presId="urn:microsoft.com/office/officeart/2018/2/layout/IconVerticalSolidList"/>
-    <dgm:cxn modelId="{77F77CD7-ADB5-4CC5-9619-718F087D34B7}" type="presParOf" srcId="{566F6BCB-E204-4614-94AD-DEDC07522633}" destId="{20966B95-FCE8-4C11-B5F8-9966BE4C0DA2}" srcOrd="5" destOrd="0" presId="urn:microsoft.com/office/officeart/2018/2/layout/IconVerticalSolidList"/>
-    <dgm:cxn modelId="{01B2F2AA-3F1F-4430-AFD7-B84F90D09076}" type="presParOf" srcId="{566F6BCB-E204-4614-94AD-DEDC07522633}" destId="{A94D969D-AAF9-4B06-863E-AE2F3EF063A7}" srcOrd="6" destOrd="0" presId="urn:microsoft.com/office/officeart/2018/2/layout/IconVerticalSolidList"/>
-    <dgm:cxn modelId="{52AEFD57-EC7C-4C91-B935-3A22536DC1F3}" type="presParOf" srcId="{A94D969D-AAF9-4B06-863E-AE2F3EF063A7}" destId="{ECFA8350-BA36-42B0-8AB2-B249635ED8A4}" srcOrd="0" destOrd="0" presId="urn:microsoft.com/office/officeart/2018/2/layout/IconVerticalSolidList"/>
-    <dgm:cxn modelId="{6CB12042-08D7-4244-AC5D-54E264ACB9EB}" type="presParOf" srcId="{A94D969D-AAF9-4B06-863E-AE2F3EF063A7}" destId="{0CF7832D-9181-43C4-8307-FA766D09693F}" srcOrd="1" destOrd="0" presId="urn:microsoft.com/office/officeart/2018/2/layout/IconVerticalSolidList"/>
-    <dgm:cxn modelId="{8BFBB330-B013-454D-9D17-59D1AEFE64D0}" type="presParOf" srcId="{A94D969D-AAF9-4B06-863E-AE2F3EF063A7}" destId="{BCE7131E-992D-4EA5-9BF5-65C7268675BB}" srcOrd="2" destOrd="0" presId="urn:microsoft.com/office/officeart/2018/2/layout/IconVerticalSolidList"/>
-    <dgm:cxn modelId="{24D0EB96-7F7F-4C4F-9D37-B14F7A0DC98E}" type="presParOf" srcId="{A94D969D-AAF9-4B06-863E-AE2F3EF063A7}" destId="{0694A6BC-8EB3-4515-A051-2E832C4EFE15}" srcOrd="3" destOrd="0" presId="urn:microsoft.com/office/officeart/2018/2/layout/IconVerticalSolidList"/>
-    <dgm:cxn modelId="{02564A15-E31F-41E5-807D-77DEEF3CDA75}" type="presParOf" srcId="{566F6BCB-E204-4614-94AD-DEDC07522633}" destId="{91C74047-1292-422E-B429-DC9397B015AD}" srcOrd="7" destOrd="0" presId="urn:microsoft.com/office/officeart/2018/2/layout/IconVerticalSolidList"/>
-    <dgm:cxn modelId="{E745A100-3104-45AC-9A8D-05E302187DD5}" type="presParOf" srcId="{566F6BCB-E204-4614-94AD-DEDC07522633}" destId="{E6B32E31-4336-44B3-B639-F7D29350BCFC}" srcOrd="8" destOrd="0" presId="urn:microsoft.com/office/officeart/2018/2/layout/IconVerticalSolidList"/>
-    <dgm:cxn modelId="{36C5267C-CC00-4648-8CE8-AB637F00A1AC}" type="presParOf" srcId="{E6B32E31-4336-44B3-B639-F7D29350BCFC}" destId="{30D11048-F705-43D4-9BF1-BFF0A24A32CD}" srcOrd="0" destOrd="0" presId="urn:microsoft.com/office/officeart/2018/2/layout/IconVerticalSolidList"/>
-    <dgm:cxn modelId="{CA58E3C9-13D7-44EA-A130-A02F36D5A6CD}" type="presParOf" srcId="{E6B32E31-4336-44B3-B639-F7D29350BCFC}" destId="{08D4C984-7B7D-4C1E-957F-2A667E6C393F}" srcOrd="1" destOrd="0" presId="urn:microsoft.com/office/officeart/2018/2/layout/IconVerticalSolidList"/>
-    <dgm:cxn modelId="{1B09C3D5-B0B9-4C44-A3B2-E79D094309AA}" type="presParOf" srcId="{E6B32E31-4336-44B3-B639-F7D29350BCFC}" destId="{182FDD9E-1906-4FD2-902F-23DD0EBA9D20}" srcOrd="2" destOrd="0" presId="urn:microsoft.com/office/officeart/2018/2/layout/IconVerticalSolidList"/>
-    <dgm:cxn modelId="{9F37A88A-137F-4CEA-99FB-07EDFD326588}" type="presParOf" srcId="{E6B32E31-4336-44B3-B639-F7D29350BCFC}" destId="{E06A9270-3661-48A6-843F-3F77BE1BE5D8}" srcOrd="3" destOrd="0" presId="urn:microsoft.com/office/officeart/2018/2/layout/IconVerticalSolidList"/>
+    <dgm:cxn modelId="{F04E1068-D79D-C940-A0BE-F8E47AC883D9}" type="presParOf" srcId="{F16F4922-2AF4-3A44-B94F-576A882461FF}" destId="{66524B11-85E4-1342-B59A-854A64D304D2}" srcOrd="0" destOrd="0" presId="urn:microsoft.com/office/officeart/2016/7/layout/RepeatingBendingProcessNew"/>
+    <dgm:cxn modelId="{C1C02863-634D-494C-B229-E8A017E2C276}" type="presParOf" srcId="{F16F4922-2AF4-3A44-B94F-576A882461FF}" destId="{B90B0E8F-34F8-DC40-93B3-667A491E9079}" srcOrd="1" destOrd="0" presId="urn:microsoft.com/office/officeart/2016/7/layout/RepeatingBendingProcessNew"/>
+    <dgm:cxn modelId="{33C338B3-1124-5F40-AEA5-CE00E1066718}" type="presParOf" srcId="{B90B0E8F-34F8-DC40-93B3-667A491E9079}" destId="{BA4D2A31-D3E1-CC47-BA4E-00A22FE5484A}" srcOrd="0" destOrd="0" presId="urn:microsoft.com/office/officeart/2016/7/layout/RepeatingBendingProcessNew"/>
+    <dgm:cxn modelId="{2B105D7B-FD6A-7C46-8C88-1F0C5D016D73}" type="presParOf" srcId="{F16F4922-2AF4-3A44-B94F-576A882461FF}" destId="{95146780-39EE-AC42-A472-42A6A750CB50}" srcOrd="2" destOrd="0" presId="urn:microsoft.com/office/officeart/2016/7/layout/RepeatingBendingProcessNew"/>
+    <dgm:cxn modelId="{9F01619A-E36F-3F46-8598-8CCF2E6BC658}" type="presParOf" srcId="{F16F4922-2AF4-3A44-B94F-576A882461FF}" destId="{CA5142F1-73A3-544A-83D1-09E5B635A88B}" srcOrd="3" destOrd="0" presId="urn:microsoft.com/office/officeart/2016/7/layout/RepeatingBendingProcessNew"/>
+    <dgm:cxn modelId="{3561FA98-4984-8341-87D0-DC63B80ECD87}" type="presParOf" srcId="{CA5142F1-73A3-544A-83D1-09E5B635A88B}" destId="{68245B44-CDD7-664E-B1C1-000968911465}" srcOrd="0" destOrd="0" presId="urn:microsoft.com/office/officeart/2016/7/layout/RepeatingBendingProcessNew"/>
+    <dgm:cxn modelId="{4719EDDF-5531-D942-A9CA-DEB4528E0AE1}" type="presParOf" srcId="{F16F4922-2AF4-3A44-B94F-576A882461FF}" destId="{F04BEF72-9DF2-2F4E-81FA-804FB1DCC02D}" srcOrd="4" destOrd="0" presId="urn:microsoft.com/office/officeart/2016/7/layout/RepeatingBendingProcessNew"/>
+    <dgm:cxn modelId="{8599631D-D49D-C647-8BEE-1F88772B26B5}" type="presParOf" srcId="{F16F4922-2AF4-3A44-B94F-576A882461FF}" destId="{D820502F-A2CF-9542-B842-2BFFB850D111}" srcOrd="5" destOrd="0" presId="urn:microsoft.com/office/officeart/2016/7/layout/RepeatingBendingProcessNew"/>
+    <dgm:cxn modelId="{A1AA8014-82C7-B947-9817-67C86FF56F02}" type="presParOf" srcId="{D820502F-A2CF-9542-B842-2BFFB850D111}" destId="{B1B16F98-8242-394A-ADEE-27DFA7F02AD8}" srcOrd="0" destOrd="0" presId="urn:microsoft.com/office/officeart/2016/7/layout/RepeatingBendingProcessNew"/>
+    <dgm:cxn modelId="{2F0F3450-D03C-6648-90B2-F25C5DE6A935}" type="presParOf" srcId="{F16F4922-2AF4-3A44-B94F-576A882461FF}" destId="{0AA8BA71-8D17-474A-B3E5-120F19A22721}" srcOrd="6" destOrd="0" presId="urn:microsoft.com/office/officeart/2016/7/layout/RepeatingBendingProcessNew"/>
+    <dgm:cxn modelId="{92BA4D85-8192-C440-984B-73BDCCFF3D24}" type="presParOf" srcId="{F16F4922-2AF4-3A44-B94F-576A882461FF}" destId="{0E18440A-7151-1C40-8A5F-922E756800A9}" srcOrd="7" destOrd="0" presId="urn:microsoft.com/office/officeart/2016/7/layout/RepeatingBendingProcessNew"/>
+    <dgm:cxn modelId="{460FC948-E202-F04B-A69C-D8E19C2B8D80}" type="presParOf" srcId="{0E18440A-7151-1C40-8A5F-922E756800A9}" destId="{1301F76E-BF9B-EA46-A34E-0DE1B1C2D676}" srcOrd="0" destOrd="0" presId="urn:microsoft.com/office/officeart/2016/7/layout/RepeatingBendingProcessNew"/>
+    <dgm:cxn modelId="{21E85617-EB86-1646-B127-B813C284A427}" type="presParOf" srcId="{F16F4922-2AF4-3A44-B94F-576A882461FF}" destId="{3A8AE81E-8C00-C345-B45A-9C3AC4E9BAAB}" srcOrd="8" destOrd="0" presId="urn:microsoft.com/office/officeart/2016/7/layout/RepeatingBendingProcessNew"/>
   </dgm:cxnLst>
   <dgm:bg/>
   <dgm:whole/>
@@ -12386,40 +12071,53 @@
       <dsp:cNvGrpSpPr/>
     </dsp:nvGrpSpPr>
     <dsp:grpSpPr/>
-    <dsp:sp modelId="{15FB6490-4590-40C6-A27C-83ABA2ABC898}">
+    <dsp:sp modelId="{B90B0E8F-34F8-DC40-93B3-667A491E9079}">
       <dsp:nvSpPr>
         <dsp:cNvPr id="0" name=""/>
         <dsp:cNvSpPr/>
       </dsp:nvSpPr>
       <dsp:spPr>
         <a:xfrm>
-          <a:off x="0" y="4307"/>
-          <a:ext cx="4773168" cy="917536"/>
+          <a:off x="2114349" y="964065"/>
+          <a:ext cx="455886" cy="91440"/>
         </a:xfrm>
-        <a:prstGeom prst="roundRect">
-          <a:avLst>
-            <a:gd name="adj" fmla="val 10000"/>
-          </a:avLst>
-        </a:prstGeom>
-        <a:solidFill>
-          <a:schemeClr val="bg1">
-            <a:lumMod val="95000"/>
-            <a:hueOff val="0"/>
-            <a:satOff val="0"/>
-            <a:lumOff val="0"/>
-            <a:alphaOff val="0"/>
-          </a:schemeClr>
-        </a:solidFill>
-        <a:ln>
-          <a:noFill/>
+        <a:custGeom>
+          <a:avLst/>
+          <a:gdLst/>
+          <a:ahLst/>
+          <a:cxnLst/>
+          <a:rect l="0" t="0" r="0" b="0"/>
+          <a:pathLst>
+            <a:path>
+              <a:moveTo>
+                <a:pt x="0" y="45720"/>
+              </a:moveTo>
+              <a:lnTo>
+                <a:pt x="455886" y="45720"/>
+              </a:lnTo>
+            </a:path>
+          </a:pathLst>
+        </a:custGeom>
+        <a:noFill/>
+        <a:ln w="9525" cap="flat" cmpd="sng" algn="ctr">
+          <a:solidFill>
+            <a:schemeClr val="accent5">
+              <a:hueOff val="0"/>
+              <a:satOff val="0"/>
+              <a:lumOff val="0"/>
+              <a:alphaOff val="0"/>
+            </a:schemeClr>
+          </a:solidFill>
+          <a:prstDash val="solid"/>
+          <a:tailEnd type="arrow"/>
         </a:ln>
         <a:effectLst/>
       </dsp:spPr>
       <dsp:style>
-        <a:lnRef idx="0">
+        <a:lnRef idx="1">
           <a:scrgbClr r="0" g="0" b="0"/>
         </a:lnRef>
-        <a:fillRef idx="1">
+        <a:fillRef idx="0">
           <a:scrgbClr r="0" g="0" b="0"/>
         </a:fillRef>
         <a:effectRef idx="0">
@@ -12427,37 +12125,62 @@
         </a:effectRef>
         <a:fontRef idx="minor"/>
       </dsp:style>
+      <dsp:txBody>
+        <a:bodyPr spcFirstLastPara="0" vert="horz" wrap="square" lIns="12700" tIns="0" rIns="12700" bIns="0" numCol="1" spcCol="1270" anchor="ctr" anchorCtr="0">
+          <a:noAutofit/>
+        </a:bodyPr>
+        <a:lstStyle/>
+        <a:p>
+          <a:pPr marL="0" lvl="0" indent="0" algn="ctr" defTabSz="222250">
+            <a:lnSpc>
+              <a:spcPct val="90000"/>
+            </a:lnSpc>
+            <a:spcBef>
+              <a:spcPct val="0"/>
+            </a:spcBef>
+            <a:spcAft>
+              <a:spcPct val="35000"/>
+            </a:spcAft>
+            <a:buNone/>
+          </a:pPr>
+          <a:endParaRPr lang="en-US" sz="500" kern="1200"/>
+        </a:p>
+      </dsp:txBody>
+      <dsp:txXfrm>
+        <a:off x="2330130" y="1007353"/>
+        <a:ext cx="24324" cy="4864"/>
+      </dsp:txXfrm>
     </dsp:sp>
-    <dsp:sp modelId="{DF13378F-6B9D-4F5C-B6F0-F3A0046D3390}">
+    <dsp:sp modelId="{66524B11-85E4-1342-B59A-854A64D304D2}">
       <dsp:nvSpPr>
         <dsp:cNvPr id="0" name=""/>
         <dsp:cNvSpPr/>
       </dsp:nvSpPr>
       <dsp:spPr>
         <a:xfrm>
-          <a:off x="277554" y="210753"/>
-          <a:ext cx="504644" cy="504644"/>
+          <a:off x="990" y="375238"/>
+          <a:ext cx="2115158" cy="1269095"/>
         </a:xfrm>
         <a:prstGeom prst="rect">
           <a:avLst/>
         </a:prstGeom>
-        <a:blipFill>
-          <a:blip xmlns:r="http://schemas.openxmlformats.org/officeDocument/2006/relationships" r:embed="rId1">
-            <a:extLst>
-              <a:ext uri="{28A0092B-C50C-407E-A947-70E740481C1C}">
-                <a14:useLocalDpi xmlns:a14="http://schemas.microsoft.com/office/drawing/2010/main" val="0"/>
-              </a:ext>
-              <a:ext uri="{96DAC541-7B7A-43D3-8B79-37D633B846F1}">
-                <asvg:svgBlip xmlns:asvg="http://schemas.microsoft.com/office/drawing/2016/SVG/main" r:embed="rId2"/>
-              </a:ext>
-            </a:extLst>
-          </a:blip>
-          <a:stretch>
-            <a:fillRect/>
-          </a:stretch>
-        </a:blipFill>
+        <a:solidFill>
+          <a:schemeClr val="accent5">
+            <a:hueOff val="0"/>
+            <a:satOff val="0"/>
+            <a:lumOff val="0"/>
+            <a:alphaOff val="0"/>
+          </a:schemeClr>
+        </a:solidFill>
         <a:ln w="25400" cap="flat" cmpd="sng" algn="ctr">
-          <a:noFill/>
+          <a:solidFill>
+            <a:schemeClr val="lt1">
+              <a:hueOff val="0"/>
+              <a:satOff val="0"/>
+              <a:lumOff val="0"/>
+              <a:alphaOff val="0"/>
+            </a:schemeClr>
+          </a:solidFill>
           <a:prstDash val="solid"/>
         </a:ln>
         <a:effectLst/>
@@ -12476,28 +12199,93 @@
           <a:schemeClr val="lt1"/>
         </a:fontRef>
       </dsp:style>
+      <dsp:txBody>
+        <a:bodyPr spcFirstLastPara="0" vert="horz" wrap="square" lIns="103645" tIns="108793" rIns="103645" bIns="108793" numCol="1" spcCol="1270" anchor="ctr" anchorCtr="0">
+          <a:noAutofit/>
+        </a:bodyPr>
+        <a:lstStyle/>
+        <a:p>
+          <a:pPr marL="0" lvl="0" indent="0" algn="ctr" defTabSz="755650">
+            <a:lnSpc>
+              <a:spcPct val="100000"/>
+            </a:lnSpc>
+            <a:spcBef>
+              <a:spcPct val="0"/>
+            </a:spcBef>
+            <a:spcAft>
+              <a:spcPct val="35000"/>
+            </a:spcAft>
+            <a:buNone/>
+          </a:pPr>
+          <a:r>
+            <a:rPr lang="en-US" sz="1700" kern="1200"/>
+            <a:t>/scraper – Web Scraping </a:t>
+          </a:r>
+          <a:r>
+            <a:rPr lang="en-US" sz="1700" kern="1200" dirty="0" err="1"/>
+            <a:t>Skripte</a:t>
+          </a:r>
+          <a:r>
+            <a:rPr lang="en-US" sz="1700" kern="1200" dirty="0"/>
+            <a:t> (Python)</a:t>
+          </a:r>
+        </a:p>
+      </dsp:txBody>
+      <dsp:txXfrm>
+        <a:off x="990" y="375238"/>
+        <a:ext cx="2115158" cy="1269095"/>
+      </dsp:txXfrm>
     </dsp:sp>
-    <dsp:sp modelId="{C9E3EBAD-BED1-4F72-807C-C4D845DAB80A}">
+    <dsp:sp modelId="{CA5142F1-73A3-544A-83D1-09E5B635A88B}">
       <dsp:nvSpPr>
         <dsp:cNvPr id="0" name=""/>
         <dsp:cNvSpPr/>
       </dsp:nvSpPr>
       <dsp:spPr>
         <a:xfrm>
-          <a:off x="1059754" y="4307"/>
-          <a:ext cx="3713413" cy="917536"/>
+          <a:off x="1058570" y="1642533"/>
+          <a:ext cx="2601644" cy="455886"/>
         </a:xfrm>
-        <a:prstGeom prst="rect">
+        <a:custGeom>
           <a:avLst/>
-        </a:prstGeom>
+          <a:gdLst/>
+          <a:ahLst/>
+          <a:cxnLst/>
+          <a:rect l="0" t="0" r="0" b="0"/>
+          <a:pathLst>
+            <a:path>
+              <a:moveTo>
+                <a:pt x="2601644" y="0"/>
+              </a:moveTo>
+              <a:lnTo>
+                <a:pt x="2601644" y="245043"/>
+              </a:lnTo>
+              <a:lnTo>
+                <a:pt x="0" y="245043"/>
+              </a:lnTo>
+              <a:lnTo>
+                <a:pt x="0" y="455886"/>
+              </a:lnTo>
+            </a:path>
+          </a:pathLst>
+        </a:custGeom>
         <a:noFill/>
-        <a:ln>
-          <a:noFill/>
+        <a:ln w="9525" cap="flat" cmpd="sng" algn="ctr">
+          <a:solidFill>
+            <a:schemeClr val="accent5">
+              <a:hueOff val="-3311292"/>
+              <a:satOff val="13270"/>
+              <a:lumOff val="2876"/>
+              <a:alphaOff val="0"/>
+            </a:schemeClr>
+          </a:solidFill>
+          <a:prstDash val="solid"/>
+          <a:tailEnd type="arrow"/>
         </a:ln>
         <a:effectLst/>
       </dsp:spPr>
       <dsp:style>
-        <a:lnRef idx="0">
+        <a:lnRef idx="1">
           <a:scrgbClr r="0" g="0" b="0"/>
         </a:lnRef>
         <a:fillRef idx="0">
@@ -12509,12 +12297,12 @@
         <a:fontRef idx="minor"/>
       </dsp:style>
       <dsp:txBody>
-        <a:bodyPr spcFirstLastPara="0" vert="horz" wrap="square" lIns="97106" tIns="97106" rIns="97106" bIns="97106" numCol="1" spcCol="1270" anchor="ctr" anchorCtr="0">
+        <a:bodyPr spcFirstLastPara="0" vert="horz" wrap="square" lIns="12700" tIns="0" rIns="12700" bIns="0" numCol="1" spcCol="1270" anchor="ctr" anchorCtr="0">
           <a:noAutofit/>
         </a:bodyPr>
         <a:lstStyle/>
         <a:p>
-          <a:pPr marL="0" lvl="0" indent="0" algn="l" defTabSz="844550">
+          <a:pPr marL="0" lvl="0" indent="0" algn="ctr" defTabSz="222250">
             <a:lnSpc>
               <a:spcPct val="90000"/>
             </a:lnSpc>
@@ -12526,97 +12314,44 @@
             </a:spcAft>
             <a:buNone/>
           </a:pPr>
-          <a:r>
-            <a:rPr lang="en-US" sz="1900" kern="1200"/>
-            <a:t>/scraper – Web Scraping </a:t>
-          </a:r>
-          <a:r>
-            <a:rPr lang="en-US" sz="1900" kern="1200" dirty="0" err="1"/>
-            <a:t>Skripte</a:t>
-          </a:r>
-          <a:r>
-            <a:rPr lang="en-US" sz="1900" kern="1200" dirty="0"/>
-            <a:t> (Python)</a:t>
-          </a:r>
+          <a:endParaRPr lang="en-US" sz="500" kern="1200"/>
         </a:p>
       </dsp:txBody>
       <dsp:txXfrm>
-        <a:off x="1059754" y="4307"/>
-        <a:ext cx="3713413" cy="917536"/>
+        <a:off x="2293224" y="1868044"/>
+        <a:ext cx="132336" cy="4864"/>
       </dsp:txXfrm>
     </dsp:sp>
-    <dsp:sp modelId="{5ACE2DFF-4043-4A9E-9B55-C1E801563297}">
+    <dsp:sp modelId="{95146780-39EE-AC42-A472-42A6A750CB50}">
       <dsp:nvSpPr>
         <dsp:cNvPr id="0" name=""/>
         <dsp:cNvSpPr/>
       </dsp:nvSpPr>
       <dsp:spPr>
         <a:xfrm>
-          <a:off x="0" y="1151227"/>
-          <a:ext cx="4773168" cy="917536"/>
-        </a:xfrm>
-        <a:prstGeom prst="roundRect">
-          <a:avLst>
-            <a:gd name="adj" fmla="val 10000"/>
-          </a:avLst>
-        </a:prstGeom>
-        <a:solidFill>
-          <a:schemeClr val="bg1">
-            <a:lumMod val="95000"/>
-            <a:hueOff val="0"/>
-            <a:satOff val="0"/>
-            <a:lumOff val="0"/>
-            <a:alphaOff val="0"/>
-          </a:schemeClr>
-        </a:solidFill>
-        <a:ln>
-          <a:noFill/>
-        </a:ln>
-        <a:effectLst/>
-      </dsp:spPr>
-      <dsp:style>
-        <a:lnRef idx="0">
-          <a:scrgbClr r="0" g="0" b="0"/>
-        </a:lnRef>
-        <a:fillRef idx="1">
-          <a:scrgbClr r="0" g="0" b="0"/>
-        </a:fillRef>
-        <a:effectRef idx="0">
-          <a:scrgbClr r="0" g="0" b="0"/>
-        </a:effectRef>
-        <a:fontRef idx="minor"/>
-      </dsp:style>
-    </dsp:sp>
-    <dsp:sp modelId="{150E581C-381C-4658-87C1-E75A9CEADC55}">
-      <dsp:nvSpPr>
-        <dsp:cNvPr id="0" name=""/>
-        <dsp:cNvSpPr/>
-      </dsp:nvSpPr>
-      <dsp:spPr>
-        <a:xfrm>
-          <a:off x="277554" y="1357673"/>
-          <a:ext cx="504644" cy="504644"/>
+          <a:off x="2602635" y="375238"/>
+          <a:ext cx="2115158" cy="1269095"/>
         </a:xfrm>
         <a:prstGeom prst="rect">
           <a:avLst/>
         </a:prstGeom>
-        <a:blipFill>
-          <a:blip xmlns:r="http://schemas.openxmlformats.org/officeDocument/2006/relationships" r:embed="rId3">
-            <a:extLst>
-              <a:ext uri="{28A0092B-C50C-407E-A947-70E740481C1C}">
-                <a14:useLocalDpi xmlns:a14="http://schemas.microsoft.com/office/drawing/2010/main" val="0"/>
-              </a:ext>
-              <a:ext uri="{96DAC541-7B7A-43D3-8B79-37D633B846F1}">
-                <asvg:svgBlip xmlns:asvg="http://schemas.microsoft.com/office/drawing/2016/SVG/main" r:embed="rId4"/>
-              </a:ext>
-            </a:extLst>
-          </a:blip>
-          <a:stretch>
-            <a:fillRect/>
-          </a:stretch>
-        </a:blipFill>
+        <a:solidFill>
+          <a:schemeClr val="accent5">
+            <a:hueOff val="-2483469"/>
+            <a:satOff val="9953"/>
+            <a:lumOff val="2157"/>
+            <a:alphaOff val="0"/>
+          </a:schemeClr>
+        </a:solidFill>
         <a:ln w="25400" cap="flat" cmpd="sng" algn="ctr">
-          <a:noFill/>
+          <a:solidFill>
+            <a:schemeClr val="lt1">
+              <a:hueOff val="0"/>
+              <a:satOff val="0"/>
+              <a:lumOff val="0"/>
+              <a:alphaOff val="0"/>
+            </a:schemeClr>
+          </a:solidFill>
           <a:prstDash val="solid"/>
         </a:ln>
         <a:effectLst/>
@@ -12635,28 +12370,79 @@
           <a:schemeClr val="lt1"/>
         </a:fontRef>
       </dsp:style>
+      <dsp:txBody>
+        <a:bodyPr spcFirstLastPara="0" vert="horz" wrap="square" lIns="103645" tIns="108793" rIns="103645" bIns="108793" numCol="1" spcCol="1270" anchor="ctr" anchorCtr="0">
+          <a:noAutofit/>
+        </a:bodyPr>
+        <a:lstStyle/>
+        <a:p>
+          <a:pPr marL="0" lvl="0" indent="0" algn="ctr" defTabSz="755650">
+            <a:lnSpc>
+              <a:spcPct val="100000"/>
+            </a:lnSpc>
+            <a:spcBef>
+              <a:spcPct val="0"/>
+            </a:spcBef>
+            <a:spcAft>
+              <a:spcPct val="35000"/>
+            </a:spcAft>
+            <a:buNone/>
+          </a:pPr>
+          <a:r>
+            <a:rPr lang="en-US" sz="1700" kern="1200"/>
+            <a:t>/data – CSV-Rohdaten und Zwischenergebnisse</a:t>
+          </a:r>
+        </a:p>
+      </dsp:txBody>
+      <dsp:txXfrm>
+        <a:off x="2602635" y="375238"/>
+        <a:ext cx="2115158" cy="1269095"/>
+      </dsp:txXfrm>
     </dsp:sp>
-    <dsp:sp modelId="{65CBB874-40DC-4041-BA3D-AA6F3582B8E2}">
+    <dsp:sp modelId="{D820502F-A2CF-9542-B842-2BFFB850D111}">
       <dsp:nvSpPr>
         <dsp:cNvPr id="0" name=""/>
         <dsp:cNvSpPr/>
       </dsp:nvSpPr>
       <dsp:spPr>
         <a:xfrm>
-          <a:off x="1059754" y="1151227"/>
-          <a:ext cx="3713413" cy="917536"/>
+          <a:off x="2114349" y="2719647"/>
+          <a:ext cx="455886" cy="91440"/>
         </a:xfrm>
-        <a:prstGeom prst="rect">
+        <a:custGeom>
           <a:avLst/>
-        </a:prstGeom>
+          <a:gdLst/>
+          <a:ahLst/>
+          <a:cxnLst/>
+          <a:rect l="0" t="0" r="0" b="0"/>
+          <a:pathLst>
+            <a:path>
+              <a:moveTo>
+                <a:pt x="0" y="45720"/>
+              </a:moveTo>
+              <a:lnTo>
+                <a:pt x="455886" y="45720"/>
+              </a:lnTo>
+            </a:path>
+          </a:pathLst>
+        </a:custGeom>
         <a:noFill/>
-        <a:ln>
-          <a:noFill/>
+        <a:ln w="9525" cap="flat" cmpd="sng" algn="ctr">
+          <a:solidFill>
+            <a:schemeClr val="accent5">
+              <a:hueOff val="-6622584"/>
+              <a:satOff val="26541"/>
+              <a:lumOff val="5752"/>
+              <a:alphaOff val="0"/>
+            </a:schemeClr>
+          </a:solidFill>
+          <a:prstDash val="solid"/>
+          <a:tailEnd type="arrow"/>
         </a:ln>
         <a:effectLst/>
       </dsp:spPr>
       <dsp:style>
-        <a:lnRef idx="0">
+        <a:lnRef idx="1">
           <a:scrgbClr r="0" g="0" b="0"/>
         </a:lnRef>
         <a:fillRef idx="0">
@@ -12668,12 +12454,12 @@
         <a:fontRef idx="minor"/>
       </dsp:style>
       <dsp:txBody>
-        <a:bodyPr spcFirstLastPara="0" vert="horz" wrap="square" lIns="97106" tIns="97106" rIns="97106" bIns="97106" numCol="1" spcCol="1270" anchor="ctr" anchorCtr="0">
+        <a:bodyPr spcFirstLastPara="0" vert="horz" wrap="square" lIns="12700" tIns="0" rIns="12700" bIns="0" numCol="1" spcCol="1270" anchor="ctr" anchorCtr="0">
           <a:noAutofit/>
         </a:bodyPr>
         <a:lstStyle/>
         <a:p>
-          <a:pPr marL="0" lvl="0" indent="0" algn="l" defTabSz="844550">
+          <a:pPr marL="0" lvl="0" indent="0" algn="ctr" defTabSz="222250">
             <a:lnSpc>
               <a:spcPct val="90000"/>
             </a:lnSpc>
@@ -12685,89 +12471,44 @@
             </a:spcAft>
             <a:buNone/>
           </a:pPr>
-          <a:r>
-            <a:rPr lang="en-US" sz="1900" kern="1200"/>
-            <a:t>/data – CSV-Rohdaten und Zwischenergebnisse</a:t>
-          </a:r>
+          <a:endParaRPr lang="en-US" sz="500" kern="1200"/>
         </a:p>
       </dsp:txBody>
       <dsp:txXfrm>
-        <a:off x="1059754" y="1151227"/>
-        <a:ext cx="3713413" cy="917536"/>
+        <a:off x="2330130" y="2762935"/>
+        <a:ext cx="24324" cy="4864"/>
       </dsp:txXfrm>
     </dsp:sp>
-    <dsp:sp modelId="{664EA797-0928-46DA-A2D5-E27A6ADB6C1C}">
+    <dsp:sp modelId="{F04BEF72-9DF2-2F4E-81FA-804FB1DCC02D}">
       <dsp:nvSpPr>
         <dsp:cNvPr id="0" name=""/>
         <dsp:cNvSpPr/>
       </dsp:nvSpPr>
       <dsp:spPr>
         <a:xfrm>
-          <a:off x="0" y="2298147"/>
-          <a:ext cx="4773168" cy="917536"/>
-        </a:xfrm>
-        <a:prstGeom prst="roundRect">
-          <a:avLst>
-            <a:gd name="adj" fmla="val 10000"/>
-          </a:avLst>
-        </a:prstGeom>
-        <a:solidFill>
-          <a:schemeClr val="bg1">
-            <a:lumMod val="95000"/>
-            <a:hueOff val="0"/>
-            <a:satOff val="0"/>
-            <a:lumOff val="0"/>
-            <a:alphaOff val="0"/>
-          </a:schemeClr>
-        </a:solidFill>
-        <a:ln>
-          <a:noFill/>
-        </a:ln>
-        <a:effectLst/>
-      </dsp:spPr>
-      <dsp:style>
-        <a:lnRef idx="0">
-          <a:scrgbClr r="0" g="0" b="0"/>
-        </a:lnRef>
-        <a:fillRef idx="1">
-          <a:scrgbClr r="0" g="0" b="0"/>
-        </a:fillRef>
-        <a:effectRef idx="0">
-          <a:scrgbClr r="0" g="0" b="0"/>
-        </a:effectRef>
-        <a:fontRef idx="minor"/>
-      </dsp:style>
-    </dsp:sp>
-    <dsp:sp modelId="{121DDAA6-D1D8-4E29-B868-6D0817213080}">
-      <dsp:nvSpPr>
-        <dsp:cNvPr id="0" name=""/>
-        <dsp:cNvSpPr/>
-      </dsp:nvSpPr>
-      <dsp:spPr>
-        <a:xfrm>
-          <a:off x="277554" y="2504593"/>
-          <a:ext cx="504644" cy="504644"/>
+          <a:off x="990" y="2130819"/>
+          <a:ext cx="2115158" cy="1269095"/>
         </a:xfrm>
         <a:prstGeom prst="rect">
           <a:avLst/>
         </a:prstGeom>
-        <a:blipFill>
-          <a:blip xmlns:r="http://schemas.openxmlformats.org/officeDocument/2006/relationships" r:embed="rId5">
-            <a:extLst>
-              <a:ext uri="{28A0092B-C50C-407E-A947-70E740481C1C}">
-                <a14:useLocalDpi xmlns:a14="http://schemas.microsoft.com/office/drawing/2010/main" val="0"/>
-              </a:ext>
-              <a:ext uri="{96DAC541-7B7A-43D3-8B79-37D633B846F1}">
-                <asvg:svgBlip xmlns:asvg="http://schemas.microsoft.com/office/drawing/2016/SVG/main" r:embed="rId6"/>
-              </a:ext>
-            </a:extLst>
-          </a:blip>
-          <a:stretch>
-            <a:fillRect/>
-          </a:stretch>
-        </a:blipFill>
+        <a:solidFill>
+          <a:schemeClr val="accent5">
+            <a:hueOff val="-4966938"/>
+            <a:satOff val="19906"/>
+            <a:lumOff val="4314"/>
+            <a:alphaOff val="0"/>
+          </a:schemeClr>
+        </a:solidFill>
         <a:ln w="25400" cap="flat" cmpd="sng" algn="ctr">
-          <a:noFill/>
+          <a:solidFill>
+            <a:schemeClr val="lt1">
+              <a:hueOff val="0"/>
+              <a:satOff val="0"/>
+              <a:lumOff val="0"/>
+              <a:alphaOff val="0"/>
+            </a:schemeClr>
+          </a:solidFill>
           <a:prstDash val="solid"/>
         </a:ln>
         <a:effectLst/>
@@ -12786,28 +12527,85 @@
           <a:schemeClr val="lt1"/>
         </a:fontRef>
       </dsp:style>
+      <dsp:txBody>
+        <a:bodyPr spcFirstLastPara="0" vert="horz" wrap="square" lIns="103645" tIns="108793" rIns="103645" bIns="108793" numCol="1" spcCol="1270" anchor="ctr" anchorCtr="0">
+          <a:noAutofit/>
+        </a:bodyPr>
+        <a:lstStyle/>
+        <a:p>
+          <a:pPr marL="0" lvl="0" indent="0" algn="ctr" defTabSz="755650">
+            <a:lnSpc>
+              <a:spcPct val="100000"/>
+            </a:lnSpc>
+            <a:spcBef>
+              <a:spcPct val="0"/>
+            </a:spcBef>
+            <a:spcAft>
+              <a:spcPct val="35000"/>
+            </a:spcAft>
+            <a:buNone/>
+          </a:pPr>
+          <a:r>
+            <a:rPr lang="en-US" sz="1700" kern="1200"/>
+            <a:t>/notebooks – Jupyter Notebooks für Analyse</a:t>
+          </a:r>
+        </a:p>
+      </dsp:txBody>
+      <dsp:txXfrm>
+        <a:off x="990" y="2130819"/>
+        <a:ext cx="2115158" cy="1269095"/>
+      </dsp:txXfrm>
     </dsp:sp>
-    <dsp:sp modelId="{4386A511-D9A5-47E8-BD2C-8F11E359ECB3}">
+    <dsp:sp modelId="{0E18440A-7151-1C40-8A5F-922E756800A9}">
       <dsp:nvSpPr>
         <dsp:cNvPr id="0" name=""/>
         <dsp:cNvSpPr/>
       </dsp:nvSpPr>
       <dsp:spPr>
         <a:xfrm>
-          <a:off x="1059754" y="2298147"/>
-          <a:ext cx="3713413" cy="917536"/>
+          <a:off x="1058570" y="3398115"/>
+          <a:ext cx="2601644" cy="455886"/>
         </a:xfrm>
-        <a:prstGeom prst="rect">
+        <a:custGeom>
           <a:avLst/>
-        </a:prstGeom>
+          <a:gdLst/>
+          <a:ahLst/>
+          <a:cxnLst/>
+          <a:rect l="0" t="0" r="0" b="0"/>
+          <a:pathLst>
+            <a:path>
+              <a:moveTo>
+                <a:pt x="2601644" y="0"/>
+              </a:moveTo>
+              <a:lnTo>
+                <a:pt x="2601644" y="245043"/>
+              </a:lnTo>
+              <a:lnTo>
+                <a:pt x="0" y="245043"/>
+              </a:lnTo>
+              <a:lnTo>
+                <a:pt x="0" y="455886"/>
+              </a:lnTo>
+            </a:path>
+          </a:pathLst>
+        </a:custGeom>
         <a:noFill/>
-        <a:ln>
-          <a:noFill/>
+        <a:ln w="9525" cap="flat" cmpd="sng" algn="ctr">
+          <a:solidFill>
+            <a:schemeClr val="accent5">
+              <a:hueOff val="-9933876"/>
+              <a:satOff val="39811"/>
+              <a:lumOff val="8628"/>
+              <a:alphaOff val="0"/>
+            </a:schemeClr>
+          </a:solidFill>
+          <a:prstDash val="solid"/>
+          <a:tailEnd type="arrow"/>
         </a:ln>
         <a:effectLst/>
       </dsp:spPr>
       <dsp:style>
-        <a:lnRef idx="0">
+        <a:lnRef idx="1">
           <a:scrgbClr r="0" g="0" b="0"/>
         </a:lnRef>
         <a:fillRef idx="0">
@@ -12819,12 +12617,12 @@
         <a:fontRef idx="minor"/>
       </dsp:style>
       <dsp:txBody>
-        <a:bodyPr spcFirstLastPara="0" vert="horz" wrap="square" lIns="97106" tIns="97106" rIns="97106" bIns="97106" numCol="1" spcCol="1270" anchor="ctr" anchorCtr="0">
+        <a:bodyPr spcFirstLastPara="0" vert="horz" wrap="square" lIns="12700" tIns="0" rIns="12700" bIns="0" numCol="1" spcCol="1270" anchor="ctr" anchorCtr="0">
           <a:noAutofit/>
         </a:bodyPr>
         <a:lstStyle/>
         <a:p>
-          <a:pPr marL="0" lvl="0" indent="0" algn="l" defTabSz="844550">
+          <a:pPr marL="0" lvl="0" indent="0" algn="ctr" defTabSz="222250">
             <a:lnSpc>
               <a:spcPct val="90000"/>
             </a:lnSpc>
@@ -12836,89 +12634,44 @@
             </a:spcAft>
             <a:buNone/>
           </a:pPr>
-          <a:r>
-            <a:rPr lang="en-US" sz="1900" kern="1200"/>
-            <a:t>/notebooks – Jupyter Notebooks für Analyse</a:t>
-          </a:r>
+          <a:endParaRPr lang="en-US" sz="500" kern="1200"/>
         </a:p>
       </dsp:txBody>
       <dsp:txXfrm>
-        <a:off x="1059754" y="2298147"/>
-        <a:ext cx="3713413" cy="917536"/>
+        <a:off x="2293224" y="3623625"/>
+        <a:ext cx="132336" cy="4864"/>
       </dsp:txXfrm>
     </dsp:sp>
-    <dsp:sp modelId="{ECFA8350-BA36-42B0-8AB2-B249635ED8A4}">
+    <dsp:sp modelId="{0AA8BA71-8D17-474A-B3E5-120F19A22721}">
       <dsp:nvSpPr>
         <dsp:cNvPr id="0" name=""/>
         <dsp:cNvSpPr/>
       </dsp:nvSpPr>
       <dsp:spPr>
         <a:xfrm>
-          <a:off x="0" y="3445068"/>
-          <a:ext cx="4773168" cy="917536"/>
-        </a:xfrm>
-        <a:prstGeom prst="roundRect">
-          <a:avLst>
-            <a:gd name="adj" fmla="val 10000"/>
-          </a:avLst>
-        </a:prstGeom>
-        <a:solidFill>
-          <a:schemeClr val="bg1">
-            <a:lumMod val="95000"/>
-            <a:hueOff val="0"/>
-            <a:satOff val="0"/>
-            <a:lumOff val="0"/>
-            <a:alphaOff val="0"/>
-          </a:schemeClr>
-        </a:solidFill>
-        <a:ln>
-          <a:noFill/>
-        </a:ln>
-        <a:effectLst/>
-      </dsp:spPr>
-      <dsp:style>
-        <a:lnRef idx="0">
-          <a:scrgbClr r="0" g="0" b="0"/>
-        </a:lnRef>
-        <a:fillRef idx="1">
-          <a:scrgbClr r="0" g="0" b="0"/>
-        </a:fillRef>
-        <a:effectRef idx="0">
-          <a:scrgbClr r="0" g="0" b="0"/>
-        </a:effectRef>
-        <a:fontRef idx="minor"/>
-      </dsp:style>
-    </dsp:sp>
-    <dsp:sp modelId="{0CF7832D-9181-43C4-8307-FA766D09693F}">
-      <dsp:nvSpPr>
-        <dsp:cNvPr id="0" name=""/>
-        <dsp:cNvSpPr/>
-      </dsp:nvSpPr>
-      <dsp:spPr>
-        <a:xfrm>
-          <a:off x="277554" y="3651513"/>
-          <a:ext cx="504644" cy="504644"/>
+          <a:off x="2602635" y="2130819"/>
+          <a:ext cx="2115158" cy="1269095"/>
         </a:xfrm>
         <a:prstGeom prst="rect">
           <a:avLst/>
         </a:prstGeom>
-        <a:blipFill>
-          <a:blip xmlns:r="http://schemas.openxmlformats.org/officeDocument/2006/relationships" r:embed="rId7">
-            <a:extLst>
-              <a:ext uri="{28A0092B-C50C-407E-A947-70E740481C1C}">
-                <a14:useLocalDpi xmlns:a14="http://schemas.microsoft.com/office/drawing/2010/main" val="0"/>
-              </a:ext>
-              <a:ext uri="{96DAC541-7B7A-43D3-8B79-37D633B846F1}">
-                <asvg:svgBlip xmlns:asvg="http://schemas.microsoft.com/office/drawing/2016/SVG/main" r:embed="rId8"/>
-              </a:ext>
-            </a:extLst>
-          </a:blip>
-          <a:stretch>
-            <a:fillRect/>
-          </a:stretch>
-        </a:blipFill>
+        <a:solidFill>
+          <a:schemeClr val="accent5">
+            <a:hueOff val="-7450407"/>
+            <a:satOff val="29858"/>
+            <a:lumOff val="6471"/>
+            <a:alphaOff val="0"/>
+          </a:schemeClr>
+        </a:solidFill>
         <a:ln w="25400" cap="flat" cmpd="sng" algn="ctr">
-          <a:noFill/>
+          <a:solidFill>
+            <a:schemeClr val="lt1">
+              <a:hueOff val="0"/>
+              <a:satOff val="0"/>
+              <a:lumOff val="0"/>
+              <a:alphaOff val="0"/>
+            </a:schemeClr>
+          </a:solidFill>
           <a:prstDash val="solid"/>
         </a:ln>
         <a:effectLst/>
@@ -12937,47 +12690,15 @@
           <a:schemeClr val="lt1"/>
         </a:fontRef>
       </dsp:style>
-    </dsp:sp>
-    <dsp:sp modelId="{0694A6BC-8EB3-4515-A051-2E832C4EFE15}">
-      <dsp:nvSpPr>
-        <dsp:cNvPr id="0" name=""/>
-        <dsp:cNvSpPr/>
-      </dsp:nvSpPr>
-      <dsp:spPr>
-        <a:xfrm>
-          <a:off x="1059754" y="3445068"/>
-          <a:ext cx="3713413" cy="917536"/>
-        </a:xfrm>
-        <a:prstGeom prst="rect">
-          <a:avLst/>
-        </a:prstGeom>
-        <a:noFill/>
-        <a:ln>
-          <a:noFill/>
-        </a:ln>
-        <a:effectLst/>
-      </dsp:spPr>
-      <dsp:style>
-        <a:lnRef idx="0">
-          <a:scrgbClr r="0" g="0" b="0"/>
-        </a:lnRef>
-        <a:fillRef idx="0">
-          <a:scrgbClr r="0" g="0" b="0"/>
-        </a:fillRef>
-        <a:effectRef idx="0">
-          <a:scrgbClr r="0" g="0" b="0"/>
-        </a:effectRef>
-        <a:fontRef idx="minor"/>
-      </dsp:style>
       <dsp:txBody>
-        <a:bodyPr spcFirstLastPara="0" vert="horz" wrap="square" lIns="97106" tIns="97106" rIns="97106" bIns="97106" numCol="1" spcCol="1270" anchor="ctr" anchorCtr="0">
+        <a:bodyPr spcFirstLastPara="0" vert="horz" wrap="square" lIns="103645" tIns="108793" rIns="103645" bIns="108793" numCol="1" spcCol="1270" anchor="ctr" anchorCtr="0">
           <a:noAutofit/>
         </a:bodyPr>
         <a:lstStyle/>
         <a:p>
-          <a:pPr marL="0" lvl="0" indent="0" algn="l" defTabSz="844550">
+          <a:pPr marL="0" lvl="0" indent="0" algn="ctr" defTabSz="755650">
             <a:lnSpc>
-              <a:spcPct val="90000"/>
+              <a:spcPct val="100000"/>
             </a:lnSpc>
             <a:spcBef>
               <a:spcPct val="0"/>
@@ -12988,88 +12709,46 @@
             <a:buNone/>
           </a:pPr>
           <a:r>
-            <a:rPr lang="en-US" sz="1900" kern="1200"/>
+            <a:rPr lang="en-US" sz="1700" kern="1200"/>
             <a:t>/docker – MongoDB Setup für Datenhaltung</a:t>
           </a:r>
         </a:p>
       </dsp:txBody>
       <dsp:txXfrm>
-        <a:off x="1059754" y="3445068"/>
-        <a:ext cx="3713413" cy="917536"/>
+        <a:off x="2602635" y="2130819"/>
+        <a:ext cx="2115158" cy="1269095"/>
       </dsp:txXfrm>
     </dsp:sp>
-    <dsp:sp modelId="{30D11048-F705-43D4-9BF1-BFF0A24A32CD}">
+    <dsp:sp modelId="{3A8AE81E-8C00-C345-B45A-9C3AC4E9BAAB}">
       <dsp:nvSpPr>
         <dsp:cNvPr id="0" name=""/>
         <dsp:cNvSpPr/>
       </dsp:nvSpPr>
       <dsp:spPr>
         <a:xfrm>
-          <a:off x="0" y="4591988"/>
-          <a:ext cx="4773168" cy="917536"/>
-        </a:xfrm>
-        <a:prstGeom prst="roundRect">
-          <a:avLst>
-            <a:gd name="adj" fmla="val 10000"/>
-          </a:avLst>
-        </a:prstGeom>
-        <a:solidFill>
-          <a:schemeClr val="bg1">
-            <a:lumMod val="95000"/>
-            <a:hueOff val="0"/>
-            <a:satOff val="0"/>
-            <a:lumOff val="0"/>
-            <a:alphaOff val="0"/>
-          </a:schemeClr>
-        </a:solidFill>
-        <a:ln>
-          <a:noFill/>
-        </a:ln>
-        <a:effectLst/>
-      </dsp:spPr>
-      <dsp:style>
-        <a:lnRef idx="0">
-          <a:scrgbClr r="0" g="0" b="0"/>
-        </a:lnRef>
-        <a:fillRef idx="1">
-          <a:scrgbClr r="0" g="0" b="0"/>
-        </a:fillRef>
-        <a:effectRef idx="0">
-          <a:scrgbClr r="0" g="0" b="0"/>
-        </a:effectRef>
-        <a:fontRef idx="minor"/>
-      </dsp:style>
-    </dsp:sp>
-    <dsp:sp modelId="{08D4C984-7B7D-4C1E-957F-2A667E6C393F}">
-      <dsp:nvSpPr>
-        <dsp:cNvPr id="0" name=""/>
-        <dsp:cNvSpPr/>
-      </dsp:nvSpPr>
-      <dsp:spPr>
-        <a:xfrm>
-          <a:off x="277554" y="4798433"/>
-          <a:ext cx="504644" cy="504644"/>
+          <a:off x="990" y="3886401"/>
+          <a:ext cx="2115158" cy="1269095"/>
         </a:xfrm>
         <a:prstGeom prst="rect">
           <a:avLst/>
         </a:prstGeom>
-        <a:blipFill>
-          <a:blip xmlns:r="http://schemas.openxmlformats.org/officeDocument/2006/relationships" r:embed="rId9">
-            <a:extLst>
-              <a:ext uri="{28A0092B-C50C-407E-A947-70E740481C1C}">
-                <a14:useLocalDpi xmlns:a14="http://schemas.microsoft.com/office/drawing/2010/main" val="0"/>
-              </a:ext>
-              <a:ext uri="{96DAC541-7B7A-43D3-8B79-37D633B846F1}">
-                <asvg:svgBlip xmlns:asvg="http://schemas.microsoft.com/office/drawing/2016/SVG/main" r:embed="rId10"/>
-              </a:ext>
-            </a:extLst>
-          </a:blip>
-          <a:stretch>
-            <a:fillRect/>
-          </a:stretch>
-        </a:blipFill>
+        <a:solidFill>
+          <a:schemeClr val="accent5">
+            <a:hueOff val="-9933876"/>
+            <a:satOff val="39811"/>
+            <a:lumOff val="8628"/>
+            <a:alphaOff val="0"/>
+          </a:schemeClr>
+        </a:solidFill>
         <a:ln w="25400" cap="flat" cmpd="sng" algn="ctr">
-          <a:noFill/>
+          <a:solidFill>
+            <a:schemeClr val="lt1">
+              <a:hueOff val="0"/>
+              <a:satOff val="0"/>
+              <a:lumOff val="0"/>
+              <a:alphaOff val="0"/>
+            </a:schemeClr>
+          </a:solidFill>
           <a:prstDash val="solid"/>
         </a:ln>
         <a:effectLst/>
@@ -13088,47 +12767,15 @@
           <a:schemeClr val="lt1"/>
         </a:fontRef>
       </dsp:style>
-    </dsp:sp>
-    <dsp:sp modelId="{E06A9270-3661-48A6-843F-3F77BE1BE5D8}">
-      <dsp:nvSpPr>
-        <dsp:cNvPr id="0" name=""/>
-        <dsp:cNvSpPr/>
-      </dsp:nvSpPr>
-      <dsp:spPr>
-        <a:xfrm>
-          <a:off x="1059754" y="4591988"/>
-          <a:ext cx="3713413" cy="917536"/>
-        </a:xfrm>
-        <a:prstGeom prst="rect">
-          <a:avLst/>
-        </a:prstGeom>
-        <a:noFill/>
-        <a:ln>
-          <a:noFill/>
-        </a:ln>
-        <a:effectLst/>
-      </dsp:spPr>
-      <dsp:style>
-        <a:lnRef idx="0">
-          <a:scrgbClr r="0" g="0" b="0"/>
-        </a:lnRef>
-        <a:fillRef idx="0">
-          <a:scrgbClr r="0" g="0" b="0"/>
-        </a:fillRef>
-        <a:effectRef idx="0">
-          <a:scrgbClr r="0" g="0" b="0"/>
-        </a:effectRef>
-        <a:fontRef idx="minor"/>
-      </dsp:style>
       <dsp:txBody>
-        <a:bodyPr spcFirstLastPara="0" vert="horz" wrap="square" lIns="97106" tIns="97106" rIns="97106" bIns="97106" numCol="1" spcCol="1270" anchor="ctr" anchorCtr="0">
+        <a:bodyPr spcFirstLastPara="0" vert="horz" wrap="square" lIns="103645" tIns="108793" rIns="103645" bIns="108793" numCol="1" spcCol="1270" anchor="ctr" anchorCtr="0">
           <a:noAutofit/>
         </a:bodyPr>
         <a:lstStyle/>
         <a:p>
-          <a:pPr marL="0" lvl="0" indent="0" algn="l" defTabSz="844550">
+          <a:pPr marL="0" lvl="0" indent="0" algn="ctr" defTabSz="755650">
             <a:lnSpc>
-              <a:spcPct val="90000"/>
+              <a:spcPct val="100000"/>
             </a:lnSpc>
             <a:spcBef>
               <a:spcPct val="0"/>
@@ -13139,14 +12786,14 @@
             <a:buNone/>
           </a:pPr>
           <a:r>
-            <a:rPr lang="en-US" sz="1900" kern="1200"/>
+            <a:rPr lang="en-US" sz="1700" kern="1200"/>
             <a:t>/docs – Architekturdiagramm &amp; Dokumentation</a:t>
           </a:r>
         </a:p>
       </dsp:txBody>
       <dsp:txXfrm>
-        <a:off x="1059754" y="4591988"/>
-        <a:ext cx="3713413" cy="917536"/>
+        <a:off x="990" y="3886401"/>
+        <a:ext cx="2115158" cy="1269095"/>
       </dsp:txXfrm>
     </dsp:sp>
   </dsp:spTree>
@@ -15873,49 +15520,97 @@
 </file>
 
 <file path=ppt/diagrams/layout4.xml><?xml version="1.0" encoding="utf-8"?>
-<dgm:layoutDef xmlns:dgm="http://schemas.openxmlformats.org/drawingml/2006/diagram" xmlns:a="http://schemas.openxmlformats.org/drawingml/2006/main" uniqueId="urn:microsoft.com/office/officeart/2018/2/layout/IconVerticalSolidList">
-  <dgm:title val="Icon Vertical Solid List"/>
-  <dgm:desc val="Use to show a series of visuals from top to bottom with Level 1 or Level 1 and Level 2 text grouped in a shape. Works best with icons or small pictures with lengthier descriptions."/>
+<dgm:layoutDef xmlns:dgm="http://schemas.openxmlformats.org/drawingml/2006/diagram" xmlns:a="http://schemas.openxmlformats.org/drawingml/2006/main" uniqueId="urn:microsoft.com/office/officeart/2016/7/layout/RepeatingBendingProcessNew">
+  <dgm:title val="Repeating Bending Process New"/>
+  <dgm:desc val=""/>
   <dgm:catLst>
-    <dgm:cat type="icon" pri="500"/>
+    <dgm:cat type="process" pri="500"/>
   </dgm:catLst>
-  <dgm:sampData useDef="1">
+  <dgm:sampData>
     <dgm:dataModel>
-      <dgm:ptLst/>
+      <dgm:ptLst>
+        <dgm:pt modelId="0" type="doc"/>
+        <dgm:pt modelId="1">
+          <dgm:prSet phldr="1"/>
+        </dgm:pt>
+        <dgm:pt modelId="2">
+          <dgm:prSet phldr="1"/>
+        </dgm:pt>
+        <dgm:pt modelId="3">
+          <dgm:prSet phldr="1"/>
+        </dgm:pt>
+        <dgm:pt modelId="4">
+          <dgm:prSet phldr="1"/>
+        </dgm:pt>
+        <dgm:pt modelId="5">
+          <dgm:prSet phldr="1"/>
+        </dgm:pt>
+      </dgm:ptLst>
+      <dgm:cxnLst>
+        <dgm:cxn modelId="7" srcId="0" destId="1" srcOrd="0" destOrd="0"/>
+        <dgm:cxn modelId="8" srcId="0" destId="2" srcOrd="1" destOrd="0"/>
+        <dgm:cxn modelId="9" srcId="0" destId="3" srcOrd="2" destOrd="0"/>
+        <dgm:cxn modelId="10" srcId="0" destId="4" srcOrd="3" destOrd="0"/>
+        <dgm:cxn modelId="11" srcId="0" destId="5" srcOrd="4" destOrd="0"/>
+      </dgm:cxnLst>
       <dgm:bg/>
       <dgm:whole/>
     </dgm:dataModel>
   </dgm:sampData>
-  <dgm:styleData useDef="1">
+  <dgm:styleData>
     <dgm:dataModel>
-      <dgm:ptLst/>
+      <dgm:ptLst>
+        <dgm:pt modelId="0" type="doc"/>
+        <dgm:pt modelId="1"/>
+        <dgm:pt modelId="2"/>
+      </dgm:ptLst>
+      <dgm:cxnLst>
+        <dgm:cxn modelId="3" srcId="0" destId="1" srcOrd="0" destOrd="0"/>
+        <dgm:cxn modelId="4" srcId="0" destId="2" srcOrd="1" destOrd="0"/>
+      </dgm:cxnLst>
       <dgm:bg/>
       <dgm:whole/>
     </dgm:dataModel>
   </dgm:styleData>
-  <dgm:clrData useDef="1">
+  <dgm:clrData>
     <dgm:dataModel>
-      <dgm:ptLst/>
+      <dgm:ptLst>
+        <dgm:pt modelId="0" type="doc"/>
+        <dgm:pt modelId="1"/>
+        <dgm:pt modelId="2"/>
+        <dgm:pt modelId="3"/>
+        <dgm:pt modelId="4"/>
+      </dgm:ptLst>
+      <dgm:cxnLst>
+        <dgm:cxn modelId="5" srcId="0" destId="1" srcOrd="0" destOrd="0"/>
+        <dgm:cxn modelId="6" srcId="0" destId="2" srcOrd="1" destOrd="0"/>
+        <dgm:cxn modelId="7" srcId="0" destId="3" srcOrd="2" destOrd="0"/>
+        <dgm:cxn modelId="8" srcId="0" destId="4" srcOrd="3" destOrd="0"/>
+      </dgm:cxnLst>
       <dgm:bg/>
       <dgm:whole/>
     </dgm:dataModel>
   </dgm:clrData>
-  <dgm:layoutNode name="root">
+  <dgm:layoutNode name="Name0">
     <dgm:varLst>
       <dgm:dir/>
       <dgm:resizeHandles val="exact"/>
     </dgm:varLst>
-    <dgm:choose name="Name0">
-      <dgm:if name="Name1" axis="self" func="var" arg="dir" op="equ" val="norm">
-        <dgm:alg type="lin">
-          <dgm:param type="linDir" val="fromT"/>
-          <dgm:param type="nodeHorzAlign" val="l"/>
+    <dgm:choose name="Name1">
+      <dgm:if name="Name2" axis="self" func="var" arg="dir" op="equ" val="norm">
+        <dgm:alg type="snake">
+          <dgm:param type="grDir" val="tL"/>
+          <dgm:param type="flowDir" val="row"/>
+          <dgm:param type="contDir" val="sameDir"/>
+          <dgm:param type="bkpt" val="endCnv"/>
         </dgm:alg>
       </dgm:if>
-      <dgm:else name="Name2">
-        <dgm:alg type="lin">
-          <dgm:param type="linDir" val="fromT"/>
-          <dgm:param type="nodeHorzAlign" val="r"/>
+      <dgm:else name="Name3">
+        <dgm:alg type="snake">
+          <dgm:param type="grDir" val="tR"/>
+          <dgm:param type="flowDir" val="row"/>
+          <dgm:param type="contDir" val="sameDir"/>
+          <dgm:param type="bkpt" val="endCnv"/>
         </dgm:alg>
       </dgm:else>
     </dgm:choose>
@@ -15923,246 +15618,96 @@
       <dgm:adjLst/>
     </dgm:shape>
     <dgm:presOf/>
-    <dgm:choose name="Name3">
-      <dgm:if name="Name4" axis="ch" ptType="node" func="cnt" op="lte" val="3">
-        <dgm:constrLst>
-          <dgm:constr type="h" for="ch" forName="compNode" refType="h" fact="0.3"/>
-          <dgm:constr type="w" for="ch" forName="compNode" refType="w"/>
-          <dgm:constr type="h" for="ch" forName="sibTrans" refType="h" refFor="ch" refForName="compNode" fact="0.25"/>
-          <dgm:constr type="primFontSz" for="des" forName="parTx" val="25"/>
-          <dgm:constr type="primFontSz" for="des" forName="desTx" refType="primFontSz" refFor="des" refForName="parTx" op="lte" fact="0.75"/>
-          <dgm:constr type="h" for="des" forName="compNode" op="equ"/>
-          <dgm:constr type="h" for="des" forName="bgRect" op="equ"/>
-          <dgm:constr type="h" for="des" forName="iconRect" op="equ"/>
-          <dgm:constr type="w" for="des" forName="iconRect" op="equ"/>
-          <dgm:constr type="h" for="des" forName="spaceRect" op="equ"/>
-          <dgm:constr type="h" for="des" forName="parTx" op="equ"/>
-          <dgm:constr type="h" for="des" forName="desTx" op="equ"/>
-        </dgm:constrLst>
-      </dgm:if>
-      <dgm:if name="Name5" axis="ch" ptType="node" func="cnt" op="lte" val="4">
-        <dgm:constrLst>
-          <dgm:constr type="h" for="ch" forName="compNode" refType="h" fact="0.3"/>
-          <dgm:constr type="w" for="ch" forName="compNode" refType="w"/>
-          <dgm:constr type="h" for="ch" forName="sibTrans" refType="h" refFor="ch" refForName="compNode" fact="0.25"/>
-          <dgm:constr type="primFontSz" for="des" forName="parTx" val="22"/>
-          <dgm:constr type="primFontSz" for="des" forName="desTx" refType="primFontSz" refFor="des" refForName="parTx" op="lte" fact="0.75"/>
-          <dgm:constr type="h" for="des" forName="compNode" op="equ"/>
-          <dgm:constr type="h" for="des" forName="bgRect" op="equ"/>
-          <dgm:constr type="h" for="des" forName="iconRect" op="equ"/>
-          <dgm:constr type="w" for="des" forName="iconRect" op="equ"/>
-          <dgm:constr type="h" for="des" forName="spaceRect" op="equ"/>
-          <dgm:constr type="h" for="des" forName="parTx" op="equ"/>
-          <dgm:constr type="h" for="des" forName="desTx" op="equ"/>
-        </dgm:constrLst>
-      </dgm:if>
-      <dgm:if name="Name6" axis="ch" ptType="node" func="cnt" op="lte" val="6">
-        <dgm:constrLst>
-          <dgm:constr type="h" for="ch" forName="compNode" refType="h" fact="0.3"/>
-          <dgm:constr type="w" for="ch" forName="compNode" refType="w"/>
-          <dgm:constr type="h" for="ch" forName="sibTrans" refType="h" refFor="ch" refForName="compNode" fact="0.25"/>
-          <dgm:constr type="primFontSz" for="des" forName="parTx" val="19"/>
-          <dgm:constr type="primFontSz" for="des" forName="desTx" refType="primFontSz" refFor="des" refForName="parTx" op="lte" fact="0.75"/>
-          <dgm:constr type="h" for="des" forName="compNode" op="equ"/>
-          <dgm:constr type="h" for="des" forName="bgRect" op="equ"/>
-          <dgm:constr type="h" for="des" forName="iconRect" op="equ"/>
-          <dgm:constr type="w" for="des" forName="iconRect" op="equ"/>
-          <dgm:constr type="h" for="des" forName="spaceRect" op="equ"/>
-          <dgm:constr type="h" for="des" forName="parTx" op="equ"/>
-          <dgm:constr type="h" for="des" forName="desTx" op="equ"/>
-        </dgm:constrLst>
-      </dgm:if>
-      <dgm:else name="Name7">
-        <dgm:constrLst>
-          <dgm:constr type="h" for="ch" forName="compNode" refType="h" fact="0.3"/>
-          <dgm:constr type="w" for="ch" forName="compNode" refType="w"/>
-          <dgm:constr type="h" for="ch" forName="sibTrans" refType="h" refFor="ch" refForName="compNode" fact="0.25"/>
-          <dgm:constr type="primFontSz" for="des" forName="parTx" val="16"/>
-          <dgm:constr type="primFontSz" for="des" forName="desTx" refType="primFontSz" refFor="des" refForName="parTx" op="lte" fact="0.75"/>
-          <dgm:constr type="h" for="des" forName="compNode" op="equ"/>
-          <dgm:constr type="h" for="des" forName="bgRect" op="equ"/>
-          <dgm:constr type="h" for="des" forName="iconRect" op="equ"/>
-          <dgm:constr type="w" for="des" forName="iconRect" op="equ"/>
-          <dgm:constr type="h" for="des" forName="spaceRect" op="equ"/>
-          <dgm:constr type="h" for="des" forName="parTx" op="equ"/>
-          <dgm:constr type="h" for="des" forName="desTx" op="equ"/>
-        </dgm:constrLst>
-      </dgm:else>
-    </dgm:choose>
-    <dgm:ruleLst>
-      <dgm:rule type="h" for="ch" forName="compNode" val="0" fact="NaN" max="NaN"/>
-    </dgm:ruleLst>
-    <dgm:forEach name="Name8" axis="ch" ptType="node">
-      <dgm:layoutNode name="compNode">
-        <dgm:alg type="composite"/>
-        <dgm:shape xmlns:r="http://schemas.openxmlformats.org/officeDocument/2006/relationships" r:blip="">
+    <dgm:constrLst>
+      <dgm:constr type="w" for="ch" ptType="node" refType="w"/>
+      <dgm:constr type="w" for="ch" forName="sibTrans" refType="w" refFor="ch" refPtType="node" op="equ" fact="0.23"/>
+      <dgm:constr type="sp" refType="w" refFor="ch" refForName="sibTrans" op="equ"/>
+      <dgm:constr type="userB" for="des" forName="connectorText" refType="sp"/>
+      <dgm:constr type="primFontSz" for="ch" ptType="node" op="equ" val="65"/>
+      <dgm:constr type="h" for="ch" ptType="sibTrans" op="equ"/>
+      <dgm:constr type="primFontSz" for="des" forName="connectorText" op="equ" val="55"/>
+      <dgm:constr type="primFontSz" for="des" forName="connectorText" refType="primFontSz" refFor="ch" refPtType="node" op="lte" fact="0.8"/>
+    </dgm:constrLst>
+    <dgm:ruleLst/>
+    <dgm:forEach name="nodesForEach" axis="ch" ptType="node">
+      <dgm:layoutNode name="node">
+        <dgm:varLst>
+          <dgm:bulletEnabled val="1"/>
+        </dgm:varLst>
+        <dgm:alg type="tx"/>
+        <dgm:shape xmlns:r="http://schemas.openxmlformats.org/officeDocument/2006/relationships" type="rect" r:blip="">
           <dgm:adjLst/>
         </dgm:shape>
-        <dgm:presOf axis="self"/>
-        <dgm:choose name="Name9">
-          <dgm:if name="Name10" axis="ch" ptType="node" func="cnt" op="gte" val="1">
-            <dgm:constrLst>
-              <dgm:constr type="w" for="ch" forName="bgRect" refType="w"/>
-              <dgm:constr type="h" for="ch" forName="bgRect" refType="h"/>
-              <dgm:constr type="l" for="ch" forName="bgRect"/>
-              <dgm:constr type="t" for="ch" forName="bgRect"/>
-              <dgm:constr type="h" for="ch" forName="iconRect" refType="h" fact="0.55"/>
-              <dgm:constr type="w" for="ch" forName="iconRect" refType="h" refFor="ch" refForName="iconRect"/>
-              <dgm:constr type="l" for="ch" forName="iconRect" refType="h" refFor="ch" refForName="iconRect" fact="0.55"/>
-              <dgm:constr type="ctrY" for="ch" forName="iconRect" refType="ctrY" refFor="ch" refForName="bgRect"/>
-              <dgm:constr type="w" for="ch" forName="spaceRect" refType="l" refFor="ch" refForName="iconRect"/>
-              <dgm:constr type="h" for="ch" forName="spaceRect" refType="h"/>
-              <dgm:constr type="l" for="ch" forName="spaceRect" refType="r" refFor="ch" refForName="iconRect"/>
-              <dgm:constr type="t" for="ch" forName="spaceRect"/>
-              <dgm:constr type="w" for="ch" forName="parTx" refType="w" fact="0.45"/>
-              <dgm:constr type="h" for="ch" forName="parTx" refType="h"/>
-              <dgm:constr type="l" for="ch" forName="parTx" refType="r" refFor="ch" refForName="spaceRect"/>
-              <dgm:constr type="t" for="ch" forName="parTx"/>
-              <dgm:constr type="h" for="ch" forName="desTx" refType="h"/>
-              <dgm:constr type="l" for="ch" forName="desTx" refType="r" refFor="ch" refForName="parTx"/>
-              <dgm:constr type="t" for="ch" forName="desTx"/>
-            </dgm:constrLst>
-          </dgm:if>
-          <dgm:else name="Name11">
-            <dgm:constrLst>
-              <dgm:constr type="w" for="ch" forName="bgRect" refType="w"/>
-              <dgm:constr type="h" for="ch" forName="bgRect" refType="h"/>
-              <dgm:constr type="l" for="ch" forName="bgRect"/>
-              <dgm:constr type="t" for="ch" forName="bgRect"/>
-              <dgm:constr type="h" for="ch" forName="iconRect" refType="h" fact="0.55"/>
-              <dgm:constr type="w" for="ch" forName="iconRect" refType="h" refFor="ch" refForName="iconRect"/>
-              <dgm:constr type="l" for="ch" forName="iconRect" refType="h" refFor="ch" refForName="iconRect" fact="0.55"/>
-              <dgm:constr type="ctrY" for="ch" forName="iconRect" refType="ctrY" refFor="ch" refForName="bgRect"/>
-              <dgm:constr type="w" for="ch" forName="spaceRect" refType="l" refFor="ch" refForName="iconRect"/>
-              <dgm:constr type="h" for="ch" forName="spaceRect" refType="h"/>
-              <dgm:constr type="l" for="ch" forName="spaceRect" refType="r" refFor="ch" refForName="iconRect"/>
-              <dgm:constr type="t" for="ch" forName="spaceRect"/>
-              <dgm:constr type="h" for="ch" forName="parTx" refType="h"/>
-              <dgm:constr type="l" for="ch" forName="parTx" refType="r" refFor="ch" refForName="spaceRect"/>
-              <dgm:constr type="t" for="ch" forName="parTx"/>
-            </dgm:constrLst>
-          </dgm:else>
-        </dgm:choose>
+        <dgm:presOf axis="desOrSelf" ptType="node"/>
+        <dgm:constrLst>
+          <dgm:constr type="h" refType="w" fact="0.6"/>
+          <dgm:constr type="tMarg" refType="h" fact="0.243"/>
+          <dgm:constr type="bMarg" refType="h" fact="0.243"/>
+          <dgm:constr type="lMarg" refType="w" fact="0.1389"/>
+          <dgm:constr type="rMarg" refType="w" fact="0.1389"/>
+        </dgm:constrLst>
         <dgm:ruleLst>
-          <dgm:rule type="h" val="INF" fact="NaN" max="NaN"/>
+          <dgm:rule type="primFontSz" val="12" fact="NaN" max="NaN"/>
         </dgm:ruleLst>
-        <dgm:layoutNode name="bgRect" styleLbl="bgShp">
-          <dgm:alg type="sp"/>
-          <dgm:shape xmlns:r="http://schemas.openxmlformats.org/officeDocument/2006/relationships" type="roundRect" r:blip="">
-            <dgm:adjLst>
-              <dgm:adj idx="1" val="0.1"/>
-            </dgm:adjLst>
-          </dgm:shape>
-          <dgm:presOf/>
-          <dgm:constrLst/>
-          <dgm:ruleLst/>
-        </dgm:layoutNode>
-        <dgm:layoutNode name="iconRect" styleLbl="node1">
-          <dgm:alg type="sp"/>
-          <dgm:shape xmlns:r="http://schemas.openxmlformats.org/officeDocument/2006/relationships" type="rect" r:blip="" blipPhldr="1">
-            <dgm:adjLst/>
-          </dgm:shape>
-          <dgm:presOf/>
-          <dgm:constrLst/>
-          <dgm:ruleLst/>
-        </dgm:layoutNode>
-        <dgm:layoutNode name="spaceRect">
-          <dgm:alg type="sp"/>
-          <dgm:shape xmlns:r="http://schemas.openxmlformats.org/officeDocument/2006/relationships" r:blip="">
-            <dgm:adjLst/>
-          </dgm:shape>
-          <dgm:presOf/>
-          <dgm:constrLst/>
-          <dgm:ruleLst/>
-        </dgm:layoutNode>
-        <dgm:layoutNode name="parTx" styleLbl="revTx">
-          <dgm:varLst>
-            <dgm:chMax val="0"/>
-            <dgm:chPref val="0"/>
-          </dgm:varLst>
-          <dgm:alg type="tx">
-            <dgm:param type="txAnchorVert" val="mid"/>
-            <dgm:param type="parTxLTRAlign" val="l"/>
-            <dgm:param type="shpTxLTRAlignCh" val="l"/>
-            <dgm:param type="parTxRTLAlign" val="r"/>
-            <dgm:param type="shpTxRTLAlignCh" val="r"/>
-          </dgm:alg>
-          <dgm:shape xmlns:r="http://schemas.openxmlformats.org/officeDocument/2006/relationships" type="rect" r:blip="">
-            <dgm:adjLst/>
-          </dgm:shape>
-          <dgm:presOf axis="self" ptType="node"/>
-          <dgm:constrLst>
-            <dgm:constr type="lMarg" refType="h" fact="0.3"/>
-            <dgm:constr type="rMarg" refType="h" fact="0.3"/>
-            <dgm:constr type="tMarg" refType="h" fact="0.3"/>
-            <dgm:constr type="bMarg" refType="h" fact="0.3"/>
-          </dgm:constrLst>
-          <dgm:ruleLst>
-            <dgm:rule type="primFontSz" val="14" fact="NaN" max="NaN"/>
-            <dgm:rule type="h" val="INF" fact="NaN" max="NaN"/>
-          </dgm:ruleLst>
-        </dgm:layoutNode>
-        <dgm:choose name="Name12">
-          <dgm:if name="Name13" axis="ch" ptType="node" func="cnt" op="gte" val="1">
-            <dgm:layoutNode name="desTx" styleLbl="revTx">
-              <dgm:varLst/>
-              <dgm:alg type="tx">
-                <dgm:param type="txAnchorVertCh" val="mid"/>
-                <dgm:param type="parTxLTRAlign" val="l"/>
-                <dgm:param type="shpTxLTRAlignCh" val="l"/>
-                <dgm:param type="parTxRTLAlign" val="r"/>
-                <dgm:param type="shpTxRTLAlignCh" val="r"/>
-                <dgm:param type="stBulletLvl" val="0"/>
+      </dgm:layoutNode>
+      <dgm:forEach name="sibTransForEach" axis="followSib" ptType="sibTrans" cnt="1">
+        <dgm:layoutNode name="sibTrans">
+          <dgm:choose name="Name4">
+            <dgm:if name="Name5" axis="self" func="var" arg="dir" op="equ" val="norm">
+              <dgm:alg type="conn">
+                <dgm:param type="connRout" val="bend"/>
+                <dgm:param type="dim" val="1D"/>
+                <dgm:param type="begPts" val="midR bCtr"/>
+                <dgm:param type="endPts" val="midL tCtr"/>
               </dgm:alg>
-              <dgm:shape xmlns:r="http://schemas.openxmlformats.org/officeDocument/2006/relationships" type="rect" r:blip="">
-                <dgm:adjLst/>
-              </dgm:shape>
-              <dgm:presOf axis="des" ptType="node"/>
-              <dgm:constrLst>
-                <dgm:constr type="primFontSz" val="18"/>
-                <dgm:constr type="secFontSz" refType="primFontSz"/>
-                <dgm:constr type="lMarg" refType="h" fact="0.3"/>
-                <dgm:constr type="rMarg" refType="h" fact="0.3"/>
-                <dgm:constr type="tMarg" refType="h" fact="0.3"/>
-                <dgm:constr type="bMarg" refType="h" fact="0.3"/>
-              </dgm:constrLst>
-              <dgm:ruleLst>
-                <dgm:rule type="primFontSz" val="11" fact="NaN" max="NaN"/>
-              </dgm:ruleLst>
-            </dgm:layoutNode>
-          </dgm:if>
-          <dgm:else name="Name14"/>
-        </dgm:choose>
-      </dgm:layoutNode>
-      <dgm:forEach name="Name15" axis="followSib" ptType="sibTrans" cnt="1">
-        <dgm:layoutNode name="sibTrans">
-          <dgm:alg type="sp"/>
-          <dgm:shape xmlns:r="http://schemas.openxmlformats.org/officeDocument/2006/relationships" r:blip="">
+            </dgm:if>
+            <dgm:else name="Name6">
+              <dgm:alg type="conn">
+                <dgm:param type="connRout" val="bend"/>
+                <dgm:param type="dim" val="1D"/>
+                <dgm:param type="begPts" val="midL bCtr"/>
+                <dgm:param type="endPts" val="midR tCtr"/>
+              </dgm:alg>
+            </dgm:else>
+          </dgm:choose>
+          <dgm:shape xmlns:r="http://schemas.openxmlformats.org/officeDocument/2006/relationships" type="conn" r:blip="" zOrderOff="-2">
             <dgm:adjLst/>
           </dgm:shape>
           <dgm:presOf axis="self"/>
-          <dgm:constrLst/>
+          <dgm:constrLst>
+            <dgm:constr type="begPad" val="-0.05"/>
+            <dgm:constr type="endPad" val="0.9"/>
+            <dgm:constr type="userA" for="ch" refType="connDist"/>
+          </dgm:constrLst>
           <dgm:ruleLst/>
+          <dgm:layoutNode name="connectorText">
+            <dgm:alg type="tx">
+              <dgm:param type="autoTxRot" val="upr"/>
+            </dgm:alg>
+            <dgm:shape xmlns:r="http://schemas.openxmlformats.org/officeDocument/2006/relationships" type="rect" r:blip="" hideGeom="1">
+              <dgm:adjLst/>
+            </dgm:shape>
+            <dgm:presOf axis="self"/>
+            <dgm:constrLst>
+              <dgm:constr type="userA"/>
+              <dgm:constr type="userB"/>
+              <dgm:constr type="w" refType="userA" fact="0.05"/>
+              <dgm:constr type="h" refType="userB" fact="0.01"/>
+              <dgm:constr type="lMarg" val="1"/>
+              <dgm:constr type="rMarg" val="1"/>
+              <dgm:constr type="tMarg"/>
+              <dgm:constr type="bMarg"/>
+            </dgm:constrLst>
+            <dgm:ruleLst>
+              <dgm:rule type="w" val="NaN" fact="0.6" max="NaN"/>
+              <dgm:rule type="h" val="NaN" fact="0.6" max="NaN"/>
+              <dgm:rule type="primFontSz" val="5" fact="NaN" max="NaN"/>
+            </dgm:ruleLst>
+          </dgm:layoutNode>
         </dgm:layoutNode>
       </dgm:forEach>
     </dgm:forEach>
   </dgm:layoutNode>
-  <dgm:extLst>
-    <a:ext uri="{68A01E43-0DF5-4B5B-8FA6-DAF915123BFB}">
-      <dgm1612:lstStyle xmlns:dgm1612="http://schemas.microsoft.com/office/drawing/2016/12/diagram">
-        <a:lvl1pPr>
-          <a:lnSpc>
-            <a:spcPct val="100000"/>
-          </a:lnSpc>
-        </a:lvl1pPr>
-        <a:lvl2pPr>
-          <a:lnSpc>
-            <a:spcPct val="100000"/>
-          </a:lnSpc>
-        </a:lvl2pPr>
-      </dgm1612:lstStyle>
-    </a:ext>
-  </dgm:extLst>
 </dgm:layoutDef>
 </file>
 
@@ -26825,7 +26370,7 @@
           <a:p>
             <a:fld id="{5BCAD085-E8A6-8845-BD4E-CB4CCA059FC4}" type="datetimeFigureOut">
               <a:rPr lang="en-US" smtClean="0"/>
-              <a:t>4/20/25</a:t>
+              <a:t>4/21/25</a:t>
             </a:fld>
             <a:endParaRPr lang="en-US"/>
           </a:p>
@@ -26993,7 +26538,7 @@
           <a:p>
             <a:fld id="{5BCAD085-E8A6-8845-BD4E-CB4CCA059FC4}" type="datetimeFigureOut">
               <a:rPr lang="en-US" smtClean="0"/>
-              <a:t>4/20/25</a:t>
+              <a:t>4/21/25</a:t>
             </a:fld>
             <a:endParaRPr lang="en-US"/>
           </a:p>
@@ -27171,7 +26716,7 @@
           <a:p>
             <a:fld id="{5BCAD085-E8A6-8845-BD4E-CB4CCA059FC4}" type="datetimeFigureOut">
               <a:rPr lang="en-US" smtClean="0"/>
-              <a:t>4/20/25</a:t>
+              <a:t>4/21/25</a:t>
             </a:fld>
             <a:endParaRPr lang="en-US"/>
           </a:p>
@@ -27339,7 +26884,7 @@
           <a:p>
             <a:fld id="{5BCAD085-E8A6-8845-BD4E-CB4CCA059FC4}" type="datetimeFigureOut">
               <a:rPr lang="en-US" smtClean="0"/>
-              <a:t>4/20/25</a:t>
+              <a:t>4/21/25</a:t>
             </a:fld>
             <a:endParaRPr lang="en-US"/>
           </a:p>
@@ -27584,7 +27129,7 @@
           <a:p>
             <a:fld id="{5BCAD085-E8A6-8845-BD4E-CB4CCA059FC4}" type="datetimeFigureOut">
               <a:rPr lang="en-US" smtClean="0"/>
-              <a:t>4/20/25</a:t>
+              <a:t>4/21/25</a:t>
             </a:fld>
             <a:endParaRPr lang="en-US"/>
           </a:p>
@@ -27869,7 +27414,7 @@
           <a:p>
             <a:fld id="{5BCAD085-E8A6-8845-BD4E-CB4CCA059FC4}" type="datetimeFigureOut">
               <a:rPr lang="en-US" smtClean="0"/>
-              <a:t>4/20/25</a:t>
+              <a:t>4/21/25</a:t>
             </a:fld>
             <a:endParaRPr lang="en-US"/>
           </a:p>
@@ -28288,7 +27833,7 @@
           <a:p>
             <a:fld id="{5BCAD085-E8A6-8845-BD4E-CB4CCA059FC4}" type="datetimeFigureOut">
               <a:rPr lang="en-US" smtClean="0"/>
-              <a:t>4/20/25</a:t>
+              <a:t>4/21/25</a:t>
             </a:fld>
             <a:endParaRPr lang="en-US"/>
           </a:p>
@@ -28405,7 +27950,7 @@
           <a:p>
             <a:fld id="{5BCAD085-E8A6-8845-BD4E-CB4CCA059FC4}" type="datetimeFigureOut">
               <a:rPr lang="en-US" smtClean="0"/>
-              <a:t>4/20/25</a:t>
+              <a:t>4/21/25</a:t>
             </a:fld>
             <a:endParaRPr lang="en-US"/>
           </a:p>
@@ -28500,7 +28045,7 @@
           <a:p>
             <a:fld id="{5BCAD085-E8A6-8845-BD4E-CB4CCA059FC4}" type="datetimeFigureOut">
               <a:rPr lang="en-US" smtClean="0"/>
-              <a:t>4/20/25</a:t>
+              <a:t>4/21/25</a:t>
             </a:fld>
             <a:endParaRPr lang="en-US"/>
           </a:p>
@@ -28775,7 +28320,7 @@
           <a:p>
             <a:fld id="{5BCAD085-E8A6-8845-BD4E-CB4CCA059FC4}" type="datetimeFigureOut">
               <a:rPr lang="en-US" smtClean="0"/>
-              <a:t>4/20/25</a:t>
+              <a:t>4/21/25</a:t>
             </a:fld>
             <a:endParaRPr lang="en-US"/>
           </a:p>
@@ -29027,7 +28572,7 @@
           <a:p>
             <a:fld id="{5BCAD085-E8A6-8845-BD4E-CB4CCA059FC4}" type="datetimeFigureOut">
               <a:rPr lang="en-US" smtClean="0"/>
-              <a:t>4/20/25</a:t>
+              <a:t>4/21/25</a:t>
             </a:fld>
             <a:endParaRPr lang="en-US"/>
           </a:p>
@@ -29238,7 +28783,7 @@
           <a:p>
             <a:fld id="{5BCAD085-E8A6-8845-BD4E-CB4CCA059FC4}" type="datetimeFigureOut">
               <a:rPr lang="en-US" smtClean="0"/>
-              <a:t>4/20/25</a:t>
+              <a:t>4/21/25</a:t>
             </a:fld>
             <a:endParaRPr lang="en-US"/>
           </a:p>
@@ -30258,595 +29803,6 @@
 </file>
 
 <file path=ppt/slides/slide10.xml><?xml version="1.0" encoding="utf-8"?>
-<p:sld xmlns:a="http://schemas.openxmlformats.org/drawingml/2006/main" xmlns:r="http://schemas.openxmlformats.org/officeDocument/2006/relationships" xmlns:p="http://schemas.openxmlformats.org/presentationml/2006/main">
-  <p:cSld>
-    <p:bg>
-      <p:bgPr>
-        <a:solidFill>
-          <a:schemeClr val="bg1"/>
-        </a:solidFill>
-        <a:effectLst/>
-      </p:bgPr>
-    </p:bg>
-    <p:spTree>
-      <p:nvGrpSpPr>
-        <p:cNvPr id="1" name=""/>
-        <p:cNvGrpSpPr/>
-        <p:nvPr/>
-      </p:nvGrpSpPr>
-      <p:grpSpPr>
-        <a:xfrm>
-          <a:off x="0" y="0"/>
-          <a:ext cx="0" cy="0"/>
-          <a:chOff x="0" y="0"/>
-          <a:chExt cx="0" cy="0"/>
-        </a:xfrm>
-      </p:grpSpPr>
-      <p:sp>
-        <p:nvSpPr>
-          <p:cNvPr id="8" name="Rectangle 7">
-            <a:extLst>
-              <a:ext uri="{FF2B5EF4-FFF2-40B4-BE49-F238E27FC236}">
-                <a16:creationId xmlns:a16="http://schemas.microsoft.com/office/drawing/2014/main" id="{A4AC5506-6312-4701-8D3C-40187889A947}"/>
-              </a:ext>
-              <a:ext uri="{C183D7F6-B498-43B3-948B-1728B52AA6E4}">
-                <adec:decorative xmlns:adec="http://schemas.microsoft.com/office/drawing/2017/decorative" val="1"/>
-              </a:ext>
-            </a:extLst>
-          </p:cNvPr>
-          <p:cNvSpPr>
-            <a:spLocks noGrp="1" noRot="1" noChangeAspect="1" noMove="1" noResize="1" noEditPoints="1" noAdjustHandles="1" noChangeArrowheads="1" noChangeShapeType="1" noTextEdit="1"/>
-          </p:cNvSpPr>
-          <p:nvPr>
-            <p:extLst>
-              <p:ext uri="{386F3935-93C4-4BCD-93E2-E3B085C9AB24}">
-                <p16:designElem xmlns:p16="http://schemas.microsoft.com/office/powerpoint/2015/main" val="1"/>
-              </p:ext>
-            </p:extLst>
-          </p:nvPr>
-        </p:nvSpPr>
-        <p:spPr>
-          <a:xfrm>
-            <a:off x="0" y="651752"/>
-            <a:ext cx="9144000" cy="736551"/>
-          </a:xfrm>
-          <a:prstGeom prst="rect">
-            <a:avLst/>
-          </a:prstGeom>
-          <a:solidFill>
-            <a:schemeClr val="tx1"/>
-          </a:solidFill>
-          <a:ln>
-            <a:noFill/>
-          </a:ln>
-        </p:spPr>
-        <p:style>
-          <a:lnRef idx="2">
-            <a:schemeClr val="accent1">
-              <a:shade val="50000"/>
-            </a:schemeClr>
-          </a:lnRef>
-          <a:fillRef idx="1">
-            <a:schemeClr val="accent1"/>
-          </a:fillRef>
-          <a:effectRef idx="0">
-            <a:schemeClr val="accent1"/>
-          </a:effectRef>
-          <a:fontRef idx="minor">
-            <a:schemeClr val="lt1"/>
-          </a:fontRef>
-        </p:style>
-        <p:txBody>
-          <a:bodyPr rtlCol="0" anchor="ctr"/>
-          <a:lstStyle/>
-          <a:p>
-            <a:pPr algn="ctr"/>
-            <a:endParaRPr lang="en-US"/>
-          </a:p>
-        </p:txBody>
-      </p:sp>
-      <p:sp>
-        <p:nvSpPr>
-          <p:cNvPr id="2" name="Title 1"/>
-          <p:cNvSpPr>
-            <a:spLocks noGrp="1"/>
-          </p:cNvSpPr>
-          <p:nvPr>
-            <p:ph type="title"/>
-          </p:nvPr>
-        </p:nvSpPr>
-        <p:spPr>
-          <a:xfrm>
-            <a:off x="417399" y="643467"/>
-            <a:ext cx="8408193" cy="744836"/>
-          </a:xfrm>
-        </p:spPr>
-        <p:txBody>
-          <a:bodyPr>
-            <a:normAutofit/>
-          </a:bodyPr>
-          <a:lstStyle/>
-          <a:p>
-            <a:r>
-              <a:rPr lang="de-AT" sz="2800">
-                <a:solidFill>
-                  <a:schemeClr val="bg1"/>
-                </a:solidFill>
-              </a:rPr>
-              <a:t>Produktverteilung nach Supermarkt</a:t>
-            </a:r>
-          </a:p>
-        </p:txBody>
-      </p:sp>
-      <p:pic>
-        <p:nvPicPr>
-          <p:cNvPr id="3" name="Picture 2" descr="vergleich_produktverteilung.png"/>
-          <p:cNvPicPr>
-            <a:picLocks noChangeAspect="1"/>
-          </p:cNvPicPr>
-          <p:nvPr/>
-        </p:nvPicPr>
-        <p:blipFill>
-          <a:blip r:embed="rId2"/>
-          <a:stretch>
-            <a:fillRect/>
-          </a:stretch>
-        </p:blipFill>
-        <p:spPr>
-          <a:xfrm>
-            <a:off x="2374900" y="1675227"/>
-            <a:ext cx="4394199" cy="4394199"/>
-          </a:xfrm>
-          <a:prstGeom prst="rect">
-            <a:avLst/>
-          </a:prstGeom>
-        </p:spPr>
-      </p:pic>
-    </p:spTree>
-  </p:cSld>
-  <p:clrMapOvr>
-    <a:masterClrMapping/>
-  </p:clrMapOvr>
-</p:sld>
-</file>
-
-<file path=ppt/slides/slide11.xml><?xml version="1.0" encoding="utf-8"?>
-<p:sld xmlns:a="http://schemas.openxmlformats.org/drawingml/2006/main" xmlns:r="http://schemas.openxmlformats.org/officeDocument/2006/relationships" xmlns:p="http://schemas.openxmlformats.org/presentationml/2006/main">
-  <p:cSld>
-    <p:bg>
-      <p:bgPr>
-        <a:solidFill>
-          <a:schemeClr val="bg1"/>
-        </a:solidFill>
-        <a:effectLst/>
-      </p:bgPr>
-    </p:bg>
-    <p:spTree>
-      <p:nvGrpSpPr>
-        <p:cNvPr id="1" name=""/>
-        <p:cNvGrpSpPr/>
-        <p:nvPr/>
-      </p:nvGrpSpPr>
-      <p:grpSpPr>
-        <a:xfrm>
-          <a:off x="0" y="0"/>
-          <a:ext cx="0" cy="0"/>
-          <a:chOff x="0" y="0"/>
-          <a:chExt cx="0" cy="0"/>
-        </a:xfrm>
-      </p:grpSpPr>
-      <p:sp>
-        <p:nvSpPr>
-          <p:cNvPr id="8" name="Rectangle 7">
-            <a:extLst>
-              <a:ext uri="{FF2B5EF4-FFF2-40B4-BE49-F238E27FC236}">
-                <a16:creationId xmlns:a16="http://schemas.microsoft.com/office/drawing/2014/main" id="{A4AC5506-6312-4701-8D3C-40187889A947}"/>
-              </a:ext>
-              <a:ext uri="{C183D7F6-B498-43B3-948B-1728B52AA6E4}">
-                <adec:decorative xmlns:adec="http://schemas.microsoft.com/office/drawing/2017/decorative" val="1"/>
-              </a:ext>
-            </a:extLst>
-          </p:cNvPr>
-          <p:cNvSpPr>
-            <a:spLocks noGrp="1" noRot="1" noChangeAspect="1" noMove="1" noResize="1" noEditPoints="1" noAdjustHandles="1" noChangeArrowheads="1" noChangeShapeType="1" noTextEdit="1"/>
-          </p:cNvSpPr>
-          <p:nvPr>
-            <p:extLst>
-              <p:ext uri="{386F3935-93C4-4BCD-93E2-E3B085C9AB24}">
-                <p16:designElem xmlns:p16="http://schemas.microsoft.com/office/powerpoint/2015/main" val="1"/>
-              </p:ext>
-            </p:extLst>
-          </p:nvPr>
-        </p:nvSpPr>
-        <p:spPr>
-          <a:xfrm>
-            <a:off x="0" y="651752"/>
-            <a:ext cx="9144000" cy="736551"/>
-          </a:xfrm>
-          <a:prstGeom prst="rect">
-            <a:avLst/>
-          </a:prstGeom>
-          <a:solidFill>
-            <a:schemeClr val="tx1"/>
-          </a:solidFill>
-          <a:ln>
-            <a:noFill/>
-          </a:ln>
-        </p:spPr>
-        <p:style>
-          <a:lnRef idx="2">
-            <a:schemeClr val="accent1">
-              <a:shade val="50000"/>
-            </a:schemeClr>
-          </a:lnRef>
-          <a:fillRef idx="1">
-            <a:schemeClr val="accent1"/>
-          </a:fillRef>
-          <a:effectRef idx="0">
-            <a:schemeClr val="accent1"/>
-          </a:effectRef>
-          <a:fontRef idx="minor">
-            <a:schemeClr val="lt1"/>
-          </a:fontRef>
-        </p:style>
-        <p:txBody>
-          <a:bodyPr rtlCol="0" anchor="ctr"/>
-          <a:lstStyle/>
-          <a:p>
-            <a:pPr algn="ctr"/>
-            <a:endParaRPr lang="en-US"/>
-          </a:p>
-        </p:txBody>
-      </p:sp>
-      <p:sp>
-        <p:nvSpPr>
-          <p:cNvPr id="2" name="Title 1"/>
-          <p:cNvSpPr>
-            <a:spLocks noGrp="1"/>
-          </p:cNvSpPr>
-          <p:nvPr>
-            <p:ph type="title"/>
-          </p:nvPr>
-        </p:nvSpPr>
-        <p:spPr>
-          <a:xfrm>
-            <a:off x="417399" y="643467"/>
-            <a:ext cx="8408193" cy="744836"/>
-          </a:xfrm>
-        </p:spPr>
-        <p:txBody>
-          <a:bodyPr>
-            <a:normAutofit/>
-          </a:bodyPr>
-          <a:lstStyle/>
-          <a:p>
-            <a:r>
-              <a:rPr lang="de-AT" sz="2800">
-                <a:solidFill>
-                  <a:schemeClr val="bg1"/>
-                </a:solidFill>
-              </a:rPr>
-              <a:t>Preisverteilung – Histogramm</a:t>
-            </a:r>
-          </a:p>
-        </p:txBody>
-      </p:sp>
-      <p:pic>
-        <p:nvPicPr>
-          <p:cNvPr id="3" name="Picture 2" descr="vergl_histogramm_preise.png"/>
-          <p:cNvPicPr>
-            <a:picLocks noChangeAspect="1"/>
-          </p:cNvPicPr>
-          <p:nvPr/>
-        </p:nvPicPr>
-        <p:blipFill>
-          <a:blip r:embed="rId2"/>
-          <a:stretch>
-            <a:fillRect/>
-          </a:stretch>
-        </p:blipFill>
-        <p:spPr>
-          <a:xfrm>
-            <a:off x="910166" y="1675227"/>
-            <a:ext cx="7323667" cy="4394199"/>
-          </a:xfrm>
-          <a:prstGeom prst="rect">
-            <a:avLst/>
-          </a:prstGeom>
-        </p:spPr>
-      </p:pic>
-    </p:spTree>
-  </p:cSld>
-  <p:clrMapOvr>
-    <a:masterClrMapping/>
-  </p:clrMapOvr>
-</p:sld>
-</file>
-
-<file path=ppt/slides/slide12.xml><?xml version="1.0" encoding="utf-8"?>
-<p:sld xmlns:a="http://schemas.openxmlformats.org/drawingml/2006/main" xmlns:r="http://schemas.openxmlformats.org/officeDocument/2006/relationships" xmlns:p="http://schemas.openxmlformats.org/presentationml/2006/main">
-  <p:cSld>
-    <p:bg>
-      <p:bgPr>
-        <a:solidFill>
-          <a:schemeClr val="bg1"/>
-        </a:solidFill>
-        <a:effectLst/>
-      </p:bgPr>
-    </p:bg>
-    <p:spTree>
-      <p:nvGrpSpPr>
-        <p:cNvPr id="1" name=""/>
-        <p:cNvGrpSpPr/>
-        <p:nvPr/>
-      </p:nvGrpSpPr>
-      <p:grpSpPr>
-        <a:xfrm>
-          <a:off x="0" y="0"/>
-          <a:ext cx="0" cy="0"/>
-          <a:chOff x="0" y="0"/>
-          <a:chExt cx="0" cy="0"/>
-        </a:xfrm>
-      </p:grpSpPr>
-      <p:sp>
-        <p:nvSpPr>
-          <p:cNvPr id="8" name="Rectangle 7">
-            <a:extLst>
-              <a:ext uri="{FF2B5EF4-FFF2-40B4-BE49-F238E27FC236}">
-                <a16:creationId xmlns:a16="http://schemas.microsoft.com/office/drawing/2014/main" id="{A4AC5506-6312-4701-8D3C-40187889A947}"/>
-              </a:ext>
-              <a:ext uri="{C183D7F6-B498-43B3-948B-1728B52AA6E4}">
-                <adec:decorative xmlns:adec="http://schemas.microsoft.com/office/drawing/2017/decorative" val="1"/>
-              </a:ext>
-            </a:extLst>
-          </p:cNvPr>
-          <p:cNvSpPr>
-            <a:spLocks noGrp="1" noRot="1" noChangeAspect="1" noMove="1" noResize="1" noEditPoints="1" noAdjustHandles="1" noChangeArrowheads="1" noChangeShapeType="1" noTextEdit="1"/>
-          </p:cNvSpPr>
-          <p:nvPr>
-            <p:extLst>
-              <p:ext uri="{386F3935-93C4-4BCD-93E2-E3B085C9AB24}">
-                <p16:designElem xmlns:p16="http://schemas.microsoft.com/office/powerpoint/2015/main" val="1"/>
-              </p:ext>
-            </p:extLst>
-          </p:nvPr>
-        </p:nvSpPr>
-        <p:spPr>
-          <a:xfrm>
-            <a:off x="0" y="651752"/>
-            <a:ext cx="9144000" cy="736551"/>
-          </a:xfrm>
-          <a:prstGeom prst="rect">
-            <a:avLst/>
-          </a:prstGeom>
-          <a:solidFill>
-            <a:schemeClr val="tx1"/>
-          </a:solidFill>
-          <a:ln>
-            <a:noFill/>
-          </a:ln>
-        </p:spPr>
-        <p:style>
-          <a:lnRef idx="2">
-            <a:schemeClr val="accent1">
-              <a:shade val="50000"/>
-            </a:schemeClr>
-          </a:lnRef>
-          <a:fillRef idx="1">
-            <a:schemeClr val="accent1"/>
-          </a:fillRef>
-          <a:effectRef idx="0">
-            <a:schemeClr val="accent1"/>
-          </a:effectRef>
-          <a:fontRef idx="minor">
-            <a:schemeClr val="lt1"/>
-          </a:fontRef>
-        </p:style>
-        <p:txBody>
-          <a:bodyPr rtlCol="0" anchor="ctr"/>
-          <a:lstStyle/>
-          <a:p>
-            <a:pPr algn="ctr"/>
-            <a:endParaRPr lang="en-US"/>
-          </a:p>
-        </p:txBody>
-      </p:sp>
-      <p:sp>
-        <p:nvSpPr>
-          <p:cNvPr id="2" name="Title 1"/>
-          <p:cNvSpPr>
-            <a:spLocks noGrp="1"/>
-          </p:cNvSpPr>
-          <p:nvPr>
-            <p:ph type="title"/>
-          </p:nvPr>
-        </p:nvSpPr>
-        <p:spPr>
-          <a:xfrm>
-            <a:off x="417399" y="643467"/>
-            <a:ext cx="8408193" cy="744836"/>
-          </a:xfrm>
-        </p:spPr>
-        <p:txBody>
-          <a:bodyPr>
-            <a:normAutofit/>
-          </a:bodyPr>
-          <a:lstStyle/>
-          <a:p>
-            <a:r>
-              <a:rPr lang="de-AT" sz="2800">
-                <a:solidFill>
-                  <a:schemeClr val="bg1"/>
-                </a:solidFill>
-              </a:rPr>
-              <a:t>Systemarchitektur – Übersicht</a:t>
-            </a:r>
-          </a:p>
-        </p:txBody>
-      </p:sp>
-      <p:pic>
-        <p:nvPicPr>
-          <p:cNvPr id="3" name="Picture 2" descr="architecture_lebensmittelpreise.drawio.png"/>
-          <p:cNvPicPr>
-            <a:picLocks noChangeAspect="1"/>
-          </p:cNvPicPr>
-          <p:nvPr/>
-        </p:nvPicPr>
-        <p:blipFill>
-          <a:blip r:embed="rId2"/>
-          <a:stretch>
-            <a:fillRect/>
-          </a:stretch>
-        </p:blipFill>
-        <p:spPr>
-          <a:xfrm>
-            <a:off x="2792349" y="1675227"/>
-            <a:ext cx="3559300" cy="4394199"/>
-          </a:xfrm>
-          <a:prstGeom prst="rect">
-            <a:avLst/>
-          </a:prstGeom>
-        </p:spPr>
-      </p:pic>
-    </p:spTree>
-  </p:cSld>
-  <p:clrMapOvr>
-    <a:masterClrMapping/>
-  </p:clrMapOvr>
-</p:sld>
-</file>
-
-<file path=ppt/slides/slide13.xml><?xml version="1.0" encoding="utf-8"?>
-<p:sld xmlns:a="http://schemas.openxmlformats.org/drawingml/2006/main" xmlns:r="http://schemas.openxmlformats.org/officeDocument/2006/relationships" xmlns:p="http://schemas.openxmlformats.org/presentationml/2006/main">
-  <p:cSld>
-    <p:bg>
-      <p:bgPr>
-        <a:solidFill>
-          <a:schemeClr val="bg2"/>
-        </a:solidFill>
-        <a:effectLst/>
-      </p:bgPr>
-    </p:bg>
-    <p:spTree>
-      <p:nvGrpSpPr>
-        <p:cNvPr id="1" name=""/>
-        <p:cNvGrpSpPr/>
-        <p:nvPr/>
-      </p:nvGrpSpPr>
-      <p:grpSpPr>
-        <a:xfrm>
-          <a:off x="0" y="0"/>
-          <a:ext cx="0" cy="0"/>
-          <a:chOff x="0" y="0"/>
-          <a:chExt cx="0" cy="0"/>
-        </a:xfrm>
-      </p:grpSpPr>
-      <p:pic>
-        <p:nvPicPr>
-          <p:cNvPr id="6" name="Picture 5">
-            <a:extLst>
-              <a:ext uri="{FF2B5EF4-FFF2-40B4-BE49-F238E27FC236}">
-                <a16:creationId xmlns:a16="http://schemas.microsoft.com/office/drawing/2014/main" id="{FA9B3460-3FF2-FA27-C479-AEEBFC90A19D}"/>
-              </a:ext>
-            </a:extLst>
-          </p:cNvPr>
-          <p:cNvPicPr>
-            <a:picLocks noChangeAspect="1"/>
-          </p:cNvPicPr>
-          <p:nvPr/>
-        </p:nvPicPr>
-        <p:blipFill>
-          <a:blip r:embed="rId2">
-            <a:duotone>
-              <a:prstClr val="black"/>
-              <a:schemeClr val="tx2">
-                <a:tint val="45000"/>
-                <a:satMod val="400000"/>
-              </a:schemeClr>
-            </a:duotone>
-            <a:alphaModFix amt="25000"/>
-          </a:blip>
-          <a:srcRect l="5296" r="8703" b="-1"/>
-          <a:stretch/>
-        </p:blipFill>
-        <p:spPr>
-          <a:xfrm>
-            <a:off x="20" y="10"/>
-            <a:ext cx="9143980" cy="6857990"/>
-          </a:xfrm>
-          <a:prstGeom prst="rect">
-            <a:avLst/>
-          </a:prstGeom>
-        </p:spPr>
-      </p:pic>
-      <p:sp>
-        <p:nvSpPr>
-          <p:cNvPr id="2" name="Title 1"/>
-          <p:cNvSpPr>
-            <a:spLocks noGrp="1"/>
-          </p:cNvSpPr>
-          <p:nvPr>
-            <p:ph type="title"/>
-          </p:nvPr>
-        </p:nvSpPr>
-        <p:spPr>
-          <a:xfrm>
-            <a:off x="628650" y="365125"/>
-            <a:ext cx="7886700" cy="1325563"/>
-          </a:xfrm>
-        </p:spPr>
-        <p:txBody>
-          <a:bodyPr>
-            <a:normAutofit/>
-          </a:bodyPr>
-          <a:lstStyle/>
-          <a:p>
-            <a:r>
-              <a:t>Technologien &amp; Tools</a:t>
-            </a:r>
-          </a:p>
-        </p:txBody>
-      </p:sp>
-      <p:graphicFrame>
-        <p:nvGraphicFramePr>
-          <p:cNvPr id="5" name="Content Placeholder 2">
-            <a:extLst>
-              <a:ext uri="{FF2B5EF4-FFF2-40B4-BE49-F238E27FC236}">
-                <a16:creationId xmlns:a16="http://schemas.microsoft.com/office/drawing/2014/main" id="{A9855D76-3D4F-48EB-758B-7ACA5ADA85DB}"/>
-              </a:ext>
-            </a:extLst>
-          </p:cNvPr>
-          <p:cNvGraphicFramePr>
-            <a:graphicFrameLocks noGrp="1"/>
-          </p:cNvGraphicFramePr>
-          <p:nvPr>
-            <p:ph idx="1"/>
-            <p:extLst>
-              <p:ext uri="{D42A27DB-BD31-4B8C-83A1-F6EECF244321}">
-                <p14:modId xmlns:p14="http://schemas.microsoft.com/office/powerpoint/2010/main" val="3288194641"/>
-              </p:ext>
-            </p:extLst>
-          </p:nvPr>
-        </p:nvGraphicFramePr>
-        <p:xfrm>
-          <a:off x="628650" y="1825625"/>
-          <a:ext cx="7886700" cy="4351338"/>
-        </p:xfrm>
-        <a:graphic>
-          <a:graphicData uri="http://schemas.openxmlformats.org/drawingml/2006/diagram">
-            <dgm:relIds xmlns:dgm="http://schemas.openxmlformats.org/drawingml/2006/diagram" xmlns:r="http://schemas.openxmlformats.org/officeDocument/2006/relationships" r:dm="rId3" r:lo="rId4" r:qs="rId5" r:cs="rId6"/>
-          </a:graphicData>
-        </a:graphic>
-      </p:graphicFrame>
-    </p:spTree>
-  </p:cSld>
-  <p:clrMapOvr>
-    <a:overrideClrMapping bg1="dk1" tx1="lt1" bg2="dk2" tx2="lt2" accent1="accent1" accent2="accent2" accent3="accent3" accent4="accent4" accent5="accent5" accent6="accent6" hlink="hlink" folHlink="folHlink"/>
-  </p:clrMapOvr>
-</p:sld>
-</file>
-
-<file path=ppt/slides/slide14.xml><?xml version="1.0" encoding="utf-8"?>
 <p:sld xmlns:a="http://schemas.openxmlformats.org/drawingml/2006/main" xmlns:r="http://schemas.openxmlformats.org/officeDocument/2006/relationships" xmlns:p="http://schemas.openxmlformats.org/presentationml/2006/main">
   <p:cSld>
     <p:bg>
@@ -32445,10 +31401,10 @@
       </p:grpSpPr>
       <p:sp useBgFill="1">
         <p:nvSpPr>
-          <p:cNvPr id="9" name="Rectangle 8">
+          <p:cNvPr id="20" name="Rectangle 19">
             <a:extLst>
               <a:ext uri="{FF2B5EF4-FFF2-40B4-BE49-F238E27FC236}">
-                <a16:creationId xmlns:a16="http://schemas.microsoft.com/office/drawing/2014/main" id="{7517A47C-B2E5-4B79-8061-D74B1311AF6E}"/>
+                <a16:creationId xmlns:a16="http://schemas.microsoft.com/office/drawing/2014/main" id="{9DBC8166-481C-4473-95F5-9A5B9073B7F1}"/>
               </a:ext>
               <a:ext uri="{C183D7F6-B498-43B3-948B-1728B52AA6E4}">
                 <adec:decorative xmlns:adec="http://schemas.microsoft.com/office/drawing/2017/decorative" val="1"/>
@@ -32469,7 +31425,7 @@
         <p:spPr>
           <a:xfrm>
             <a:off x="0" y="0"/>
-            <a:ext cx="9144000" cy="6858000"/>
+            <a:ext cx="9141714" cy="6858000"/>
           </a:xfrm>
           <a:prstGeom prst="rect">
             <a:avLst/>
@@ -32503,12 +31459,12 @@
           </a:p>
         </p:txBody>
       </p:sp>
-      <p:sp useBgFill="1">
+      <p:sp>
         <p:nvSpPr>
-          <p:cNvPr id="11" name="Freeform: Shape 10">
+          <p:cNvPr id="22" name="Freeform: Shape 21">
             <a:extLst>
               <a:ext uri="{FF2B5EF4-FFF2-40B4-BE49-F238E27FC236}">
-                <a16:creationId xmlns:a16="http://schemas.microsoft.com/office/drawing/2014/main" id="{C505E780-2083-4CB5-A42A-5E0E2908ECC3}"/>
+                <a16:creationId xmlns:a16="http://schemas.microsoft.com/office/drawing/2014/main" id="{A5A5CE6E-90AF-4D43-A014-1F9EC83EB93D}"/>
               </a:ext>
               <a:ext uri="{C183D7F6-B498-43B3-948B-1728B52AA6E4}">
                 <adec:decorative xmlns:adec="http://schemas.microsoft.com/office/drawing/2017/decorative" val="1"/>
@@ -32528,25 +31484,25 @@
         </p:nvSpPr>
         <p:spPr>
           <a:xfrm>
-            <a:off x="0" y="0"/>
-            <a:ext cx="3614166" cy="6858000"/>
+            <a:off x="0" y="1"/>
+            <a:ext cx="3384350" cy="6858000"/>
           </a:xfrm>
           <a:custGeom>
             <a:avLst/>
             <a:gdLst>
-              <a:gd name="connsiteX0" fmla="*/ 0 w 4818889"/>
+              <a:gd name="connsiteX0" fmla="*/ 0 w 4512467"/>
               <a:gd name="connsiteY0" fmla="*/ 0 h 6858000"/>
-              <a:gd name="connsiteX1" fmla="*/ 3605911 w 4818889"/>
+              <a:gd name="connsiteX1" fmla="*/ 2579526 w 4512467"/>
               <a:gd name="connsiteY1" fmla="*/ 0 h 6858000"/>
-              <a:gd name="connsiteX2" fmla="*/ 3668894 w 4818889"/>
-              <a:gd name="connsiteY2" fmla="*/ 69271 h 6858000"/>
-              <a:gd name="connsiteX3" fmla="*/ 4818889 w 4818889"/>
+              <a:gd name="connsiteX2" fmla="*/ 2583267 w 4512467"/>
+              <a:gd name="connsiteY2" fmla="*/ 2151 h 6858000"/>
+              <a:gd name="connsiteX3" fmla="*/ 4512467 w 4512467"/>
               <a:gd name="connsiteY3" fmla="*/ 3429000 h 6858000"/>
-              <a:gd name="connsiteX4" fmla="*/ 3668894 w 4818889"/>
-              <a:gd name="connsiteY4" fmla="*/ 6788730 h 6858000"/>
-              <a:gd name="connsiteX5" fmla="*/ 3605911 w 4818889"/>
+              <a:gd name="connsiteX4" fmla="*/ 2583267 w 4512467"/>
+              <a:gd name="connsiteY4" fmla="*/ 6855849 h 6858000"/>
+              <a:gd name="connsiteX5" fmla="*/ 2579526 w 4512467"/>
               <a:gd name="connsiteY5" fmla="*/ 6858000 h 6858000"/>
-              <a:gd name="connsiteX6" fmla="*/ 0 w 4818889"/>
+              <a:gd name="connsiteX6" fmla="*/ 0 w 4512467"/>
               <a:gd name="connsiteY6" fmla="*/ 6858000 h 6858000"/>
             </a:gdLst>
             <a:ahLst/>
@@ -32575,28 +31531,28 @@
             </a:cxnLst>
             <a:rect l="l" t="t" r="r" b="b"/>
             <a:pathLst>
-              <a:path w="4818889" h="6858000">
+              <a:path w="4512467" h="6858000">
                 <a:moveTo>
                   <a:pt x="0" y="0"/>
                 </a:moveTo>
                 <a:lnTo>
-                  <a:pt x="3605911" y="0"/>
+                  <a:pt x="2579526" y="0"/>
                 </a:lnTo>
                 <a:lnTo>
-                  <a:pt x="3668894" y="69271"/>
+                  <a:pt x="2583267" y="2151"/>
                 </a:lnTo>
                 <a:cubicBezTo>
-                  <a:pt x="4379420" y="929100"/>
-                  <a:pt x="4818889" y="2116944"/>
-                  <a:pt x="4818889" y="3429000"/>
+                  <a:pt x="3739868" y="704919"/>
+                  <a:pt x="4512467" y="1976735"/>
+                  <a:pt x="4512467" y="3429000"/>
                 </a:cubicBezTo>
                 <a:cubicBezTo>
-                  <a:pt x="4818889" y="4741056"/>
-                  <a:pt x="4379420" y="5928900"/>
-                  <a:pt x="3668894" y="6788730"/>
+                  <a:pt x="4512467" y="4881266"/>
+                  <a:pt x="3739868" y="6153081"/>
+                  <a:pt x="2583267" y="6855849"/>
                 </a:cubicBezTo>
                 <a:lnTo>
-                  <a:pt x="3605911" y="6858000"/>
+                  <a:pt x="2579526" y="6858000"/>
                 </a:lnTo>
                 <a:lnTo>
                   <a:pt x="0" y="6858000"/>
@@ -32605,299 +31561,6 @@
               </a:path>
             </a:pathLst>
           </a:custGeom>
-          <a:ln w="9525">
-            <a:solidFill>
-              <a:srgbClr val="EFEFEF"/>
-            </a:solidFill>
-          </a:ln>
-          <a:effectLst>
-            <a:outerShdw blurRad="88900" dist="38100" algn="l" rotWithShape="0">
-              <a:schemeClr val="bg1">
-                <a:lumMod val="85000"/>
-                <a:alpha val="50000"/>
-              </a:schemeClr>
-            </a:outerShdw>
-          </a:effectLst>
-        </p:spPr>
-        <p:style>
-          <a:lnRef idx="2">
-            <a:schemeClr val="accent1">
-              <a:shade val="50000"/>
-            </a:schemeClr>
-          </a:lnRef>
-          <a:fillRef idx="1">
-            <a:schemeClr val="accent1"/>
-          </a:fillRef>
-          <a:effectRef idx="0">
-            <a:schemeClr val="accent1"/>
-          </a:effectRef>
-          <a:fontRef idx="minor">
-            <a:schemeClr val="lt1"/>
-          </a:fontRef>
-        </p:style>
-        <p:txBody>
-          <a:bodyPr wrap="square" rtlCol="0" anchor="ctr">
-            <a:noAutofit/>
-          </a:bodyPr>
-          <a:lstStyle/>
-          <a:p>
-            <a:pPr marL="0" marR="0" lvl="0" indent="0" algn="ctr" defTabSz="914400" rtl="0" eaLnBrk="1" fontAlgn="auto" latinLnBrk="0" hangingPunct="1">
-              <a:lnSpc>
-                <a:spcPct val="100000"/>
-              </a:lnSpc>
-              <a:spcBef>
-                <a:spcPts val="0"/>
-              </a:spcBef>
-              <a:spcAft>
-                <a:spcPts val="0"/>
-              </a:spcAft>
-              <a:buClrTx/>
-              <a:buSzTx/>
-              <a:buFontTx/>
-              <a:buNone/>
-              <a:tabLst/>
-              <a:defRPr/>
-            </a:pPr>
-            <a:endParaRPr kumimoji="0" lang="en-US" sz="1800" b="0" i="0" u="none" strike="noStrike" kern="1200" cap="none" spc="0" normalizeH="0" baseline="0" noProof="0">
-              <a:ln>
-                <a:noFill/>
-              </a:ln>
-              <a:solidFill>
-                <a:prstClr val="white"/>
-              </a:solidFill>
-              <a:effectLst/>
-              <a:uLnTx/>
-              <a:uFillTx/>
-              <a:latin typeface="Calibri" panose="020F0502020204030204"/>
-              <a:ea typeface="+mn-ea"/>
-              <a:cs typeface="+mn-cs"/>
-            </a:endParaRPr>
-          </a:p>
-        </p:txBody>
-      </p:sp>
-      <p:sp useBgFill="1">
-        <p:nvSpPr>
-          <p:cNvPr id="13" name="Freeform: Shape 12">
-            <a:extLst>
-              <a:ext uri="{FF2B5EF4-FFF2-40B4-BE49-F238E27FC236}">
-                <a16:creationId xmlns:a16="http://schemas.microsoft.com/office/drawing/2014/main" id="{D2C0AE1C-0118-41AE-8A10-7CDCBF10E96F}"/>
-              </a:ext>
-              <a:ext uri="{C183D7F6-B498-43B3-948B-1728B52AA6E4}">
-                <adec:decorative xmlns:adec="http://schemas.microsoft.com/office/drawing/2017/decorative" val="1"/>
-              </a:ext>
-            </a:extLst>
-          </p:cNvPr>
-          <p:cNvSpPr>
-            <a:spLocks noGrp="1" noRot="1" noChangeAspect="1" noMove="1" noResize="1" noEditPoints="1" noAdjustHandles="1" noChangeArrowheads="1" noChangeShapeType="1" noTextEdit="1"/>
-          </p:cNvSpPr>
-          <p:nvPr>
-            <p:extLst>
-              <p:ext uri="{386F3935-93C4-4BCD-93E2-E3B085C9AB24}">
-                <p16:designElem xmlns:p16="http://schemas.microsoft.com/office/powerpoint/2015/main" val="1"/>
-              </p:ext>
-            </p:extLst>
-          </p:nvPr>
-        </p:nvSpPr>
-        <p:spPr>
-          <a:xfrm>
-            <a:off x="0" y="0"/>
-            <a:ext cx="3608608" cy="6858000"/>
-          </a:xfrm>
-          <a:custGeom>
-            <a:avLst/>
-            <a:gdLst>
-              <a:gd name="connsiteX0" fmla="*/ 0 w 4811477"/>
-              <a:gd name="connsiteY0" fmla="*/ 0 h 6858000"/>
-              <a:gd name="connsiteX1" fmla="*/ 3598499 w 4811477"/>
-              <a:gd name="connsiteY1" fmla="*/ 0 h 6858000"/>
-              <a:gd name="connsiteX2" fmla="*/ 3661482 w 4811477"/>
-              <a:gd name="connsiteY2" fmla="*/ 69271 h 6858000"/>
-              <a:gd name="connsiteX3" fmla="*/ 4811477 w 4811477"/>
-              <a:gd name="connsiteY3" fmla="*/ 3429000 h 6858000"/>
-              <a:gd name="connsiteX4" fmla="*/ 3661482 w 4811477"/>
-              <a:gd name="connsiteY4" fmla="*/ 6788730 h 6858000"/>
-              <a:gd name="connsiteX5" fmla="*/ 3598499 w 4811477"/>
-              <a:gd name="connsiteY5" fmla="*/ 6858000 h 6858000"/>
-              <a:gd name="connsiteX6" fmla="*/ 0 w 4811477"/>
-              <a:gd name="connsiteY6" fmla="*/ 6858000 h 6858000"/>
-            </a:gdLst>
-            <a:ahLst/>
-            <a:cxnLst>
-              <a:cxn ang="0">
-                <a:pos x="connsiteX0" y="connsiteY0"/>
-              </a:cxn>
-              <a:cxn ang="0">
-                <a:pos x="connsiteX1" y="connsiteY1"/>
-              </a:cxn>
-              <a:cxn ang="0">
-                <a:pos x="connsiteX2" y="connsiteY2"/>
-              </a:cxn>
-              <a:cxn ang="0">
-                <a:pos x="connsiteX3" y="connsiteY3"/>
-              </a:cxn>
-              <a:cxn ang="0">
-                <a:pos x="connsiteX4" y="connsiteY4"/>
-              </a:cxn>
-              <a:cxn ang="0">
-                <a:pos x="connsiteX5" y="connsiteY5"/>
-              </a:cxn>
-              <a:cxn ang="0">
-                <a:pos x="connsiteX6" y="connsiteY6"/>
-              </a:cxn>
-            </a:cxnLst>
-            <a:rect l="l" t="t" r="r" b="b"/>
-            <a:pathLst>
-              <a:path w="4811477" h="6858000">
-                <a:moveTo>
-                  <a:pt x="0" y="0"/>
-                </a:moveTo>
-                <a:lnTo>
-                  <a:pt x="3598499" y="0"/>
-                </a:lnTo>
-                <a:lnTo>
-                  <a:pt x="3661482" y="69271"/>
-                </a:lnTo>
-                <a:cubicBezTo>
-                  <a:pt x="4372008" y="929100"/>
-                  <a:pt x="4811477" y="2116944"/>
-                  <a:pt x="4811477" y="3429000"/>
-                </a:cubicBezTo>
-                <a:cubicBezTo>
-                  <a:pt x="4811477" y="4741056"/>
-                  <a:pt x="4372008" y="5928900"/>
-                  <a:pt x="3661482" y="6788730"/>
-                </a:cubicBezTo>
-                <a:lnTo>
-                  <a:pt x="3598499" y="6858000"/>
-                </a:lnTo>
-                <a:lnTo>
-                  <a:pt x="0" y="6858000"/>
-                </a:lnTo>
-                <a:close/>
-              </a:path>
-            </a:pathLst>
-          </a:custGeom>
-          <a:ln w="9525">
-            <a:noFill/>
-          </a:ln>
-          <a:effectLst/>
-        </p:spPr>
-        <p:style>
-          <a:lnRef idx="2">
-            <a:schemeClr val="accent1">
-              <a:shade val="50000"/>
-            </a:schemeClr>
-          </a:lnRef>
-          <a:fillRef idx="1">
-            <a:schemeClr val="accent1"/>
-          </a:fillRef>
-          <a:effectRef idx="0">
-            <a:schemeClr val="accent1"/>
-          </a:effectRef>
-          <a:fontRef idx="minor">
-            <a:schemeClr val="lt1"/>
-          </a:fontRef>
-        </p:style>
-        <p:txBody>
-          <a:bodyPr wrap="square" rtlCol="0" anchor="ctr">
-            <a:noAutofit/>
-          </a:bodyPr>
-          <a:lstStyle/>
-          <a:p>
-            <a:pPr marL="0" marR="0" lvl="0" indent="0" algn="ctr" defTabSz="914400" rtl="0" eaLnBrk="1" fontAlgn="auto" latinLnBrk="0" hangingPunct="1">
-              <a:lnSpc>
-                <a:spcPct val="100000"/>
-              </a:lnSpc>
-              <a:spcBef>
-                <a:spcPts val="0"/>
-              </a:spcBef>
-              <a:spcAft>
-                <a:spcPts val="0"/>
-              </a:spcAft>
-              <a:buClrTx/>
-              <a:buSzTx/>
-              <a:buFontTx/>
-              <a:buNone/>
-              <a:tabLst/>
-              <a:defRPr/>
-            </a:pPr>
-            <a:endParaRPr kumimoji="0" lang="en-US" sz="1800" b="0" i="0" u="none" strike="noStrike" kern="1200" cap="none" spc="0" normalizeH="0" baseline="0" noProof="0">
-              <a:ln>
-                <a:noFill/>
-              </a:ln>
-              <a:solidFill>
-                <a:prstClr val="white"/>
-              </a:solidFill>
-              <a:effectLst/>
-              <a:uLnTx/>
-              <a:uFillTx/>
-              <a:latin typeface="Calibri" panose="020F0502020204030204"/>
-              <a:ea typeface="+mn-ea"/>
-              <a:cs typeface="+mn-cs"/>
-            </a:endParaRPr>
-          </a:p>
-        </p:txBody>
-      </p:sp>
-      <p:sp>
-        <p:nvSpPr>
-          <p:cNvPr id="2" name="Title 1"/>
-          <p:cNvSpPr>
-            <a:spLocks noGrp="1"/>
-          </p:cNvSpPr>
-          <p:nvPr>
-            <p:ph type="title"/>
-          </p:nvPr>
-        </p:nvSpPr>
-        <p:spPr>
-          <a:xfrm>
-            <a:off x="466344" y="1161288"/>
-            <a:ext cx="2702052" cy="4526280"/>
-          </a:xfrm>
-        </p:spPr>
-        <p:txBody>
-          <a:bodyPr>
-            <a:normAutofit/>
-          </a:bodyPr>
-          <a:lstStyle/>
-          <a:p>
-            <a:r>
-              <a:rPr lang="de-AT" sz="3200"/>
-              <a:t>Projektstruktur &amp; GitHub</a:t>
-            </a:r>
-          </a:p>
-        </p:txBody>
-      </p:sp>
-      <p:sp>
-        <p:nvSpPr>
-          <p:cNvPr id="15" name="Rectangle 14">
-            <a:extLst>
-              <a:ext uri="{FF2B5EF4-FFF2-40B4-BE49-F238E27FC236}">
-                <a16:creationId xmlns:a16="http://schemas.microsoft.com/office/drawing/2014/main" id="{463EEC44-1BA3-44ED-81FC-A644B04B2A44}"/>
-              </a:ext>
-              <a:ext uri="{C183D7F6-B498-43B3-948B-1728B52AA6E4}">
-                <adec:decorative xmlns:adec="http://schemas.microsoft.com/office/drawing/2017/decorative" val="1"/>
-              </a:ext>
-            </a:extLst>
-          </p:cNvPr>
-          <p:cNvSpPr>
-            <a:spLocks noGrp="1" noRot="1" noChangeAspect="1" noMove="1" noResize="1" noEditPoints="1" noAdjustHandles="1" noChangeArrowheads="1" noChangeShapeType="1" noTextEdit="1"/>
-          </p:cNvSpPr>
-          <p:nvPr>
-            <p:extLst>
-              <p:ext uri="{386F3935-93C4-4BCD-93E2-E3B085C9AB24}">
-                <p16:designElem xmlns:p16="http://schemas.microsoft.com/office/powerpoint/2015/main" val="1"/>
-              </p:ext>
-            </p:extLst>
-          </p:nvPr>
-        </p:nvSpPr>
-        <p:spPr>
-          <a:xfrm>
-            <a:off x="0" y="3081528"/>
-            <a:ext cx="96012" cy="704088"/>
-          </a:xfrm>
-          <a:prstGeom prst="rect">
-            <a:avLst/>
-          </a:prstGeom>
           <a:solidFill>
             <a:schemeClr val="accent2"/>
           </a:solidFill>
@@ -32922,16 +31585,50 @@
           </a:fontRef>
         </p:style>
         <p:txBody>
-          <a:bodyPr rtlCol="0" anchor="ctr"/>
+          <a:bodyPr wrap="square" rtlCol="0" anchor="ctr">
+            <a:noAutofit/>
+          </a:bodyPr>
           <a:lstStyle/>
           <a:p>
             <a:pPr algn="ctr"/>
             <a:endParaRPr lang="en-US">
               <a:solidFill>
-                <a:prstClr val="white"/>
+                <a:schemeClr val="bg1"/>
               </a:solidFill>
-              <a:latin typeface="Calibri" panose="020F0502020204030204"/>
             </a:endParaRPr>
+          </a:p>
+        </p:txBody>
+      </p:sp>
+      <p:sp>
+        <p:nvSpPr>
+          <p:cNvPr id="2" name="Title 1"/>
+          <p:cNvSpPr>
+            <a:spLocks noGrp="1"/>
+          </p:cNvSpPr>
+          <p:nvPr>
+            <p:ph type="title"/>
+          </p:nvPr>
+        </p:nvSpPr>
+        <p:spPr>
+          <a:xfrm>
+            <a:off x="628650" y="643467"/>
+            <a:ext cx="2213403" cy="5571066"/>
+          </a:xfrm>
+        </p:spPr>
+        <p:txBody>
+          <a:bodyPr>
+            <a:normAutofit/>
+          </a:bodyPr>
+          <a:lstStyle/>
+          <a:p>
+            <a:r>
+              <a:rPr lang="de-AT" sz="2400">
+                <a:solidFill>
+                  <a:srgbClr val="FFFFFF"/>
+                </a:solidFill>
+              </a:rPr>
+              <a:t>Projektstruktur &amp; GitHub</a:t>
+            </a:r>
           </a:p>
         </p:txBody>
       </p:sp>
@@ -32951,14 +31648,14 @@
             <p:ph idx="1"/>
             <p:extLst>
               <p:ext uri="{D42A27DB-BD31-4B8C-83A1-F6EECF244321}">
-                <p14:modId xmlns:p14="http://schemas.microsoft.com/office/powerpoint/2010/main" val="3178826847"/>
+                <p14:modId xmlns:p14="http://schemas.microsoft.com/office/powerpoint/2010/main" val="179236585"/>
               </p:ext>
             </p:extLst>
           </p:nvPr>
         </p:nvGraphicFramePr>
         <p:xfrm>
-          <a:off x="3977640" y="676656"/>
-          <a:ext cx="4773168" cy="5513832"/>
+          <a:off x="3905730" y="643466"/>
+          <a:ext cx="4718785" cy="5530735"/>
         </p:xfrm>
         <a:graphic>
           <a:graphicData uri="http://schemas.openxmlformats.org/drawingml/2006/diagram">
@@ -34180,7 +32877,7 @@
     <p:bg>
       <p:bgPr>
         <a:solidFill>
-          <a:schemeClr val="bg1"/>
+          <a:schemeClr val="bg2"/>
         </a:solidFill>
         <a:effectLst/>
       </p:bgPr>
@@ -34199,69 +32896,44 @@
           <a:chExt cx="0" cy="0"/>
         </a:xfrm>
       </p:grpSpPr>
-      <p:sp>
-        <p:nvSpPr>
-          <p:cNvPr id="8" name="Rectangle 7">
+      <p:pic>
+        <p:nvPicPr>
+          <p:cNvPr id="6" name="Picture 5">
             <a:extLst>
               <a:ext uri="{FF2B5EF4-FFF2-40B4-BE49-F238E27FC236}">
-                <a16:creationId xmlns:a16="http://schemas.microsoft.com/office/drawing/2014/main" id="{A4AC5506-6312-4701-8D3C-40187889A947}"/>
-              </a:ext>
-              <a:ext uri="{C183D7F6-B498-43B3-948B-1728B52AA6E4}">
-                <adec:decorative xmlns:adec="http://schemas.microsoft.com/office/drawing/2017/decorative" val="1"/>
+                <a16:creationId xmlns:a16="http://schemas.microsoft.com/office/drawing/2014/main" id="{FA9B3460-3FF2-FA27-C479-AEEBFC90A19D}"/>
               </a:ext>
             </a:extLst>
           </p:cNvPr>
-          <p:cNvSpPr>
-            <a:spLocks noGrp="1" noRot="1" noChangeAspect="1" noMove="1" noResize="1" noEditPoints="1" noAdjustHandles="1" noChangeArrowheads="1" noChangeShapeType="1" noTextEdit="1"/>
-          </p:cNvSpPr>
-          <p:nvPr>
-            <p:extLst>
-              <p:ext uri="{386F3935-93C4-4BCD-93E2-E3B085C9AB24}">
-                <p16:designElem xmlns:p16="http://schemas.microsoft.com/office/powerpoint/2015/main" val="1"/>
-              </p:ext>
-            </p:extLst>
-          </p:nvPr>
-        </p:nvSpPr>
+          <p:cNvPicPr>
+            <a:picLocks noChangeAspect="1"/>
+          </p:cNvPicPr>
+          <p:nvPr/>
+        </p:nvPicPr>
+        <p:blipFill>
+          <a:blip r:embed="rId2">
+            <a:duotone>
+              <a:prstClr val="black"/>
+              <a:schemeClr val="tx2">
+                <a:tint val="45000"/>
+                <a:satMod val="400000"/>
+              </a:schemeClr>
+            </a:duotone>
+            <a:alphaModFix amt="25000"/>
+          </a:blip>
+          <a:srcRect l="5296" r="8703" b="-1"/>
+          <a:stretch/>
+        </p:blipFill>
         <p:spPr>
           <a:xfrm>
-            <a:off x="0" y="651752"/>
-            <a:ext cx="9144000" cy="736551"/>
+            <a:off x="20" y="10"/>
+            <a:ext cx="9143980" cy="6857990"/>
           </a:xfrm>
           <a:prstGeom prst="rect">
             <a:avLst/>
           </a:prstGeom>
-          <a:solidFill>
-            <a:schemeClr val="tx1"/>
-          </a:solidFill>
-          <a:ln>
-            <a:noFill/>
-          </a:ln>
         </p:spPr>
-        <p:style>
-          <a:lnRef idx="2">
-            <a:schemeClr val="accent1">
-              <a:shade val="50000"/>
-            </a:schemeClr>
-          </a:lnRef>
-          <a:fillRef idx="1">
-            <a:schemeClr val="accent1"/>
-          </a:fillRef>
-          <a:effectRef idx="0">
-            <a:schemeClr val="accent1"/>
-          </a:effectRef>
-          <a:fontRef idx="minor">
-            <a:schemeClr val="lt1"/>
-          </a:fontRef>
-        </p:style>
-        <p:txBody>
-          <a:bodyPr rtlCol="0" anchor="ctr"/>
-          <a:lstStyle/>
-          <a:p>
-            <a:pPr algn="ctr"/>
-            <a:endParaRPr lang="en-US"/>
-          </a:p>
-        </p:txBody>
-      </p:sp>
+      </p:pic>
       <p:sp>
         <p:nvSpPr>
           <p:cNvPr id="2" name="Title 1"/>
@@ -34274,8 +32946,8 @@
         </p:nvSpPr>
         <p:spPr>
           <a:xfrm>
-            <a:off x="417399" y="643467"/>
-            <a:ext cx="8408193" cy="744836"/>
+            <a:off x="628650" y="365125"/>
+            <a:ext cx="7886700" cy="1325563"/>
           </a:xfrm>
         </p:spPr>
         <p:txBody>
@@ -34285,44 +32957,46 @@
           <a:lstStyle/>
           <a:p>
             <a:r>
-              <a:rPr lang="de-AT" sz="2800">
-                <a:solidFill>
-                  <a:schemeClr val="bg1"/>
-                </a:solidFill>
-              </a:rPr>
-              <a:t>Ø Preisvergleich – Supermärkte</a:t>
+              <a:t>Technologien &amp; Tools</a:t>
             </a:r>
           </a:p>
         </p:txBody>
       </p:sp>
-      <p:pic>
-        <p:nvPicPr>
-          <p:cNvPr id="3" name="Picture 2" descr="vergleich_avg_preise.png"/>
-          <p:cNvPicPr>
-            <a:picLocks noChangeAspect="1"/>
-          </p:cNvPicPr>
-          <p:nvPr/>
-        </p:nvPicPr>
-        <p:blipFill>
-          <a:blip r:embed="rId2"/>
-          <a:stretch>
-            <a:fillRect/>
-          </a:stretch>
-        </p:blipFill>
-        <p:spPr>
-          <a:xfrm>
-            <a:off x="910166" y="1675227"/>
-            <a:ext cx="7323667" cy="4394199"/>
-          </a:xfrm>
-          <a:prstGeom prst="rect">
-            <a:avLst/>
-          </a:prstGeom>
-        </p:spPr>
-      </p:pic>
+      <p:graphicFrame>
+        <p:nvGraphicFramePr>
+          <p:cNvPr id="5" name="Content Placeholder 2">
+            <a:extLst>
+              <a:ext uri="{FF2B5EF4-FFF2-40B4-BE49-F238E27FC236}">
+                <a16:creationId xmlns:a16="http://schemas.microsoft.com/office/drawing/2014/main" id="{A9855D76-3D4F-48EB-758B-7ACA5ADA85DB}"/>
+              </a:ext>
+            </a:extLst>
+          </p:cNvPr>
+          <p:cNvGraphicFramePr>
+            <a:graphicFrameLocks noGrp="1"/>
+          </p:cNvGraphicFramePr>
+          <p:nvPr>
+            <p:ph idx="1"/>
+            <p:extLst>
+              <p:ext uri="{D42A27DB-BD31-4B8C-83A1-F6EECF244321}">
+                <p14:modId xmlns:p14="http://schemas.microsoft.com/office/powerpoint/2010/main" val="3288194641"/>
+              </p:ext>
+            </p:extLst>
+          </p:nvPr>
+        </p:nvGraphicFramePr>
+        <p:xfrm>
+          <a:off x="628650" y="1825625"/>
+          <a:ext cx="7886700" cy="4351338"/>
+        </p:xfrm>
+        <a:graphic>
+          <a:graphicData uri="http://schemas.openxmlformats.org/drawingml/2006/diagram">
+            <dgm:relIds xmlns:dgm="http://schemas.openxmlformats.org/drawingml/2006/diagram" xmlns:r="http://schemas.openxmlformats.org/officeDocument/2006/relationships" r:dm="rId3" r:lo="rId4" r:qs="rId5" r:cs="rId6"/>
+          </a:graphicData>
+        </a:graphic>
+      </p:graphicFrame>
     </p:spTree>
   </p:cSld>
   <p:clrMapOvr>
-    <a:masterClrMapping/>
+    <a:overrideClrMapping bg1="dk1" tx1="lt1" bg2="dk2" tx2="lt2" accent1="accent1" accent2="accent2" accent3="accent3" accent4="accent4" accent5="accent5" accent6="accent6" hlink="hlink" folHlink="folHlink"/>
   </p:clrMapOvr>
 </p:sld>
 </file>
